--- a/images/theory_analysis/HTTP2/HTTP2.pptx
+++ b/images/theory_analysis/HTTP2/HTTP2.pptx
@@ -5,12 +5,16 @@
     <p:sldMasterId id="2147483648" r:id="rId1"/>
   </p:sldMasterIdLst>
   <p:notesMasterIdLst>
-    <p:notesMasterId r:id="rId5"/>
+    <p:notesMasterId r:id="rId9"/>
   </p:notesMasterIdLst>
   <p:sldIdLst>
     <p:sldId id="361" r:id="rId2"/>
     <p:sldId id="362" r:id="rId3"/>
     <p:sldId id="363" r:id="rId4"/>
+    <p:sldId id="364" r:id="rId5"/>
+    <p:sldId id="367" r:id="rId6"/>
+    <p:sldId id="366" r:id="rId7"/>
+    <p:sldId id="365" r:id="rId8"/>
   </p:sldIdLst>
   <p:sldSz cx="9144000" cy="5143500" type="screen16x9"/>
   <p:notesSz cx="6858000" cy="9144000"/>
@@ -133,6 +137,3593 @@
 </p:presentation>
 </file>
 
+<file path=ppt/diagrams/colors1.xml><?xml version="1.0" encoding="utf-8"?>
+<dgm:colorsDef xmlns:dgm="http://schemas.openxmlformats.org/drawingml/2006/diagram" xmlns:a="http://schemas.openxmlformats.org/drawingml/2006/main" uniqueId="urn:microsoft.com/office/officeart/2005/8/colors/accent0_1">
+  <dgm:title val=""/>
+  <dgm:desc val=""/>
+  <dgm:catLst>
+    <dgm:cat type="mainScheme" pri="10100"/>
+  </dgm:catLst>
+  <dgm:styleLbl name="node0">
+    <dgm:fillClrLst meth="repeat">
+      <a:schemeClr val="lt1"/>
+    </dgm:fillClrLst>
+    <dgm:linClrLst meth="repeat">
+      <a:schemeClr val="dk1">
+        <a:shade val="80000"/>
+      </a:schemeClr>
+    </dgm:linClrLst>
+    <dgm:effectClrLst/>
+    <dgm:txLinClrLst/>
+    <dgm:txFillClrLst meth="repeat">
+      <a:schemeClr val="dk1"/>
+    </dgm:txFillClrLst>
+    <dgm:txEffectClrLst/>
+  </dgm:styleLbl>
+  <dgm:styleLbl name="node1">
+    <dgm:fillClrLst meth="repeat">
+      <a:schemeClr val="lt1"/>
+    </dgm:fillClrLst>
+    <dgm:linClrLst meth="repeat">
+      <a:schemeClr val="dk1">
+        <a:shade val="80000"/>
+      </a:schemeClr>
+    </dgm:linClrLst>
+    <dgm:effectClrLst/>
+    <dgm:txLinClrLst/>
+    <dgm:txFillClrLst meth="repeat">
+      <a:schemeClr val="dk1"/>
+    </dgm:txFillClrLst>
+    <dgm:txEffectClrLst/>
+  </dgm:styleLbl>
+  <dgm:styleLbl name="alignNode1">
+    <dgm:fillClrLst meth="repeat">
+      <a:schemeClr val="lt1"/>
+    </dgm:fillClrLst>
+    <dgm:linClrLst meth="repeat">
+      <a:schemeClr val="dk1">
+        <a:shade val="80000"/>
+      </a:schemeClr>
+    </dgm:linClrLst>
+    <dgm:effectClrLst/>
+    <dgm:txLinClrLst/>
+    <dgm:txFillClrLst meth="repeat">
+      <a:schemeClr val="dk1"/>
+    </dgm:txFillClrLst>
+    <dgm:txEffectClrLst/>
+  </dgm:styleLbl>
+  <dgm:styleLbl name="lnNode1">
+    <dgm:fillClrLst meth="repeat">
+      <a:schemeClr val="lt1"/>
+    </dgm:fillClrLst>
+    <dgm:linClrLst meth="repeat">
+      <a:schemeClr val="dk1">
+        <a:shade val="80000"/>
+      </a:schemeClr>
+    </dgm:linClrLst>
+    <dgm:effectClrLst/>
+    <dgm:txLinClrLst/>
+    <dgm:txFillClrLst meth="repeat">
+      <a:schemeClr val="dk1"/>
+    </dgm:txFillClrLst>
+    <dgm:txEffectClrLst/>
+  </dgm:styleLbl>
+  <dgm:styleLbl name="vennNode1">
+    <dgm:fillClrLst meth="repeat">
+      <a:schemeClr val="lt1">
+        <a:alpha val="50000"/>
+      </a:schemeClr>
+    </dgm:fillClrLst>
+    <dgm:linClrLst meth="repeat">
+      <a:schemeClr val="dk1">
+        <a:shade val="80000"/>
+      </a:schemeClr>
+    </dgm:linClrLst>
+    <dgm:effectClrLst/>
+    <dgm:txLinClrLst/>
+    <dgm:txFillClrLst/>
+    <dgm:txEffectClrLst/>
+  </dgm:styleLbl>
+  <dgm:styleLbl name="node2">
+    <dgm:fillClrLst meth="repeat">
+      <a:schemeClr val="lt1"/>
+    </dgm:fillClrLst>
+    <dgm:linClrLst meth="repeat">
+      <a:schemeClr val="dk1">
+        <a:shade val="80000"/>
+      </a:schemeClr>
+    </dgm:linClrLst>
+    <dgm:effectClrLst/>
+    <dgm:txLinClrLst/>
+    <dgm:txFillClrLst meth="repeat">
+      <a:schemeClr val="dk1"/>
+    </dgm:txFillClrLst>
+    <dgm:txEffectClrLst/>
+  </dgm:styleLbl>
+  <dgm:styleLbl name="node3">
+    <dgm:fillClrLst meth="repeat">
+      <a:schemeClr val="lt1"/>
+    </dgm:fillClrLst>
+    <dgm:linClrLst meth="repeat">
+      <a:schemeClr val="dk1">
+        <a:shade val="80000"/>
+      </a:schemeClr>
+    </dgm:linClrLst>
+    <dgm:effectClrLst/>
+    <dgm:txLinClrLst/>
+    <dgm:txFillClrLst meth="repeat">
+      <a:schemeClr val="dk1"/>
+    </dgm:txFillClrLst>
+    <dgm:txEffectClrLst/>
+  </dgm:styleLbl>
+  <dgm:styleLbl name="node4">
+    <dgm:fillClrLst meth="repeat">
+      <a:schemeClr val="lt1"/>
+    </dgm:fillClrLst>
+    <dgm:linClrLst meth="repeat">
+      <a:schemeClr val="dk1">
+        <a:shade val="80000"/>
+      </a:schemeClr>
+    </dgm:linClrLst>
+    <dgm:effectClrLst/>
+    <dgm:txLinClrLst/>
+    <dgm:txFillClrLst meth="repeat">
+      <a:schemeClr val="dk1"/>
+    </dgm:txFillClrLst>
+    <dgm:txEffectClrLst/>
+  </dgm:styleLbl>
+  <dgm:styleLbl name="fgImgPlace1">
+    <dgm:fillClrLst meth="repeat">
+      <a:schemeClr val="dk1">
+        <a:tint val="40000"/>
+      </a:schemeClr>
+    </dgm:fillClrLst>
+    <dgm:linClrLst meth="repeat">
+      <a:schemeClr val="dk1">
+        <a:shade val="80000"/>
+      </a:schemeClr>
+    </dgm:linClrLst>
+    <dgm:effectClrLst/>
+    <dgm:txLinClrLst/>
+    <dgm:txFillClrLst meth="repeat">
+      <a:schemeClr val="lt1"/>
+    </dgm:txFillClrLst>
+    <dgm:txEffectClrLst/>
+  </dgm:styleLbl>
+  <dgm:styleLbl name="alignImgPlace1">
+    <dgm:fillClrLst meth="repeat">
+      <a:schemeClr val="dk1">
+        <a:tint val="40000"/>
+      </a:schemeClr>
+    </dgm:fillClrLst>
+    <dgm:linClrLst meth="repeat">
+      <a:schemeClr val="dk1">
+        <a:shade val="80000"/>
+      </a:schemeClr>
+    </dgm:linClrLst>
+    <dgm:effectClrLst/>
+    <dgm:txLinClrLst/>
+    <dgm:txFillClrLst meth="repeat">
+      <a:schemeClr val="lt1"/>
+    </dgm:txFillClrLst>
+    <dgm:txEffectClrLst/>
+  </dgm:styleLbl>
+  <dgm:styleLbl name="bgImgPlace1">
+    <dgm:fillClrLst meth="repeat">
+      <a:schemeClr val="dk1">
+        <a:tint val="40000"/>
+      </a:schemeClr>
+    </dgm:fillClrLst>
+    <dgm:linClrLst meth="repeat">
+      <a:schemeClr val="dk1">
+        <a:shade val="80000"/>
+      </a:schemeClr>
+    </dgm:linClrLst>
+    <dgm:effectClrLst/>
+    <dgm:txLinClrLst/>
+    <dgm:txFillClrLst meth="repeat">
+      <a:schemeClr val="lt1"/>
+    </dgm:txFillClrLst>
+    <dgm:txEffectClrLst/>
+  </dgm:styleLbl>
+  <dgm:styleLbl name="sibTrans2D1">
+    <dgm:fillClrLst meth="repeat">
+      <a:schemeClr val="dk1">
+        <a:tint val="60000"/>
+      </a:schemeClr>
+    </dgm:fillClrLst>
+    <dgm:linClrLst meth="repeat">
+      <a:schemeClr val="dk1">
+        <a:tint val="60000"/>
+      </a:schemeClr>
+    </dgm:linClrLst>
+    <dgm:effectClrLst/>
+    <dgm:txLinClrLst/>
+    <dgm:txFillClrLst meth="repeat">
+      <a:schemeClr val="dk1"/>
+    </dgm:txFillClrLst>
+    <dgm:txEffectClrLst/>
+  </dgm:styleLbl>
+  <dgm:styleLbl name="fgSibTrans2D1">
+    <dgm:fillClrLst meth="repeat">
+      <a:schemeClr val="dk1">
+        <a:tint val="60000"/>
+      </a:schemeClr>
+    </dgm:fillClrLst>
+    <dgm:linClrLst meth="repeat">
+      <a:schemeClr val="dk1">
+        <a:tint val="60000"/>
+      </a:schemeClr>
+    </dgm:linClrLst>
+    <dgm:effectClrLst/>
+    <dgm:txLinClrLst/>
+    <dgm:txFillClrLst meth="repeat">
+      <a:schemeClr val="dk1"/>
+    </dgm:txFillClrLst>
+    <dgm:txEffectClrLst/>
+  </dgm:styleLbl>
+  <dgm:styleLbl name="bgSibTrans2D1">
+    <dgm:fillClrLst meth="repeat">
+      <a:schemeClr val="dk1">
+        <a:tint val="60000"/>
+      </a:schemeClr>
+    </dgm:fillClrLst>
+    <dgm:linClrLst meth="repeat">
+      <a:schemeClr val="dk1">
+        <a:tint val="60000"/>
+      </a:schemeClr>
+    </dgm:linClrLst>
+    <dgm:effectClrLst/>
+    <dgm:txLinClrLst/>
+    <dgm:txFillClrLst meth="repeat">
+      <a:schemeClr val="dk1"/>
+    </dgm:txFillClrLst>
+    <dgm:txEffectClrLst/>
+  </dgm:styleLbl>
+  <dgm:styleLbl name="sibTrans1D1">
+    <dgm:fillClrLst meth="repeat">
+      <a:schemeClr val="dk1"/>
+    </dgm:fillClrLst>
+    <dgm:linClrLst meth="repeat">
+      <a:schemeClr val="dk1"/>
+    </dgm:linClrLst>
+    <dgm:effectClrLst/>
+    <dgm:txLinClrLst/>
+    <dgm:txFillClrLst meth="repeat">
+      <a:schemeClr val="tx1"/>
+    </dgm:txFillClrLst>
+    <dgm:txEffectClrLst/>
+  </dgm:styleLbl>
+  <dgm:styleLbl name="callout">
+    <dgm:fillClrLst meth="repeat">
+      <a:schemeClr val="dk1"/>
+    </dgm:fillClrLst>
+    <dgm:linClrLst meth="repeat">
+      <a:schemeClr val="dk1"/>
+    </dgm:linClrLst>
+    <dgm:effectClrLst/>
+    <dgm:txLinClrLst/>
+    <dgm:txFillClrLst meth="repeat">
+      <a:schemeClr val="tx1"/>
+    </dgm:txFillClrLst>
+    <dgm:txEffectClrLst/>
+  </dgm:styleLbl>
+  <dgm:styleLbl name="asst0">
+    <dgm:fillClrLst meth="repeat">
+      <a:schemeClr val="lt1"/>
+    </dgm:fillClrLst>
+    <dgm:linClrLst meth="repeat">
+      <a:schemeClr val="dk1">
+        <a:shade val="80000"/>
+      </a:schemeClr>
+    </dgm:linClrLst>
+    <dgm:effectClrLst/>
+    <dgm:txLinClrLst/>
+    <dgm:txFillClrLst meth="repeat">
+      <a:schemeClr val="dk1"/>
+    </dgm:txFillClrLst>
+    <dgm:txEffectClrLst/>
+  </dgm:styleLbl>
+  <dgm:styleLbl name="asst1">
+    <dgm:fillClrLst meth="repeat">
+      <a:schemeClr val="lt1"/>
+    </dgm:fillClrLst>
+    <dgm:linClrLst meth="repeat">
+      <a:schemeClr val="dk1">
+        <a:shade val="80000"/>
+      </a:schemeClr>
+    </dgm:linClrLst>
+    <dgm:effectClrLst/>
+    <dgm:txLinClrLst/>
+    <dgm:txFillClrLst meth="repeat">
+      <a:schemeClr val="dk1"/>
+    </dgm:txFillClrLst>
+    <dgm:txEffectClrLst/>
+  </dgm:styleLbl>
+  <dgm:styleLbl name="asst2">
+    <dgm:fillClrLst meth="repeat">
+      <a:schemeClr val="lt1"/>
+    </dgm:fillClrLst>
+    <dgm:linClrLst meth="repeat">
+      <a:schemeClr val="dk1">
+        <a:shade val="80000"/>
+      </a:schemeClr>
+    </dgm:linClrLst>
+    <dgm:effectClrLst/>
+    <dgm:txLinClrLst/>
+    <dgm:txFillClrLst meth="repeat">
+      <a:schemeClr val="dk1"/>
+    </dgm:txFillClrLst>
+    <dgm:txEffectClrLst/>
+  </dgm:styleLbl>
+  <dgm:styleLbl name="asst3">
+    <dgm:fillClrLst meth="repeat">
+      <a:schemeClr val="lt1"/>
+    </dgm:fillClrLst>
+    <dgm:linClrLst meth="repeat">
+      <a:schemeClr val="dk1">
+        <a:shade val="80000"/>
+      </a:schemeClr>
+    </dgm:linClrLst>
+    <dgm:effectClrLst/>
+    <dgm:txLinClrLst/>
+    <dgm:txFillClrLst meth="repeat">
+      <a:schemeClr val="dk1"/>
+    </dgm:txFillClrLst>
+    <dgm:txEffectClrLst/>
+  </dgm:styleLbl>
+  <dgm:styleLbl name="asst4">
+    <dgm:fillClrLst meth="repeat">
+      <a:schemeClr val="lt1"/>
+    </dgm:fillClrLst>
+    <dgm:linClrLst meth="repeat">
+      <a:schemeClr val="dk1">
+        <a:shade val="80000"/>
+      </a:schemeClr>
+    </dgm:linClrLst>
+    <dgm:effectClrLst/>
+    <dgm:txLinClrLst/>
+    <dgm:txFillClrLst meth="repeat">
+      <a:schemeClr val="dk1"/>
+    </dgm:txFillClrLst>
+    <dgm:txEffectClrLst/>
+  </dgm:styleLbl>
+  <dgm:styleLbl name="parChTrans2D1">
+    <dgm:fillClrLst meth="repeat">
+      <a:schemeClr val="dk1">
+        <a:tint val="60000"/>
+      </a:schemeClr>
+    </dgm:fillClrLst>
+    <dgm:linClrLst meth="repeat">
+      <a:schemeClr val="dk1">
+        <a:tint val="60000"/>
+      </a:schemeClr>
+    </dgm:linClrLst>
+    <dgm:effectClrLst/>
+    <dgm:txLinClrLst/>
+    <dgm:txFillClrLst/>
+    <dgm:txEffectClrLst/>
+  </dgm:styleLbl>
+  <dgm:styleLbl name="parChTrans2D2">
+    <dgm:fillClrLst meth="repeat">
+      <a:schemeClr val="dk1"/>
+    </dgm:fillClrLst>
+    <dgm:linClrLst meth="repeat">
+      <a:schemeClr val="dk1"/>
+    </dgm:linClrLst>
+    <dgm:effectClrLst/>
+    <dgm:txLinClrLst/>
+    <dgm:txFillClrLst/>
+    <dgm:txEffectClrLst/>
+  </dgm:styleLbl>
+  <dgm:styleLbl name="parChTrans2D3">
+    <dgm:fillClrLst meth="repeat">
+      <a:schemeClr val="dk1"/>
+    </dgm:fillClrLst>
+    <dgm:linClrLst meth="repeat">
+      <a:schemeClr val="dk1"/>
+    </dgm:linClrLst>
+    <dgm:effectClrLst/>
+    <dgm:txLinClrLst/>
+    <dgm:txFillClrLst/>
+    <dgm:txEffectClrLst/>
+  </dgm:styleLbl>
+  <dgm:styleLbl name="parChTrans2D4">
+    <dgm:fillClrLst meth="repeat">
+      <a:schemeClr val="dk1"/>
+    </dgm:fillClrLst>
+    <dgm:linClrLst meth="repeat">
+      <a:schemeClr val="dk1"/>
+    </dgm:linClrLst>
+    <dgm:effectClrLst/>
+    <dgm:txLinClrLst/>
+    <dgm:txFillClrLst meth="repeat">
+      <a:schemeClr val="lt1"/>
+    </dgm:txFillClrLst>
+    <dgm:txEffectClrLst/>
+  </dgm:styleLbl>
+  <dgm:styleLbl name="parChTrans1D1">
+    <dgm:fillClrLst meth="repeat">
+      <a:schemeClr val="dk1"/>
+    </dgm:fillClrLst>
+    <dgm:linClrLst meth="repeat">
+      <a:schemeClr val="dk1">
+        <a:shade val="60000"/>
+      </a:schemeClr>
+    </dgm:linClrLst>
+    <dgm:effectClrLst/>
+    <dgm:txLinClrLst/>
+    <dgm:txFillClrLst meth="repeat">
+      <a:schemeClr val="tx1"/>
+    </dgm:txFillClrLst>
+    <dgm:txEffectClrLst/>
+  </dgm:styleLbl>
+  <dgm:styleLbl name="parChTrans1D2">
+    <dgm:fillClrLst meth="repeat">
+      <a:schemeClr val="dk1"/>
+    </dgm:fillClrLst>
+    <dgm:linClrLst meth="repeat">
+      <a:schemeClr val="dk1">
+        <a:shade val="60000"/>
+      </a:schemeClr>
+    </dgm:linClrLst>
+    <dgm:effectClrLst/>
+    <dgm:txLinClrLst/>
+    <dgm:txFillClrLst meth="repeat">
+      <a:schemeClr val="tx1"/>
+    </dgm:txFillClrLst>
+    <dgm:txEffectClrLst/>
+  </dgm:styleLbl>
+  <dgm:styleLbl name="parChTrans1D3">
+    <dgm:fillClrLst meth="repeat">
+      <a:schemeClr val="dk1"/>
+    </dgm:fillClrLst>
+    <dgm:linClrLst meth="repeat">
+      <a:schemeClr val="dk1">
+        <a:shade val="80000"/>
+      </a:schemeClr>
+    </dgm:linClrLst>
+    <dgm:effectClrLst/>
+    <dgm:txLinClrLst/>
+    <dgm:txFillClrLst meth="repeat">
+      <a:schemeClr val="tx1"/>
+    </dgm:txFillClrLst>
+    <dgm:txEffectClrLst/>
+  </dgm:styleLbl>
+  <dgm:styleLbl name="parChTrans1D4">
+    <dgm:fillClrLst meth="repeat">
+      <a:schemeClr val="dk1"/>
+    </dgm:fillClrLst>
+    <dgm:linClrLst meth="repeat">
+      <a:schemeClr val="dk1">
+        <a:shade val="80000"/>
+      </a:schemeClr>
+    </dgm:linClrLst>
+    <dgm:effectClrLst/>
+    <dgm:txLinClrLst/>
+    <dgm:txFillClrLst meth="repeat">
+      <a:schemeClr val="tx1"/>
+    </dgm:txFillClrLst>
+    <dgm:txEffectClrLst/>
+  </dgm:styleLbl>
+  <dgm:styleLbl name="fgAcc1">
+    <dgm:fillClrLst meth="repeat">
+      <a:schemeClr val="dk1">
+        <a:alpha val="90000"/>
+        <a:tint val="40000"/>
+      </a:schemeClr>
+    </dgm:fillClrLst>
+    <dgm:linClrLst meth="repeat">
+      <a:schemeClr val="dk1"/>
+    </dgm:linClrLst>
+    <dgm:effectClrLst/>
+    <dgm:txLinClrLst/>
+    <dgm:txFillClrLst meth="repeat">
+      <a:schemeClr val="dk1"/>
+    </dgm:txFillClrLst>
+    <dgm:txEffectClrLst/>
+  </dgm:styleLbl>
+  <dgm:styleLbl name="conFgAcc1">
+    <dgm:fillClrLst meth="repeat">
+      <a:schemeClr val="dk1">
+        <a:alpha val="90000"/>
+        <a:tint val="40000"/>
+      </a:schemeClr>
+    </dgm:fillClrLst>
+    <dgm:linClrLst meth="repeat">
+      <a:schemeClr val="dk1"/>
+    </dgm:linClrLst>
+    <dgm:effectClrLst/>
+    <dgm:txLinClrLst/>
+    <dgm:txFillClrLst meth="repeat">
+      <a:schemeClr val="dk1"/>
+    </dgm:txFillClrLst>
+    <dgm:txEffectClrLst/>
+  </dgm:styleLbl>
+  <dgm:styleLbl name="alignAcc1">
+    <dgm:fillClrLst meth="repeat">
+      <a:schemeClr val="dk1">
+        <a:alpha val="90000"/>
+        <a:tint val="40000"/>
+      </a:schemeClr>
+    </dgm:fillClrLst>
+    <dgm:linClrLst meth="repeat">
+      <a:schemeClr val="dk1"/>
+    </dgm:linClrLst>
+    <dgm:effectClrLst/>
+    <dgm:txLinClrLst/>
+    <dgm:txFillClrLst meth="repeat">
+      <a:schemeClr val="dk1"/>
+    </dgm:txFillClrLst>
+    <dgm:txEffectClrLst/>
+  </dgm:styleLbl>
+  <dgm:styleLbl name="trAlignAcc1">
+    <dgm:fillClrLst meth="repeat">
+      <a:schemeClr val="dk1">
+        <a:alpha val="40000"/>
+        <a:tint val="40000"/>
+      </a:schemeClr>
+    </dgm:fillClrLst>
+    <dgm:linClrLst meth="repeat">
+      <a:schemeClr val="dk1"/>
+    </dgm:linClrLst>
+    <dgm:effectClrLst/>
+    <dgm:txLinClrLst/>
+    <dgm:txFillClrLst meth="repeat">
+      <a:schemeClr val="dk1"/>
+    </dgm:txFillClrLst>
+    <dgm:txEffectClrLst/>
+  </dgm:styleLbl>
+  <dgm:styleLbl name="bgAcc1">
+    <dgm:fillClrLst meth="repeat">
+      <a:schemeClr val="dk1">
+        <a:alpha val="90000"/>
+        <a:tint val="40000"/>
+      </a:schemeClr>
+    </dgm:fillClrLst>
+    <dgm:linClrLst meth="repeat">
+      <a:schemeClr val="dk1"/>
+    </dgm:linClrLst>
+    <dgm:effectClrLst/>
+    <dgm:txLinClrLst/>
+    <dgm:txFillClrLst meth="repeat">
+      <a:schemeClr val="dk1"/>
+    </dgm:txFillClrLst>
+    <dgm:txEffectClrLst/>
+  </dgm:styleLbl>
+  <dgm:styleLbl name="solidFgAcc1">
+    <dgm:fillClrLst meth="repeat">
+      <a:schemeClr val="lt1"/>
+    </dgm:fillClrLst>
+    <dgm:linClrLst meth="repeat">
+      <a:schemeClr val="dk1"/>
+    </dgm:linClrLst>
+    <dgm:effectClrLst/>
+    <dgm:txLinClrLst/>
+    <dgm:txFillClrLst meth="repeat">
+      <a:schemeClr val="dk1"/>
+    </dgm:txFillClrLst>
+    <dgm:txEffectClrLst/>
+  </dgm:styleLbl>
+  <dgm:styleLbl name="solidAlignAcc1">
+    <dgm:fillClrLst meth="repeat">
+      <a:schemeClr val="lt1"/>
+    </dgm:fillClrLst>
+    <dgm:linClrLst meth="repeat">
+      <a:schemeClr val="dk1"/>
+    </dgm:linClrLst>
+    <dgm:effectClrLst/>
+    <dgm:txLinClrLst/>
+    <dgm:txFillClrLst meth="repeat">
+      <a:schemeClr val="dk1"/>
+    </dgm:txFillClrLst>
+    <dgm:txEffectClrLst/>
+  </dgm:styleLbl>
+  <dgm:styleLbl name="solidBgAcc1">
+    <dgm:fillClrLst meth="repeat">
+      <a:schemeClr val="lt1"/>
+    </dgm:fillClrLst>
+    <dgm:linClrLst meth="repeat">
+      <a:schemeClr val="dk1"/>
+    </dgm:linClrLst>
+    <dgm:effectClrLst/>
+    <dgm:txLinClrLst/>
+    <dgm:txFillClrLst meth="repeat">
+      <a:schemeClr val="dk1"/>
+    </dgm:txFillClrLst>
+    <dgm:txEffectClrLst/>
+  </dgm:styleLbl>
+  <dgm:styleLbl name="fgAccFollowNode1">
+    <dgm:fillClrLst meth="repeat">
+      <a:schemeClr val="lt1">
+        <a:alpha val="90000"/>
+        <a:tint val="40000"/>
+      </a:schemeClr>
+    </dgm:fillClrLst>
+    <dgm:linClrLst meth="repeat">
+      <a:schemeClr val="dk1">
+        <a:alpha val="90000"/>
+      </a:schemeClr>
+    </dgm:linClrLst>
+    <dgm:effectClrLst/>
+    <dgm:txLinClrLst/>
+    <dgm:txFillClrLst meth="repeat">
+      <a:schemeClr val="dk1"/>
+    </dgm:txFillClrLst>
+    <dgm:txEffectClrLst/>
+  </dgm:styleLbl>
+  <dgm:styleLbl name="alignAccFollowNode1">
+    <dgm:fillClrLst meth="repeat">
+      <a:schemeClr val="lt1">
+        <a:alpha val="90000"/>
+        <a:tint val="40000"/>
+      </a:schemeClr>
+    </dgm:fillClrLst>
+    <dgm:linClrLst meth="repeat">
+      <a:schemeClr val="dk1">
+        <a:alpha val="90000"/>
+      </a:schemeClr>
+    </dgm:linClrLst>
+    <dgm:effectClrLst/>
+    <dgm:txLinClrLst/>
+    <dgm:txFillClrLst meth="repeat">
+      <a:schemeClr val="dk1"/>
+    </dgm:txFillClrLst>
+    <dgm:txEffectClrLst/>
+  </dgm:styleLbl>
+  <dgm:styleLbl name="bgAccFollowNode1">
+    <dgm:fillClrLst meth="repeat">
+      <a:schemeClr val="lt1">
+        <a:alpha val="90000"/>
+        <a:tint val="40000"/>
+      </a:schemeClr>
+    </dgm:fillClrLst>
+    <dgm:linClrLst meth="repeat">
+      <a:schemeClr val="dk1">
+        <a:alpha val="90000"/>
+      </a:schemeClr>
+    </dgm:linClrLst>
+    <dgm:effectClrLst/>
+    <dgm:txLinClrLst/>
+    <dgm:txFillClrLst meth="repeat">
+      <a:schemeClr val="dk1"/>
+    </dgm:txFillClrLst>
+    <dgm:txEffectClrLst/>
+  </dgm:styleLbl>
+  <dgm:styleLbl name="fgAcc0">
+    <dgm:fillClrLst meth="repeat">
+      <a:schemeClr val="dk1">
+        <a:alpha val="90000"/>
+        <a:tint val="40000"/>
+      </a:schemeClr>
+    </dgm:fillClrLst>
+    <dgm:linClrLst meth="repeat">
+      <a:schemeClr val="dk1"/>
+    </dgm:linClrLst>
+    <dgm:effectClrLst/>
+    <dgm:txLinClrLst/>
+    <dgm:txFillClrLst meth="repeat">
+      <a:schemeClr val="dk1"/>
+    </dgm:txFillClrLst>
+    <dgm:txEffectClrLst/>
+  </dgm:styleLbl>
+  <dgm:styleLbl name="fgAcc2">
+    <dgm:fillClrLst meth="repeat">
+      <a:schemeClr val="dk1">
+        <a:alpha val="90000"/>
+        <a:tint val="40000"/>
+      </a:schemeClr>
+    </dgm:fillClrLst>
+    <dgm:linClrLst meth="repeat">
+      <a:schemeClr val="dk1"/>
+    </dgm:linClrLst>
+    <dgm:effectClrLst/>
+    <dgm:txLinClrLst/>
+    <dgm:txFillClrLst meth="repeat">
+      <a:schemeClr val="dk1"/>
+    </dgm:txFillClrLst>
+    <dgm:txEffectClrLst/>
+  </dgm:styleLbl>
+  <dgm:styleLbl name="fgAcc3">
+    <dgm:fillClrLst meth="repeat">
+      <a:schemeClr val="dk1">
+        <a:alpha val="90000"/>
+        <a:tint val="40000"/>
+      </a:schemeClr>
+    </dgm:fillClrLst>
+    <dgm:linClrLst meth="repeat">
+      <a:schemeClr val="dk1"/>
+    </dgm:linClrLst>
+    <dgm:effectClrLst/>
+    <dgm:txLinClrLst/>
+    <dgm:txFillClrLst meth="repeat">
+      <a:schemeClr val="dk1"/>
+    </dgm:txFillClrLst>
+    <dgm:txEffectClrLst/>
+  </dgm:styleLbl>
+  <dgm:styleLbl name="fgAcc4">
+    <dgm:fillClrLst meth="repeat">
+      <a:schemeClr val="dk1">
+        <a:alpha val="90000"/>
+        <a:tint val="40000"/>
+      </a:schemeClr>
+    </dgm:fillClrLst>
+    <dgm:linClrLst meth="repeat">
+      <a:schemeClr val="dk1"/>
+    </dgm:linClrLst>
+    <dgm:effectClrLst/>
+    <dgm:txLinClrLst/>
+    <dgm:txFillClrLst meth="repeat">
+      <a:schemeClr val="dk1"/>
+    </dgm:txFillClrLst>
+    <dgm:txEffectClrLst/>
+  </dgm:styleLbl>
+  <dgm:styleLbl name="bgShp">
+    <dgm:fillClrLst meth="repeat">
+      <a:schemeClr val="dk1">
+        <a:tint val="40000"/>
+      </a:schemeClr>
+    </dgm:fillClrLst>
+    <dgm:linClrLst meth="repeat">
+      <a:schemeClr val="dk1"/>
+    </dgm:linClrLst>
+    <dgm:effectClrLst/>
+    <dgm:txLinClrLst/>
+    <dgm:txFillClrLst meth="repeat">
+      <a:schemeClr val="dk1"/>
+    </dgm:txFillClrLst>
+    <dgm:txEffectClrLst/>
+  </dgm:styleLbl>
+  <dgm:styleLbl name="dkBgShp">
+    <dgm:fillClrLst meth="repeat">
+      <a:schemeClr val="dk1">
+        <a:shade val="80000"/>
+      </a:schemeClr>
+    </dgm:fillClrLst>
+    <dgm:linClrLst meth="repeat">
+      <a:schemeClr val="dk1"/>
+    </dgm:linClrLst>
+    <dgm:effectClrLst/>
+    <dgm:txLinClrLst/>
+    <dgm:txFillClrLst meth="repeat">
+      <a:schemeClr val="lt1"/>
+    </dgm:txFillClrLst>
+    <dgm:txEffectClrLst/>
+  </dgm:styleLbl>
+  <dgm:styleLbl name="trBgShp">
+    <dgm:fillClrLst meth="repeat">
+      <a:schemeClr val="dk1">
+        <a:tint val="50000"/>
+        <a:alpha val="40000"/>
+      </a:schemeClr>
+    </dgm:fillClrLst>
+    <dgm:linClrLst meth="repeat">
+      <a:schemeClr val="dk1"/>
+    </dgm:linClrLst>
+    <dgm:effectClrLst/>
+    <dgm:txLinClrLst/>
+    <dgm:txFillClrLst meth="repeat">
+      <a:schemeClr val="lt1"/>
+    </dgm:txFillClrLst>
+    <dgm:txEffectClrLst/>
+  </dgm:styleLbl>
+  <dgm:styleLbl name="fgShp">
+    <dgm:fillClrLst meth="repeat">
+      <a:schemeClr val="dk1">
+        <a:tint val="60000"/>
+      </a:schemeClr>
+    </dgm:fillClrLst>
+    <dgm:linClrLst meth="repeat">
+      <a:schemeClr val="lt1"/>
+    </dgm:linClrLst>
+    <dgm:effectClrLst/>
+    <dgm:txLinClrLst/>
+    <dgm:txFillClrLst meth="repeat">
+      <a:schemeClr val="dk1"/>
+    </dgm:txFillClrLst>
+    <dgm:txEffectClrLst/>
+  </dgm:styleLbl>
+  <dgm:styleLbl name="revTx">
+    <dgm:fillClrLst meth="repeat">
+      <a:schemeClr val="lt1">
+        <a:alpha val="0"/>
+      </a:schemeClr>
+    </dgm:fillClrLst>
+    <dgm:linClrLst meth="repeat">
+      <a:schemeClr val="dk1">
+        <a:alpha val="0"/>
+      </a:schemeClr>
+    </dgm:linClrLst>
+    <dgm:effectClrLst/>
+    <dgm:txLinClrLst/>
+    <dgm:txFillClrLst meth="repeat">
+      <a:schemeClr val="tx1"/>
+    </dgm:txFillClrLst>
+    <dgm:txEffectClrLst/>
+  </dgm:styleLbl>
+</dgm:colorsDef>
+</file>
+
+<file path=ppt/diagrams/data1.xml><?xml version="1.0" encoding="utf-8"?>
+<dgm:dataModel xmlns:dgm="http://schemas.openxmlformats.org/drawingml/2006/diagram" xmlns:a="http://schemas.openxmlformats.org/drawingml/2006/main">
+  <dgm:ptLst>
+    <dgm:pt modelId="{DFD032D8-2BEE-422B-808D-4D86968B45C9}" type="doc">
+      <dgm:prSet loTypeId="urn:microsoft.com/office/officeart/2005/8/layout/hierarchy6" loCatId="hierarchy" qsTypeId="urn:microsoft.com/office/officeart/2005/8/quickstyle/simple1" qsCatId="simple" csTypeId="urn:microsoft.com/office/officeart/2005/8/colors/accent0_1" csCatId="mainScheme" phldr="1"/>
+      <dgm:spPr/>
+      <dgm:t>
+        <a:bodyPr/>
+        <a:lstStyle/>
+        <a:p>
+          <a:pPr latinLnBrk="1"/>
+          <a:endParaRPr lang="ko-KR" altLang="en-US"/>
+        </a:p>
+      </dgm:t>
+    </dgm:pt>
+    <dgm:pt modelId="{C5AA6D9A-0B05-4F12-8893-10BD3BB66C49}">
+      <dgm:prSet phldrT="[텍스트]" custT="1"/>
+      <dgm:spPr/>
+      <dgm:t>
+        <a:bodyPr/>
+        <a:lstStyle/>
+        <a:p>
+          <a:pPr latinLnBrk="1"/>
+          <a:r>
+            <a:rPr lang="en-US" altLang="ko-KR" sz="1200"/>
+            <a:t>Root</a:t>
+          </a:r>
+          <a:endParaRPr lang="ko-KR" altLang="en-US" sz="1200"/>
+        </a:p>
+      </dgm:t>
+    </dgm:pt>
+    <dgm:pt modelId="{B0CBC33B-8999-4916-A4FA-4A548D5246F8}" type="parTrans" cxnId="{26A04025-8357-4CB3-8466-55F98986470C}">
+      <dgm:prSet/>
+      <dgm:spPr/>
+      <dgm:t>
+        <a:bodyPr/>
+        <a:lstStyle/>
+        <a:p>
+          <a:pPr latinLnBrk="1"/>
+          <a:endParaRPr lang="ko-KR" altLang="en-US" sz="1000"/>
+        </a:p>
+      </dgm:t>
+    </dgm:pt>
+    <dgm:pt modelId="{40793F6F-6AEC-41E7-9E6F-40DF4B9030D3}" type="sibTrans" cxnId="{26A04025-8357-4CB3-8466-55F98986470C}">
+      <dgm:prSet/>
+      <dgm:spPr/>
+      <dgm:t>
+        <a:bodyPr/>
+        <a:lstStyle/>
+        <a:p>
+          <a:pPr latinLnBrk="1"/>
+          <a:endParaRPr lang="ko-KR" altLang="en-US" sz="1000"/>
+        </a:p>
+      </dgm:t>
+    </dgm:pt>
+    <dgm:pt modelId="{CFD9A270-6A86-42C7-B4CC-02258666FB1D}">
+      <dgm:prSet phldrT="[텍스트]" custT="1"/>
+      <dgm:spPr/>
+      <dgm:t>
+        <a:bodyPr/>
+        <a:lstStyle/>
+        <a:p>
+          <a:pPr latinLnBrk="1"/>
+          <a:r>
+            <a:rPr lang="en-US" altLang="ko-KR" sz="1200"/>
+            <a:t>A / 12</a:t>
+          </a:r>
+          <a:endParaRPr lang="ko-KR" altLang="en-US" sz="1200"/>
+        </a:p>
+      </dgm:t>
+    </dgm:pt>
+    <dgm:pt modelId="{C6C55A92-DE48-43A1-89C9-3467AD4B2840}" type="parTrans" cxnId="{3DBACE5C-591F-4D60-813D-33FF788CEEE0}">
+      <dgm:prSet/>
+      <dgm:spPr/>
+      <dgm:t>
+        <a:bodyPr/>
+        <a:lstStyle/>
+        <a:p>
+          <a:pPr latinLnBrk="1"/>
+          <a:endParaRPr lang="ko-KR" altLang="en-US" sz="1000"/>
+        </a:p>
+      </dgm:t>
+    </dgm:pt>
+    <dgm:pt modelId="{4D3EDE6B-0E56-42DF-99AF-81F699EF4B87}" type="sibTrans" cxnId="{3DBACE5C-591F-4D60-813D-33FF788CEEE0}">
+      <dgm:prSet/>
+      <dgm:spPr/>
+      <dgm:t>
+        <a:bodyPr/>
+        <a:lstStyle/>
+        <a:p>
+          <a:pPr latinLnBrk="1"/>
+          <a:endParaRPr lang="ko-KR" altLang="en-US" sz="1000"/>
+        </a:p>
+      </dgm:t>
+    </dgm:pt>
+    <dgm:pt modelId="{0A730224-994C-4478-9C36-52DD97175390}">
+      <dgm:prSet phldrT="[텍스트]" custT="1"/>
+      <dgm:spPr/>
+      <dgm:t>
+        <a:bodyPr/>
+        <a:lstStyle/>
+        <a:p>
+          <a:pPr latinLnBrk="1"/>
+          <a:r>
+            <a:rPr lang="en-US" altLang="ko-KR" sz="1200"/>
+            <a:t>B / 4</a:t>
+          </a:r>
+          <a:endParaRPr lang="ko-KR" altLang="en-US" sz="1200"/>
+        </a:p>
+      </dgm:t>
+    </dgm:pt>
+    <dgm:pt modelId="{ACA08DE0-6D04-4E54-99E1-5C354F9C6DAE}" type="parTrans" cxnId="{3E4012EC-3A99-45E4-9555-35869E14B8F2}">
+      <dgm:prSet/>
+      <dgm:spPr/>
+      <dgm:t>
+        <a:bodyPr/>
+        <a:lstStyle/>
+        <a:p>
+          <a:pPr latinLnBrk="1"/>
+          <a:endParaRPr lang="ko-KR" altLang="en-US" sz="1000"/>
+        </a:p>
+      </dgm:t>
+    </dgm:pt>
+    <dgm:pt modelId="{5778E91F-18C6-4350-90FA-0A02294721B9}" type="sibTrans" cxnId="{3E4012EC-3A99-45E4-9555-35869E14B8F2}">
+      <dgm:prSet/>
+      <dgm:spPr/>
+      <dgm:t>
+        <a:bodyPr/>
+        <a:lstStyle/>
+        <a:p>
+          <a:pPr latinLnBrk="1"/>
+          <a:endParaRPr lang="ko-KR" altLang="en-US" sz="1000"/>
+        </a:p>
+      </dgm:t>
+    </dgm:pt>
+    <dgm:pt modelId="{F8B32602-4C2A-463A-8F29-6E7F16D21F7D}">
+      <dgm:prSet phldrT="[텍스트]" custT="1"/>
+      <dgm:spPr/>
+      <dgm:t>
+        <a:bodyPr/>
+        <a:lstStyle/>
+        <a:p>
+          <a:pPr latinLnBrk="1"/>
+          <a:r>
+            <a:rPr lang="en-US" altLang="ko-KR" sz="1200"/>
+            <a:t>C / 8</a:t>
+          </a:r>
+          <a:endParaRPr lang="ko-KR" altLang="en-US" sz="1200"/>
+        </a:p>
+      </dgm:t>
+    </dgm:pt>
+    <dgm:pt modelId="{16171846-1E17-4100-BB6F-A03AF97E77E9}" type="parTrans" cxnId="{9E446619-CAFA-4B58-A392-9BF421654E34}">
+      <dgm:prSet/>
+      <dgm:spPr/>
+      <dgm:t>
+        <a:bodyPr/>
+        <a:lstStyle/>
+        <a:p>
+          <a:pPr latinLnBrk="1"/>
+          <a:endParaRPr lang="ko-KR" altLang="en-US" sz="1000"/>
+        </a:p>
+      </dgm:t>
+    </dgm:pt>
+    <dgm:pt modelId="{E78E574B-6AF9-4C2B-8CC2-2B60065ECC2D}" type="sibTrans" cxnId="{9E446619-CAFA-4B58-A392-9BF421654E34}">
+      <dgm:prSet/>
+      <dgm:spPr/>
+      <dgm:t>
+        <a:bodyPr/>
+        <a:lstStyle/>
+        <a:p>
+          <a:pPr latinLnBrk="1"/>
+          <a:endParaRPr lang="ko-KR" altLang="en-US" sz="1000"/>
+        </a:p>
+      </dgm:t>
+    </dgm:pt>
+    <dgm:pt modelId="{4AF030CE-BBC3-4FEC-B50B-24A5B2AD941C}">
+      <dgm:prSet phldrT="[텍스트]" custT="1"/>
+      <dgm:spPr/>
+      <dgm:t>
+        <a:bodyPr/>
+        <a:lstStyle/>
+        <a:p>
+          <a:pPr latinLnBrk="1"/>
+          <a:r>
+            <a:rPr lang="en-US" altLang="ko-KR" sz="1200"/>
+            <a:t>D / 8</a:t>
+          </a:r>
+          <a:endParaRPr lang="ko-KR" altLang="en-US" sz="1200"/>
+        </a:p>
+      </dgm:t>
+    </dgm:pt>
+    <dgm:pt modelId="{580A18FD-E0D2-45E3-BDA1-CD8ADFE2991C}" type="parTrans" cxnId="{1CDF6BFD-1436-4B5F-AA20-385AB3737973}">
+      <dgm:prSet/>
+      <dgm:spPr/>
+      <dgm:t>
+        <a:bodyPr/>
+        <a:lstStyle/>
+        <a:p>
+          <a:pPr latinLnBrk="1"/>
+          <a:endParaRPr lang="ko-KR" altLang="en-US" sz="1000"/>
+        </a:p>
+      </dgm:t>
+    </dgm:pt>
+    <dgm:pt modelId="{10EB2AE3-87C8-4424-A55A-B7A8785D69DC}" type="sibTrans" cxnId="{1CDF6BFD-1436-4B5F-AA20-385AB3737973}">
+      <dgm:prSet/>
+      <dgm:spPr/>
+      <dgm:t>
+        <a:bodyPr/>
+        <a:lstStyle/>
+        <a:p>
+          <a:pPr latinLnBrk="1"/>
+          <a:endParaRPr lang="ko-KR" altLang="en-US" sz="1000"/>
+        </a:p>
+      </dgm:t>
+    </dgm:pt>
+    <dgm:pt modelId="{60033C4D-862E-47AE-AC90-7E876DB99E91}">
+      <dgm:prSet phldrT="[텍스트]" custT="1"/>
+      <dgm:spPr/>
+      <dgm:t>
+        <a:bodyPr/>
+        <a:lstStyle/>
+        <a:p>
+          <a:pPr latinLnBrk="1"/>
+          <a:r>
+            <a:rPr lang="en-US" altLang="ko-KR" sz="1200"/>
+            <a:t>E / 4 </a:t>
+          </a:r>
+          <a:endParaRPr lang="ko-KR" altLang="en-US" sz="1200"/>
+        </a:p>
+      </dgm:t>
+    </dgm:pt>
+    <dgm:pt modelId="{7EACF65F-D026-4AFD-A578-02263488BF63}" type="parTrans" cxnId="{77304A4B-F01F-4C0D-A2C6-67E491B0DF7A}">
+      <dgm:prSet/>
+      <dgm:spPr/>
+      <dgm:t>
+        <a:bodyPr/>
+        <a:lstStyle/>
+        <a:p>
+          <a:pPr latinLnBrk="1"/>
+          <a:endParaRPr lang="ko-KR" altLang="en-US" sz="1000"/>
+        </a:p>
+      </dgm:t>
+    </dgm:pt>
+    <dgm:pt modelId="{8B9F17B4-736C-46C0-91F9-E69D7A2C48FD}" type="sibTrans" cxnId="{77304A4B-F01F-4C0D-A2C6-67E491B0DF7A}">
+      <dgm:prSet/>
+      <dgm:spPr/>
+      <dgm:t>
+        <a:bodyPr/>
+        <a:lstStyle/>
+        <a:p>
+          <a:pPr latinLnBrk="1"/>
+          <a:endParaRPr lang="ko-KR" altLang="en-US" sz="1000"/>
+        </a:p>
+      </dgm:t>
+    </dgm:pt>
+    <dgm:pt modelId="{5CC843DD-B16C-45D1-991F-87B45BEB69F2}" type="pres">
+      <dgm:prSet presAssocID="{DFD032D8-2BEE-422B-808D-4D86968B45C9}" presName="mainComposite" presStyleCnt="0">
+        <dgm:presLayoutVars>
+          <dgm:chPref val="1"/>
+          <dgm:dir/>
+          <dgm:animOne val="branch"/>
+          <dgm:animLvl val="lvl"/>
+          <dgm:resizeHandles val="exact"/>
+        </dgm:presLayoutVars>
+      </dgm:prSet>
+      <dgm:spPr/>
+    </dgm:pt>
+    <dgm:pt modelId="{CDA711A5-3B59-4F54-AD21-C58793FE5671}" type="pres">
+      <dgm:prSet presAssocID="{DFD032D8-2BEE-422B-808D-4D86968B45C9}" presName="hierFlow" presStyleCnt="0"/>
+      <dgm:spPr/>
+    </dgm:pt>
+    <dgm:pt modelId="{7246BD7E-7661-4B0D-A09F-9D4BC158BF9D}" type="pres">
+      <dgm:prSet presAssocID="{DFD032D8-2BEE-422B-808D-4D86968B45C9}" presName="hierChild1" presStyleCnt="0">
+        <dgm:presLayoutVars>
+          <dgm:chPref val="1"/>
+          <dgm:animOne val="branch"/>
+          <dgm:animLvl val="lvl"/>
+        </dgm:presLayoutVars>
+      </dgm:prSet>
+      <dgm:spPr/>
+    </dgm:pt>
+    <dgm:pt modelId="{3C2DDDCE-7351-47DC-B53A-198A8FD445F8}" type="pres">
+      <dgm:prSet presAssocID="{C5AA6D9A-0B05-4F12-8893-10BD3BB66C49}" presName="Name14" presStyleCnt="0"/>
+      <dgm:spPr/>
+    </dgm:pt>
+    <dgm:pt modelId="{8B64048C-9CA2-41B0-8707-7E784A5D3AFC}" type="pres">
+      <dgm:prSet presAssocID="{C5AA6D9A-0B05-4F12-8893-10BD3BB66C49}" presName="level1Shape" presStyleLbl="node0" presStyleIdx="0" presStyleCnt="1">
+        <dgm:presLayoutVars>
+          <dgm:chPref val="3"/>
+        </dgm:presLayoutVars>
+      </dgm:prSet>
+      <dgm:spPr/>
+    </dgm:pt>
+    <dgm:pt modelId="{061551BA-AAB5-4977-81ED-24813A7C659D}" type="pres">
+      <dgm:prSet presAssocID="{C5AA6D9A-0B05-4F12-8893-10BD3BB66C49}" presName="hierChild2" presStyleCnt="0"/>
+      <dgm:spPr/>
+    </dgm:pt>
+    <dgm:pt modelId="{45DF96C5-9D5E-4C8F-AB74-2BDDCFA1E645}" type="pres">
+      <dgm:prSet presAssocID="{C6C55A92-DE48-43A1-89C9-3467AD4B2840}" presName="Name19" presStyleLbl="parChTrans1D2" presStyleIdx="0" presStyleCnt="2"/>
+      <dgm:spPr/>
+    </dgm:pt>
+    <dgm:pt modelId="{BCB26568-B794-446C-973A-6BC29F2A723C}" type="pres">
+      <dgm:prSet presAssocID="{CFD9A270-6A86-42C7-B4CC-02258666FB1D}" presName="Name21" presStyleCnt="0"/>
+      <dgm:spPr/>
+    </dgm:pt>
+    <dgm:pt modelId="{1BA7E55B-974E-4E15-8683-D4C3A693343E}" type="pres">
+      <dgm:prSet presAssocID="{CFD9A270-6A86-42C7-B4CC-02258666FB1D}" presName="level2Shape" presStyleLbl="node2" presStyleIdx="0" presStyleCnt="2"/>
+      <dgm:spPr/>
+    </dgm:pt>
+    <dgm:pt modelId="{B66D5B2D-9907-4C43-B3E0-C575F343E0BC}" type="pres">
+      <dgm:prSet presAssocID="{CFD9A270-6A86-42C7-B4CC-02258666FB1D}" presName="hierChild3" presStyleCnt="0"/>
+      <dgm:spPr/>
+    </dgm:pt>
+    <dgm:pt modelId="{2DE22B7D-E5EC-4D5A-B230-ABDBA32F2BEC}" type="pres">
+      <dgm:prSet presAssocID="{ACA08DE0-6D04-4E54-99E1-5C354F9C6DAE}" presName="Name19" presStyleLbl="parChTrans1D2" presStyleIdx="1" presStyleCnt="2"/>
+      <dgm:spPr/>
+    </dgm:pt>
+    <dgm:pt modelId="{F86940F3-E929-4268-B060-57F63EE7B975}" type="pres">
+      <dgm:prSet presAssocID="{0A730224-994C-4478-9C36-52DD97175390}" presName="Name21" presStyleCnt="0"/>
+      <dgm:spPr/>
+    </dgm:pt>
+    <dgm:pt modelId="{7897F320-31B6-4202-8236-13B30D384C8F}" type="pres">
+      <dgm:prSet presAssocID="{0A730224-994C-4478-9C36-52DD97175390}" presName="level2Shape" presStyleLbl="node2" presStyleIdx="1" presStyleCnt="2"/>
+      <dgm:spPr/>
+    </dgm:pt>
+    <dgm:pt modelId="{A112A1E1-236A-4C83-8E5B-51392F255A2A}" type="pres">
+      <dgm:prSet presAssocID="{0A730224-994C-4478-9C36-52DD97175390}" presName="hierChild3" presStyleCnt="0"/>
+      <dgm:spPr/>
+    </dgm:pt>
+    <dgm:pt modelId="{FE7E3F4E-303A-42A1-99AA-54D51D9E1486}" type="pres">
+      <dgm:prSet presAssocID="{16171846-1E17-4100-BB6F-A03AF97E77E9}" presName="Name19" presStyleLbl="parChTrans1D3" presStyleIdx="0" presStyleCnt="1"/>
+      <dgm:spPr/>
+    </dgm:pt>
+    <dgm:pt modelId="{CBA662A2-A970-4933-B027-16C0E4555A4A}" type="pres">
+      <dgm:prSet presAssocID="{F8B32602-4C2A-463A-8F29-6E7F16D21F7D}" presName="Name21" presStyleCnt="0"/>
+      <dgm:spPr/>
+    </dgm:pt>
+    <dgm:pt modelId="{BA973D3C-233A-42E1-9D97-FEC466037B69}" type="pres">
+      <dgm:prSet presAssocID="{F8B32602-4C2A-463A-8F29-6E7F16D21F7D}" presName="level2Shape" presStyleLbl="node3" presStyleIdx="0" presStyleCnt="1"/>
+      <dgm:spPr/>
+    </dgm:pt>
+    <dgm:pt modelId="{FFBDE354-0044-4003-B2E8-A3BEFB3A7AF5}" type="pres">
+      <dgm:prSet presAssocID="{F8B32602-4C2A-463A-8F29-6E7F16D21F7D}" presName="hierChild3" presStyleCnt="0"/>
+      <dgm:spPr/>
+    </dgm:pt>
+    <dgm:pt modelId="{62C0506B-5029-4AF8-AFA4-0682AFCCDC8F}" type="pres">
+      <dgm:prSet presAssocID="{580A18FD-E0D2-45E3-BDA1-CD8ADFE2991C}" presName="Name19" presStyleLbl="parChTrans1D4" presStyleIdx="0" presStyleCnt="2"/>
+      <dgm:spPr/>
+    </dgm:pt>
+    <dgm:pt modelId="{9856191A-C6A9-4259-80BF-845A0B2FF8AA}" type="pres">
+      <dgm:prSet presAssocID="{4AF030CE-BBC3-4FEC-B50B-24A5B2AD941C}" presName="Name21" presStyleCnt="0"/>
+      <dgm:spPr/>
+    </dgm:pt>
+    <dgm:pt modelId="{ADA6CBAA-A297-4DD9-BD34-1BC04E4306C6}" type="pres">
+      <dgm:prSet presAssocID="{4AF030CE-BBC3-4FEC-B50B-24A5B2AD941C}" presName="level2Shape" presStyleLbl="node4" presStyleIdx="0" presStyleCnt="2"/>
+      <dgm:spPr/>
+    </dgm:pt>
+    <dgm:pt modelId="{262C4EDA-A5DF-4B62-9775-8EDD33575DF8}" type="pres">
+      <dgm:prSet presAssocID="{4AF030CE-BBC3-4FEC-B50B-24A5B2AD941C}" presName="hierChild3" presStyleCnt="0"/>
+      <dgm:spPr/>
+    </dgm:pt>
+    <dgm:pt modelId="{42748C47-7AB0-492C-9415-7754CCEB46F8}" type="pres">
+      <dgm:prSet presAssocID="{7EACF65F-D026-4AFD-A578-02263488BF63}" presName="Name19" presStyleLbl="parChTrans1D4" presStyleIdx="1" presStyleCnt="2"/>
+      <dgm:spPr/>
+    </dgm:pt>
+    <dgm:pt modelId="{57FF0D29-2EEA-4138-8121-625C4DCE526A}" type="pres">
+      <dgm:prSet presAssocID="{60033C4D-862E-47AE-AC90-7E876DB99E91}" presName="Name21" presStyleCnt="0"/>
+      <dgm:spPr/>
+    </dgm:pt>
+    <dgm:pt modelId="{860B5BB8-ECD0-485A-8CFE-334C17258B59}" type="pres">
+      <dgm:prSet presAssocID="{60033C4D-862E-47AE-AC90-7E876DB99E91}" presName="level2Shape" presStyleLbl="node4" presStyleIdx="1" presStyleCnt="2"/>
+      <dgm:spPr/>
+    </dgm:pt>
+    <dgm:pt modelId="{9438695D-7D44-445E-AD02-DACCDE9AEEE7}" type="pres">
+      <dgm:prSet presAssocID="{60033C4D-862E-47AE-AC90-7E876DB99E91}" presName="hierChild3" presStyleCnt="0"/>
+      <dgm:spPr/>
+    </dgm:pt>
+    <dgm:pt modelId="{843FEF05-F53F-44D1-B5F0-1DF876EA0DB3}" type="pres">
+      <dgm:prSet presAssocID="{DFD032D8-2BEE-422B-808D-4D86968B45C9}" presName="bgShapesFlow" presStyleCnt="0"/>
+      <dgm:spPr/>
+    </dgm:pt>
+  </dgm:ptLst>
+  <dgm:cxnLst>
+    <dgm:cxn modelId="{A10B740E-E9C3-41BD-B14C-1F3FA9DFBE11}" type="presOf" srcId="{C6C55A92-DE48-43A1-89C9-3467AD4B2840}" destId="{45DF96C5-9D5E-4C8F-AB74-2BDDCFA1E645}" srcOrd="0" destOrd="0" presId="urn:microsoft.com/office/officeart/2005/8/layout/hierarchy6"/>
+    <dgm:cxn modelId="{9E446619-CAFA-4B58-A392-9BF421654E34}" srcId="{0A730224-994C-4478-9C36-52DD97175390}" destId="{F8B32602-4C2A-463A-8F29-6E7F16D21F7D}" srcOrd="0" destOrd="0" parTransId="{16171846-1E17-4100-BB6F-A03AF97E77E9}" sibTransId="{E78E574B-6AF9-4C2B-8CC2-2B60065ECC2D}"/>
+    <dgm:cxn modelId="{26A04025-8357-4CB3-8466-55F98986470C}" srcId="{DFD032D8-2BEE-422B-808D-4D86968B45C9}" destId="{C5AA6D9A-0B05-4F12-8893-10BD3BB66C49}" srcOrd="0" destOrd="0" parTransId="{B0CBC33B-8999-4916-A4FA-4A548D5246F8}" sibTransId="{40793F6F-6AEC-41E7-9E6F-40DF4B9030D3}"/>
+    <dgm:cxn modelId="{54BE9125-C26E-4DF1-8F87-46EF470E3E72}" type="presOf" srcId="{C5AA6D9A-0B05-4F12-8893-10BD3BB66C49}" destId="{8B64048C-9CA2-41B0-8707-7E784A5D3AFC}" srcOrd="0" destOrd="0" presId="urn:microsoft.com/office/officeart/2005/8/layout/hierarchy6"/>
+    <dgm:cxn modelId="{C71E7329-9232-48B7-9405-A9B8250AF7A9}" type="presOf" srcId="{4AF030CE-BBC3-4FEC-B50B-24A5B2AD941C}" destId="{ADA6CBAA-A297-4DD9-BD34-1BC04E4306C6}" srcOrd="0" destOrd="0" presId="urn:microsoft.com/office/officeart/2005/8/layout/hierarchy6"/>
+    <dgm:cxn modelId="{31E62634-52C4-4F1C-A480-665950DBB39F}" type="presOf" srcId="{16171846-1E17-4100-BB6F-A03AF97E77E9}" destId="{FE7E3F4E-303A-42A1-99AA-54D51D9E1486}" srcOrd="0" destOrd="0" presId="urn:microsoft.com/office/officeart/2005/8/layout/hierarchy6"/>
+    <dgm:cxn modelId="{3DBACE5C-591F-4D60-813D-33FF788CEEE0}" srcId="{C5AA6D9A-0B05-4F12-8893-10BD3BB66C49}" destId="{CFD9A270-6A86-42C7-B4CC-02258666FB1D}" srcOrd="0" destOrd="0" parTransId="{C6C55A92-DE48-43A1-89C9-3467AD4B2840}" sibTransId="{4D3EDE6B-0E56-42DF-99AF-81F699EF4B87}"/>
+    <dgm:cxn modelId="{F22B8F62-C2AE-45B2-A96A-7D54B2EC13D5}" type="presOf" srcId="{7EACF65F-D026-4AFD-A578-02263488BF63}" destId="{42748C47-7AB0-492C-9415-7754CCEB46F8}" srcOrd="0" destOrd="0" presId="urn:microsoft.com/office/officeart/2005/8/layout/hierarchy6"/>
+    <dgm:cxn modelId="{C4754D43-8F20-4D25-88FD-7E12DEFE4581}" type="presOf" srcId="{60033C4D-862E-47AE-AC90-7E876DB99E91}" destId="{860B5BB8-ECD0-485A-8CFE-334C17258B59}" srcOrd="0" destOrd="0" presId="urn:microsoft.com/office/officeart/2005/8/layout/hierarchy6"/>
+    <dgm:cxn modelId="{CAB22447-5E58-486D-9EFF-72CA861A102A}" type="presOf" srcId="{0A730224-994C-4478-9C36-52DD97175390}" destId="{7897F320-31B6-4202-8236-13B30D384C8F}" srcOrd="0" destOrd="0" presId="urn:microsoft.com/office/officeart/2005/8/layout/hierarchy6"/>
+    <dgm:cxn modelId="{77304A4B-F01F-4C0D-A2C6-67E491B0DF7A}" srcId="{F8B32602-4C2A-463A-8F29-6E7F16D21F7D}" destId="{60033C4D-862E-47AE-AC90-7E876DB99E91}" srcOrd="1" destOrd="0" parTransId="{7EACF65F-D026-4AFD-A578-02263488BF63}" sibTransId="{8B9F17B4-736C-46C0-91F9-E69D7A2C48FD}"/>
+    <dgm:cxn modelId="{2C6221A3-746D-445D-93D4-D37712B27F53}" type="presOf" srcId="{CFD9A270-6A86-42C7-B4CC-02258666FB1D}" destId="{1BA7E55B-974E-4E15-8683-D4C3A693343E}" srcOrd="0" destOrd="0" presId="urn:microsoft.com/office/officeart/2005/8/layout/hierarchy6"/>
+    <dgm:cxn modelId="{2E5145BC-EC9F-4932-9E75-B6E4F62CAF58}" type="presOf" srcId="{DFD032D8-2BEE-422B-808D-4D86968B45C9}" destId="{5CC843DD-B16C-45D1-991F-87B45BEB69F2}" srcOrd="0" destOrd="0" presId="urn:microsoft.com/office/officeart/2005/8/layout/hierarchy6"/>
+    <dgm:cxn modelId="{C2F469C8-5C33-4B7D-99D5-91734D942BC9}" type="presOf" srcId="{580A18FD-E0D2-45E3-BDA1-CD8ADFE2991C}" destId="{62C0506B-5029-4AF8-AFA4-0682AFCCDC8F}" srcOrd="0" destOrd="0" presId="urn:microsoft.com/office/officeart/2005/8/layout/hierarchy6"/>
+    <dgm:cxn modelId="{445A01C9-2CB5-4B3C-AEB2-5776EB41322C}" type="presOf" srcId="{ACA08DE0-6D04-4E54-99E1-5C354F9C6DAE}" destId="{2DE22B7D-E5EC-4D5A-B230-ABDBA32F2BEC}" srcOrd="0" destOrd="0" presId="urn:microsoft.com/office/officeart/2005/8/layout/hierarchy6"/>
+    <dgm:cxn modelId="{3E4012EC-3A99-45E4-9555-35869E14B8F2}" srcId="{C5AA6D9A-0B05-4F12-8893-10BD3BB66C49}" destId="{0A730224-994C-4478-9C36-52DD97175390}" srcOrd="1" destOrd="0" parTransId="{ACA08DE0-6D04-4E54-99E1-5C354F9C6DAE}" sibTransId="{5778E91F-18C6-4350-90FA-0A02294721B9}"/>
+    <dgm:cxn modelId="{C03D77F3-6FB1-4D41-8E07-79E98AA1CADD}" type="presOf" srcId="{F8B32602-4C2A-463A-8F29-6E7F16D21F7D}" destId="{BA973D3C-233A-42E1-9D97-FEC466037B69}" srcOrd="0" destOrd="0" presId="urn:microsoft.com/office/officeart/2005/8/layout/hierarchy6"/>
+    <dgm:cxn modelId="{1CDF6BFD-1436-4B5F-AA20-385AB3737973}" srcId="{F8B32602-4C2A-463A-8F29-6E7F16D21F7D}" destId="{4AF030CE-BBC3-4FEC-B50B-24A5B2AD941C}" srcOrd="0" destOrd="0" parTransId="{580A18FD-E0D2-45E3-BDA1-CD8ADFE2991C}" sibTransId="{10EB2AE3-87C8-4424-A55A-B7A8785D69DC}"/>
+    <dgm:cxn modelId="{CEE45D4F-38C1-4BD6-A63B-79BD7EDEB68C}" type="presParOf" srcId="{5CC843DD-B16C-45D1-991F-87B45BEB69F2}" destId="{CDA711A5-3B59-4F54-AD21-C58793FE5671}" srcOrd="0" destOrd="0" presId="urn:microsoft.com/office/officeart/2005/8/layout/hierarchy6"/>
+    <dgm:cxn modelId="{FDBDFC4E-9BCB-4ED3-9844-8C95BDCFF26A}" type="presParOf" srcId="{CDA711A5-3B59-4F54-AD21-C58793FE5671}" destId="{7246BD7E-7661-4B0D-A09F-9D4BC158BF9D}" srcOrd="0" destOrd="0" presId="urn:microsoft.com/office/officeart/2005/8/layout/hierarchy6"/>
+    <dgm:cxn modelId="{309B1D5D-2469-42A2-81F9-D2DA6A2A209D}" type="presParOf" srcId="{7246BD7E-7661-4B0D-A09F-9D4BC158BF9D}" destId="{3C2DDDCE-7351-47DC-B53A-198A8FD445F8}" srcOrd="0" destOrd="0" presId="urn:microsoft.com/office/officeart/2005/8/layout/hierarchy6"/>
+    <dgm:cxn modelId="{2539A598-29E5-4F62-AF2F-EAEF9D637E21}" type="presParOf" srcId="{3C2DDDCE-7351-47DC-B53A-198A8FD445F8}" destId="{8B64048C-9CA2-41B0-8707-7E784A5D3AFC}" srcOrd="0" destOrd="0" presId="urn:microsoft.com/office/officeart/2005/8/layout/hierarchy6"/>
+    <dgm:cxn modelId="{C27352E6-A4FA-454C-B2A0-A60A5A05BF4B}" type="presParOf" srcId="{3C2DDDCE-7351-47DC-B53A-198A8FD445F8}" destId="{061551BA-AAB5-4977-81ED-24813A7C659D}" srcOrd="1" destOrd="0" presId="urn:microsoft.com/office/officeart/2005/8/layout/hierarchy6"/>
+    <dgm:cxn modelId="{685FF08A-EDC6-4AE2-94C8-1DAE96D93FF8}" type="presParOf" srcId="{061551BA-AAB5-4977-81ED-24813A7C659D}" destId="{45DF96C5-9D5E-4C8F-AB74-2BDDCFA1E645}" srcOrd="0" destOrd="0" presId="urn:microsoft.com/office/officeart/2005/8/layout/hierarchy6"/>
+    <dgm:cxn modelId="{239C1CD7-8B33-417E-ACF4-8D39D0B2922C}" type="presParOf" srcId="{061551BA-AAB5-4977-81ED-24813A7C659D}" destId="{BCB26568-B794-446C-973A-6BC29F2A723C}" srcOrd="1" destOrd="0" presId="urn:microsoft.com/office/officeart/2005/8/layout/hierarchy6"/>
+    <dgm:cxn modelId="{FAE7B232-EAA6-40C3-BD04-72D81B5D5BC7}" type="presParOf" srcId="{BCB26568-B794-446C-973A-6BC29F2A723C}" destId="{1BA7E55B-974E-4E15-8683-D4C3A693343E}" srcOrd="0" destOrd="0" presId="urn:microsoft.com/office/officeart/2005/8/layout/hierarchy6"/>
+    <dgm:cxn modelId="{6DCBBF4F-E971-452A-9901-A903AA0720DA}" type="presParOf" srcId="{BCB26568-B794-446C-973A-6BC29F2A723C}" destId="{B66D5B2D-9907-4C43-B3E0-C575F343E0BC}" srcOrd="1" destOrd="0" presId="urn:microsoft.com/office/officeart/2005/8/layout/hierarchy6"/>
+    <dgm:cxn modelId="{7C0AFA5F-BA14-4A01-9022-D91C334F4A0C}" type="presParOf" srcId="{061551BA-AAB5-4977-81ED-24813A7C659D}" destId="{2DE22B7D-E5EC-4D5A-B230-ABDBA32F2BEC}" srcOrd="2" destOrd="0" presId="urn:microsoft.com/office/officeart/2005/8/layout/hierarchy6"/>
+    <dgm:cxn modelId="{CE7D9C86-BE08-47AF-87D0-A5FC148816B1}" type="presParOf" srcId="{061551BA-AAB5-4977-81ED-24813A7C659D}" destId="{F86940F3-E929-4268-B060-57F63EE7B975}" srcOrd="3" destOrd="0" presId="urn:microsoft.com/office/officeart/2005/8/layout/hierarchy6"/>
+    <dgm:cxn modelId="{6C4553B8-BB0E-4FE2-8058-E75153397A1B}" type="presParOf" srcId="{F86940F3-E929-4268-B060-57F63EE7B975}" destId="{7897F320-31B6-4202-8236-13B30D384C8F}" srcOrd="0" destOrd="0" presId="urn:microsoft.com/office/officeart/2005/8/layout/hierarchy6"/>
+    <dgm:cxn modelId="{6F0F7606-8E55-47BE-A9E8-8584360D27CC}" type="presParOf" srcId="{F86940F3-E929-4268-B060-57F63EE7B975}" destId="{A112A1E1-236A-4C83-8E5B-51392F255A2A}" srcOrd="1" destOrd="0" presId="urn:microsoft.com/office/officeart/2005/8/layout/hierarchy6"/>
+    <dgm:cxn modelId="{72EEB2A7-1A42-4043-845E-9B8D820FE838}" type="presParOf" srcId="{A112A1E1-236A-4C83-8E5B-51392F255A2A}" destId="{FE7E3F4E-303A-42A1-99AA-54D51D9E1486}" srcOrd="0" destOrd="0" presId="urn:microsoft.com/office/officeart/2005/8/layout/hierarchy6"/>
+    <dgm:cxn modelId="{B4495209-E4F7-4E78-A803-448984357D01}" type="presParOf" srcId="{A112A1E1-236A-4C83-8E5B-51392F255A2A}" destId="{CBA662A2-A970-4933-B027-16C0E4555A4A}" srcOrd="1" destOrd="0" presId="urn:microsoft.com/office/officeart/2005/8/layout/hierarchy6"/>
+    <dgm:cxn modelId="{0467D42C-C33D-4D78-8B07-DD84B3A7A2E4}" type="presParOf" srcId="{CBA662A2-A970-4933-B027-16C0E4555A4A}" destId="{BA973D3C-233A-42E1-9D97-FEC466037B69}" srcOrd="0" destOrd="0" presId="urn:microsoft.com/office/officeart/2005/8/layout/hierarchy6"/>
+    <dgm:cxn modelId="{6F95EDB3-572A-4B28-8456-63A9D7390BE5}" type="presParOf" srcId="{CBA662A2-A970-4933-B027-16C0E4555A4A}" destId="{FFBDE354-0044-4003-B2E8-A3BEFB3A7AF5}" srcOrd="1" destOrd="0" presId="urn:microsoft.com/office/officeart/2005/8/layout/hierarchy6"/>
+    <dgm:cxn modelId="{FBD01065-8956-4DC4-AB78-072B84E0F378}" type="presParOf" srcId="{FFBDE354-0044-4003-B2E8-A3BEFB3A7AF5}" destId="{62C0506B-5029-4AF8-AFA4-0682AFCCDC8F}" srcOrd="0" destOrd="0" presId="urn:microsoft.com/office/officeart/2005/8/layout/hierarchy6"/>
+    <dgm:cxn modelId="{23E8FBEF-45D9-4CC2-B330-90F175A7251D}" type="presParOf" srcId="{FFBDE354-0044-4003-B2E8-A3BEFB3A7AF5}" destId="{9856191A-C6A9-4259-80BF-845A0B2FF8AA}" srcOrd="1" destOrd="0" presId="urn:microsoft.com/office/officeart/2005/8/layout/hierarchy6"/>
+    <dgm:cxn modelId="{6B4F5939-4EB6-43C8-A8A2-ABFDEB52C489}" type="presParOf" srcId="{9856191A-C6A9-4259-80BF-845A0B2FF8AA}" destId="{ADA6CBAA-A297-4DD9-BD34-1BC04E4306C6}" srcOrd="0" destOrd="0" presId="urn:microsoft.com/office/officeart/2005/8/layout/hierarchy6"/>
+    <dgm:cxn modelId="{0AA7FF54-DF91-4944-AF02-409E3FDD2A45}" type="presParOf" srcId="{9856191A-C6A9-4259-80BF-845A0B2FF8AA}" destId="{262C4EDA-A5DF-4B62-9775-8EDD33575DF8}" srcOrd="1" destOrd="0" presId="urn:microsoft.com/office/officeart/2005/8/layout/hierarchy6"/>
+    <dgm:cxn modelId="{44E6610C-D6FB-4E5F-980E-753CA4C757E0}" type="presParOf" srcId="{FFBDE354-0044-4003-B2E8-A3BEFB3A7AF5}" destId="{42748C47-7AB0-492C-9415-7754CCEB46F8}" srcOrd="2" destOrd="0" presId="urn:microsoft.com/office/officeart/2005/8/layout/hierarchy6"/>
+    <dgm:cxn modelId="{F9F76AC1-35CA-46BA-9C18-BA03D03AC757}" type="presParOf" srcId="{FFBDE354-0044-4003-B2E8-A3BEFB3A7AF5}" destId="{57FF0D29-2EEA-4138-8121-625C4DCE526A}" srcOrd="3" destOrd="0" presId="urn:microsoft.com/office/officeart/2005/8/layout/hierarchy6"/>
+    <dgm:cxn modelId="{F19FBE7A-030B-4F54-8754-25A597231F34}" type="presParOf" srcId="{57FF0D29-2EEA-4138-8121-625C4DCE526A}" destId="{860B5BB8-ECD0-485A-8CFE-334C17258B59}" srcOrd="0" destOrd="0" presId="urn:microsoft.com/office/officeart/2005/8/layout/hierarchy6"/>
+    <dgm:cxn modelId="{C774B158-34DA-489C-9831-B0FD7E4A643B}" type="presParOf" srcId="{57FF0D29-2EEA-4138-8121-625C4DCE526A}" destId="{9438695D-7D44-445E-AD02-DACCDE9AEEE7}" srcOrd="1" destOrd="0" presId="urn:microsoft.com/office/officeart/2005/8/layout/hierarchy6"/>
+    <dgm:cxn modelId="{26A9E25E-6365-455F-91E0-4403F649BECB}" type="presParOf" srcId="{5CC843DD-B16C-45D1-991F-87B45BEB69F2}" destId="{843FEF05-F53F-44D1-B5F0-1DF876EA0DB3}" srcOrd="1" destOrd="0" presId="urn:microsoft.com/office/officeart/2005/8/layout/hierarchy6"/>
+  </dgm:cxnLst>
+  <dgm:bg/>
+  <dgm:whole/>
+  <dgm:extLst>
+    <a:ext uri="http://schemas.microsoft.com/office/drawing/2008/diagram">
+      <dsp:dataModelExt xmlns:dsp="http://schemas.microsoft.com/office/drawing/2008/diagram" relId="rId6" minVer="http://schemas.openxmlformats.org/drawingml/2006/diagram"/>
+    </a:ext>
+  </dgm:extLst>
+</dgm:dataModel>
+</file>
+
+<file path=ppt/diagrams/drawing1.xml><?xml version="1.0" encoding="utf-8"?>
+<dsp:drawing xmlns:dgm="http://schemas.openxmlformats.org/drawingml/2006/diagram" xmlns:dsp="http://schemas.microsoft.com/office/drawing/2008/diagram" xmlns:a="http://schemas.openxmlformats.org/drawingml/2006/main">
+  <dsp:spTree>
+    <dsp:nvGrpSpPr>
+      <dsp:cNvPr id="0" name=""/>
+      <dsp:cNvGrpSpPr/>
+    </dsp:nvGrpSpPr>
+    <dsp:grpSpPr/>
+    <dsp:sp modelId="{8B64048C-9CA2-41B0-8707-7E784A5D3AFC}">
+      <dsp:nvSpPr>
+        <dsp:cNvPr id="0" name=""/>
+        <dsp:cNvSpPr/>
+      </dsp:nvSpPr>
+      <dsp:spPr>
+        <a:xfrm>
+          <a:off x="1752963" y="1129"/>
+          <a:ext cx="580951" cy="387300"/>
+        </a:xfrm>
+        <a:prstGeom prst="roundRect">
+          <a:avLst>
+            <a:gd name="adj" fmla="val 10000"/>
+          </a:avLst>
+        </a:prstGeom>
+        <a:solidFill>
+          <a:schemeClr val="lt1">
+            <a:hueOff val="0"/>
+            <a:satOff val="0"/>
+            <a:lumOff val="0"/>
+            <a:alphaOff val="0"/>
+          </a:schemeClr>
+        </a:solidFill>
+        <a:ln w="25400" cap="flat" cmpd="sng" algn="ctr">
+          <a:solidFill>
+            <a:schemeClr val="dk1">
+              <a:shade val="80000"/>
+              <a:hueOff val="0"/>
+              <a:satOff val="0"/>
+              <a:lumOff val="0"/>
+              <a:alphaOff val="0"/>
+            </a:schemeClr>
+          </a:solidFill>
+          <a:prstDash val="solid"/>
+        </a:ln>
+        <a:effectLst/>
+      </dsp:spPr>
+      <dsp:style>
+        <a:lnRef idx="2">
+          <a:scrgbClr r="0" g="0" b="0"/>
+        </a:lnRef>
+        <a:fillRef idx="1">
+          <a:scrgbClr r="0" g="0" b="0"/>
+        </a:fillRef>
+        <a:effectRef idx="0">
+          <a:scrgbClr r="0" g="0" b="0"/>
+        </a:effectRef>
+        <a:fontRef idx="minor">
+          <a:schemeClr val="lt1"/>
+        </a:fontRef>
+      </dsp:style>
+      <dsp:txBody>
+        <a:bodyPr spcFirstLastPara="0" vert="horz" wrap="square" lIns="45720" tIns="45720" rIns="45720" bIns="45720" numCol="1" spcCol="1270" anchor="ctr" anchorCtr="0">
+          <a:noAutofit/>
+        </a:bodyPr>
+        <a:lstStyle/>
+        <a:p>
+          <a:pPr marL="0" lvl="0" indent="0" algn="ctr" defTabSz="533400" latinLnBrk="1">
+            <a:lnSpc>
+              <a:spcPct val="90000"/>
+            </a:lnSpc>
+            <a:spcBef>
+              <a:spcPct val="0"/>
+            </a:spcBef>
+            <a:spcAft>
+              <a:spcPct val="35000"/>
+            </a:spcAft>
+            <a:buNone/>
+          </a:pPr>
+          <a:r>
+            <a:rPr lang="en-US" altLang="ko-KR" sz="1200" kern="1200"/>
+            <a:t>Root</a:t>
+          </a:r>
+          <a:endParaRPr lang="ko-KR" altLang="en-US" sz="1200" kern="1200"/>
+        </a:p>
+      </dsp:txBody>
+      <dsp:txXfrm>
+        <a:off x="1764307" y="12473"/>
+        <a:ext cx="558263" cy="364612"/>
+      </dsp:txXfrm>
+    </dsp:sp>
+    <dsp:sp modelId="{45DF96C5-9D5E-4C8F-AB74-2BDDCFA1E645}">
+      <dsp:nvSpPr>
+        <dsp:cNvPr id="0" name=""/>
+        <dsp:cNvSpPr/>
+      </dsp:nvSpPr>
+      <dsp:spPr>
+        <a:xfrm>
+          <a:off x="1665820" y="388430"/>
+          <a:ext cx="377618" cy="154920"/>
+        </a:xfrm>
+        <a:custGeom>
+          <a:avLst/>
+          <a:gdLst/>
+          <a:ahLst/>
+          <a:cxnLst/>
+          <a:rect l="0" t="0" r="0" b="0"/>
+          <a:pathLst>
+            <a:path>
+              <a:moveTo>
+                <a:pt x="377618" y="0"/>
+              </a:moveTo>
+              <a:lnTo>
+                <a:pt x="377618" y="77460"/>
+              </a:lnTo>
+              <a:lnTo>
+                <a:pt x="0" y="77460"/>
+              </a:lnTo>
+              <a:lnTo>
+                <a:pt x="0" y="154920"/>
+              </a:lnTo>
+            </a:path>
+          </a:pathLst>
+        </a:custGeom>
+        <a:noFill/>
+        <a:ln w="25400" cap="flat" cmpd="sng" algn="ctr">
+          <a:solidFill>
+            <a:schemeClr val="dk1">
+              <a:shade val="60000"/>
+              <a:hueOff val="0"/>
+              <a:satOff val="0"/>
+              <a:lumOff val="0"/>
+              <a:alphaOff val="0"/>
+            </a:schemeClr>
+          </a:solidFill>
+          <a:prstDash val="solid"/>
+        </a:ln>
+        <a:effectLst/>
+      </dsp:spPr>
+      <dsp:style>
+        <a:lnRef idx="2">
+          <a:scrgbClr r="0" g="0" b="0"/>
+        </a:lnRef>
+        <a:fillRef idx="0">
+          <a:scrgbClr r="0" g="0" b="0"/>
+        </a:fillRef>
+        <a:effectRef idx="0">
+          <a:scrgbClr r="0" g="0" b="0"/>
+        </a:effectRef>
+        <a:fontRef idx="minor"/>
+      </dsp:style>
+    </dsp:sp>
+    <dsp:sp modelId="{1BA7E55B-974E-4E15-8683-D4C3A693343E}">
+      <dsp:nvSpPr>
+        <dsp:cNvPr id="0" name=""/>
+        <dsp:cNvSpPr/>
+      </dsp:nvSpPr>
+      <dsp:spPr>
+        <a:xfrm>
+          <a:off x="1375344" y="543350"/>
+          <a:ext cx="580951" cy="387300"/>
+        </a:xfrm>
+        <a:prstGeom prst="roundRect">
+          <a:avLst>
+            <a:gd name="adj" fmla="val 10000"/>
+          </a:avLst>
+        </a:prstGeom>
+        <a:solidFill>
+          <a:schemeClr val="lt1">
+            <a:hueOff val="0"/>
+            <a:satOff val="0"/>
+            <a:lumOff val="0"/>
+            <a:alphaOff val="0"/>
+          </a:schemeClr>
+        </a:solidFill>
+        <a:ln w="25400" cap="flat" cmpd="sng" algn="ctr">
+          <a:solidFill>
+            <a:schemeClr val="dk1">
+              <a:shade val="80000"/>
+              <a:hueOff val="0"/>
+              <a:satOff val="0"/>
+              <a:lumOff val="0"/>
+              <a:alphaOff val="0"/>
+            </a:schemeClr>
+          </a:solidFill>
+          <a:prstDash val="solid"/>
+        </a:ln>
+        <a:effectLst/>
+      </dsp:spPr>
+      <dsp:style>
+        <a:lnRef idx="2">
+          <a:scrgbClr r="0" g="0" b="0"/>
+        </a:lnRef>
+        <a:fillRef idx="1">
+          <a:scrgbClr r="0" g="0" b="0"/>
+        </a:fillRef>
+        <a:effectRef idx="0">
+          <a:scrgbClr r="0" g="0" b="0"/>
+        </a:effectRef>
+        <a:fontRef idx="minor">
+          <a:schemeClr val="lt1"/>
+        </a:fontRef>
+      </dsp:style>
+      <dsp:txBody>
+        <a:bodyPr spcFirstLastPara="0" vert="horz" wrap="square" lIns="45720" tIns="45720" rIns="45720" bIns="45720" numCol="1" spcCol="1270" anchor="ctr" anchorCtr="0">
+          <a:noAutofit/>
+        </a:bodyPr>
+        <a:lstStyle/>
+        <a:p>
+          <a:pPr marL="0" lvl="0" indent="0" algn="ctr" defTabSz="533400" latinLnBrk="1">
+            <a:lnSpc>
+              <a:spcPct val="90000"/>
+            </a:lnSpc>
+            <a:spcBef>
+              <a:spcPct val="0"/>
+            </a:spcBef>
+            <a:spcAft>
+              <a:spcPct val="35000"/>
+            </a:spcAft>
+            <a:buNone/>
+          </a:pPr>
+          <a:r>
+            <a:rPr lang="en-US" altLang="ko-KR" sz="1200" kern="1200"/>
+            <a:t>A / 12</a:t>
+          </a:r>
+          <a:endParaRPr lang="ko-KR" altLang="en-US" sz="1200" kern="1200"/>
+        </a:p>
+      </dsp:txBody>
+      <dsp:txXfrm>
+        <a:off x="1386688" y="554694"/>
+        <a:ext cx="558263" cy="364612"/>
+      </dsp:txXfrm>
+    </dsp:sp>
+    <dsp:sp modelId="{2DE22B7D-E5EC-4D5A-B230-ABDBA32F2BEC}">
+      <dsp:nvSpPr>
+        <dsp:cNvPr id="0" name=""/>
+        <dsp:cNvSpPr/>
+      </dsp:nvSpPr>
+      <dsp:spPr>
+        <a:xfrm>
+          <a:off x="2043438" y="388430"/>
+          <a:ext cx="377618" cy="154920"/>
+        </a:xfrm>
+        <a:custGeom>
+          <a:avLst/>
+          <a:gdLst/>
+          <a:ahLst/>
+          <a:cxnLst/>
+          <a:rect l="0" t="0" r="0" b="0"/>
+          <a:pathLst>
+            <a:path>
+              <a:moveTo>
+                <a:pt x="0" y="0"/>
+              </a:moveTo>
+              <a:lnTo>
+                <a:pt x="0" y="77460"/>
+              </a:lnTo>
+              <a:lnTo>
+                <a:pt x="377618" y="77460"/>
+              </a:lnTo>
+              <a:lnTo>
+                <a:pt x="377618" y="154920"/>
+              </a:lnTo>
+            </a:path>
+          </a:pathLst>
+        </a:custGeom>
+        <a:noFill/>
+        <a:ln w="25400" cap="flat" cmpd="sng" algn="ctr">
+          <a:solidFill>
+            <a:schemeClr val="dk1">
+              <a:shade val="60000"/>
+              <a:hueOff val="0"/>
+              <a:satOff val="0"/>
+              <a:lumOff val="0"/>
+              <a:alphaOff val="0"/>
+            </a:schemeClr>
+          </a:solidFill>
+          <a:prstDash val="solid"/>
+        </a:ln>
+        <a:effectLst/>
+      </dsp:spPr>
+      <dsp:style>
+        <a:lnRef idx="2">
+          <a:scrgbClr r="0" g="0" b="0"/>
+        </a:lnRef>
+        <a:fillRef idx="0">
+          <a:scrgbClr r="0" g="0" b="0"/>
+        </a:fillRef>
+        <a:effectRef idx="0">
+          <a:scrgbClr r="0" g="0" b="0"/>
+        </a:effectRef>
+        <a:fontRef idx="minor"/>
+      </dsp:style>
+    </dsp:sp>
+    <dsp:sp modelId="{7897F320-31B6-4202-8236-13B30D384C8F}">
+      <dsp:nvSpPr>
+        <dsp:cNvPr id="0" name=""/>
+        <dsp:cNvSpPr/>
+      </dsp:nvSpPr>
+      <dsp:spPr>
+        <a:xfrm>
+          <a:off x="2130581" y="543350"/>
+          <a:ext cx="580951" cy="387300"/>
+        </a:xfrm>
+        <a:prstGeom prst="roundRect">
+          <a:avLst>
+            <a:gd name="adj" fmla="val 10000"/>
+          </a:avLst>
+        </a:prstGeom>
+        <a:solidFill>
+          <a:schemeClr val="lt1">
+            <a:hueOff val="0"/>
+            <a:satOff val="0"/>
+            <a:lumOff val="0"/>
+            <a:alphaOff val="0"/>
+          </a:schemeClr>
+        </a:solidFill>
+        <a:ln w="25400" cap="flat" cmpd="sng" algn="ctr">
+          <a:solidFill>
+            <a:schemeClr val="dk1">
+              <a:shade val="80000"/>
+              <a:hueOff val="0"/>
+              <a:satOff val="0"/>
+              <a:lumOff val="0"/>
+              <a:alphaOff val="0"/>
+            </a:schemeClr>
+          </a:solidFill>
+          <a:prstDash val="solid"/>
+        </a:ln>
+        <a:effectLst/>
+      </dsp:spPr>
+      <dsp:style>
+        <a:lnRef idx="2">
+          <a:scrgbClr r="0" g="0" b="0"/>
+        </a:lnRef>
+        <a:fillRef idx="1">
+          <a:scrgbClr r="0" g="0" b="0"/>
+        </a:fillRef>
+        <a:effectRef idx="0">
+          <a:scrgbClr r="0" g="0" b="0"/>
+        </a:effectRef>
+        <a:fontRef idx="minor">
+          <a:schemeClr val="lt1"/>
+        </a:fontRef>
+      </dsp:style>
+      <dsp:txBody>
+        <a:bodyPr spcFirstLastPara="0" vert="horz" wrap="square" lIns="45720" tIns="45720" rIns="45720" bIns="45720" numCol="1" spcCol="1270" anchor="ctr" anchorCtr="0">
+          <a:noAutofit/>
+        </a:bodyPr>
+        <a:lstStyle/>
+        <a:p>
+          <a:pPr marL="0" lvl="0" indent="0" algn="ctr" defTabSz="533400" latinLnBrk="1">
+            <a:lnSpc>
+              <a:spcPct val="90000"/>
+            </a:lnSpc>
+            <a:spcBef>
+              <a:spcPct val="0"/>
+            </a:spcBef>
+            <a:spcAft>
+              <a:spcPct val="35000"/>
+            </a:spcAft>
+            <a:buNone/>
+          </a:pPr>
+          <a:r>
+            <a:rPr lang="en-US" altLang="ko-KR" sz="1200" kern="1200"/>
+            <a:t>B / 4</a:t>
+          </a:r>
+          <a:endParaRPr lang="ko-KR" altLang="en-US" sz="1200" kern="1200"/>
+        </a:p>
+      </dsp:txBody>
+      <dsp:txXfrm>
+        <a:off x="2141925" y="554694"/>
+        <a:ext cx="558263" cy="364612"/>
+      </dsp:txXfrm>
+    </dsp:sp>
+    <dsp:sp modelId="{FE7E3F4E-303A-42A1-99AA-54D51D9E1486}">
+      <dsp:nvSpPr>
+        <dsp:cNvPr id="0" name=""/>
+        <dsp:cNvSpPr/>
+      </dsp:nvSpPr>
+      <dsp:spPr>
+        <a:xfrm>
+          <a:off x="2375337" y="930651"/>
+          <a:ext cx="91440" cy="154920"/>
+        </a:xfrm>
+        <a:custGeom>
+          <a:avLst/>
+          <a:gdLst/>
+          <a:ahLst/>
+          <a:cxnLst/>
+          <a:rect l="0" t="0" r="0" b="0"/>
+          <a:pathLst>
+            <a:path>
+              <a:moveTo>
+                <a:pt x="45720" y="0"/>
+              </a:moveTo>
+              <a:lnTo>
+                <a:pt x="45720" y="154920"/>
+              </a:lnTo>
+            </a:path>
+          </a:pathLst>
+        </a:custGeom>
+        <a:noFill/>
+        <a:ln w="25400" cap="flat" cmpd="sng" algn="ctr">
+          <a:solidFill>
+            <a:schemeClr val="dk1">
+              <a:shade val="80000"/>
+              <a:hueOff val="0"/>
+              <a:satOff val="0"/>
+              <a:lumOff val="0"/>
+              <a:alphaOff val="0"/>
+            </a:schemeClr>
+          </a:solidFill>
+          <a:prstDash val="solid"/>
+        </a:ln>
+        <a:effectLst/>
+      </dsp:spPr>
+      <dsp:style>
+        <a:lnRef idx="2">
+          <a:scrgbClr r="0" g="0" b="0"/>
+        </a:lnRef>
+        <a:fillRef idx="0">
+          <a:scrgbClr r="0" g="0" b="0"/>
+        </a:fillRef>
+        <a:effectRef idx="0">
+          <a:scrgbClr r="0" g="0" b="0"/>
+        </a:effectRef>
+        <a:fontRef idx="minor"/>
+      </dsp:style>
+    </dsp:sp>
+    <dsp:sp modelId="{BA973D3C-233A-42E1-9D97-FEC466037B69}">
+      <dsp:nvSpPr>
+        <dsp:cNvPr id="0" name=""/>
+        <dsp:cNvSpPr/>
+      </dsp:nvSpPr>
+      <dsp:spPr>
+        <a:xfrm>
+          <a:off x="2130581" y="1085572"/>
+          <a:ext cx="580951" cy="387300"/>
+        </a:xfrm>
+        <a:prstGeom prst="roundRect">
+          <a:avLst>
+            <a:gd name="adj" fmla="val 10000"/>
+          </a:avLst>
+        </a:prstGeom>
+        <a:solidFill>
+          <a:schemeClr val="lt1">
+            <a:hueOff val="0"/>
+            <a:satOff val="0"/>
+            <a:lumOff val="0"/>
+            <a:alphaOff val="0"/>
+          </a:schemeClr>
+        </a:solidFill>
+        <a:ln w="25400" cap="flat" cmpd="sng" algn="ctr">
+          <a:solidFill>
+            <a:schemeClr val="dk1">
+              <a:shade val="80000"/>
+              <a:hueOff val="0"/>
+              <a:satOff val="0"/>
+              <a:lumOff val="0"/>
+              <a:alphaOff val="0"/>
+            </a:schemeClr>
+          </a:solidFill>
+          <a:prstDash val="solid"/>
+        </a:ln>
+        <a:effectLst/>
+      </dsp:spPr>
+      <dsp:style>
+        <a:lnRef idx="2">
+          <a:scrgbClr r="0" g="0" b="0"/>
+        </a:lnRef>
+        <a:fillRef idx="1">
+          <a:scrgbClr r="0" g="0" b="0"/>
+        </a:fillRef>
+        <a:effectRef idx="0">
+          <a:scrgbClr r="0" g="0" b="0"/>
+        </a:effectRef>
+        <a:fontRef idx="minor">
+          <a:schemeClr val="lt1"/>
+        </a:fontRef>
+      </dsp:style>
+      <dsp:txBody>
+        <a:bodyPr spcFirstLastPara="0" vert="horz" wrap="square" lIns="45720" tIns="45720" rIns="45720" bIns="45720" numCol="1" spcCol="1270" anchor="ctr" anchorCtr="0">
+          <a:noAutofit/>
+        </a:bodyPr>
+        <a:lstStyle/>
+        <a:p>
+          <a:pPr marL="0" lvl="0" indent="0" algn="ctr" defTabSz="533400" latinLnBrk="1">
+            <a:lnSpc>
+              <a:spcPct val="90000"/>
+            </a:lnSpc>
+            <a:spcBef>
+              <a:spcPct val="0"/>
+            </a:spcBef>
+            <a:spcAft>
+              <a:spcPct val="35000"/>
+            </a:spcAft>
+            <a:buNone/>
+          </a:pPr>
+          <a:r>
+            <a:rPr lang="en-US" altLang="ko-KR" sz="1200" kern="1200"/>
+            <a:t>C / 8</a:t>
+          </a:r>
+          <a:endParaRPr lang="ko-KR" altLang="en-US" sz="1200" kern="1200"/>
+        </a:p>
+      </dsp:txBody>
+      <dsp:txXfrm>
+        <a:off x="2141925" y="1096916"/>
+        <a:ext cx="558263" cy="364612"/>
+      </dsp:txXfrm>
+    </dsp:sp>
+    <dsp:sp modelId="{62C0506B-5029-4AF8-AFA4-0682AFCCDC8F}">
+      <dsp:nvSpPr>
+        <dsp:cNvPr id="0" name=""/>
+        <dsp:cNvSpPr/>
+      </dsp:nvSpPr>
+      <dsp:spPr>
+        <a:xfrm>
+          <a:off x="2043438" y="1472873"/>
+          <a:ext cx="377618" cy="154920"/>
+        </a:xfrm>
+        <a:custGeom>
+          <a:avLst/>
+          <a:gdLst/>
+          <a:ahLst/>
+          <a:cxnLst/>
+          <a:rect l="0" t="0" r="0" b="0"/>
+          <a:pathLst>
+            <a:path>
+              <a:moveTo>
+                <a:pt x="377618" y="0"/>
+              </a:moveTo>
+              <a:lnTo>
+                <a:pt x="377618" y="77460"/>
+              </a:lnTo>
+              <a:lnTo>
+                <a:pt x="0" y="77460"/>
+              </a:lnTo>
+              <a:lnTo>
+                <a:pt x="0" y="154920"/>
+              </a:lnTo>
+            </a:path>
+          </a:pathLst>
+        </a:custGeom>
+        <a:noFill/>
+        <a:ln w="25400" cap="flat" cmpd="sng" algn="ctr">
+          <a:solidFill>
+            <a:schemeClr val="dk1">
+              <a:shade val="80000"/>
+              <a:hueOff val="0"/>
+              <a:satOff val="0"/>
+              <a:lumOff val="0"/>
+              <a:alphaOff val="0"/>
+            </a:schemeClr>
+          </a:solidFill>
+          <a:prstDash val="solid"/>
+        </a:ln>
+        <a:effectLst/>
+      </dsp:spPr>
+      <dsp:style>
+        <a:lnRef idx="2">
+          <a:scrgbClr r="0" g="0" b="0"/>
+        </a:lnRef>
+        <a:fillRef idx="0">
+          <a:scrgbClr r="0" g="0" b="0"/>
+        </a:fillRef>
+        <a:effectRef idx="0">
+          <a:scrgbClr r="0" g="0" b="0"/>
+        </a:effectRef>
+        <a:fontRef idx="minor"/>
+      </dsp:style>
+    </dsp:sp>
+    <dsp:sp modelId="{ADA6CBAA-A297-4DD9-BD34-1BC04E4306C6}">
+      <dsp:nvSpPr>
+        <dsp:cNvPr id="0" name=""/>
+        <dsp:cNvSpPr/>
+      </dsp:nvSpPr>
+      <dsp:spPr>
+        <a:xfrm>
+          <a:off x="1752963" y="1627793"/>
+          <a:ext cx="580951" cy="387300"/>
+        </a:xfrm>
+        <a:prstGeom prst="roundRect">
+          <a:avLst>
+            <a:gd name="adj" fmla="val 10000"/>
+          </a:avLst>
+        </a:prstGeom>
+        <a:solidFill>
+          <a:schemeClr val="lt1">
+            <a:hueOff val="0"/>
+            <a:satOff val="0"/>
+            <a:lumOff val="0"/>
+            <a:alphaOff val="0"/>
+          </a:schemeClr>
+        </a:solidFill>
+        <a:ln w="25400" cap="flat" cmpd="sng" algn="ctr">
+          <a:solidFill>
+            <a:schemeClr val="dk1">
+              <a:shade val="80000"/>
+              <a:hueOff val="0"/>
+              <a:satOff val="0"/>
+              <a:lumOff val="0"/>
+              <a:alphaOff val="0"/>
+            </a:schemeClr>
+          </a:solidFill>
+          <a:prstDash val="solid"/>
+        </a:ln>
+        <a:effectLst/>
+      </dsp:spPr>
+      <dsp:style>
+        <a:lnRef idx="2">
+          <a:scrgbClr r="0" g="0" b="0"/>
+        </a:lnRef>
+        <a:fillRef idx="1">
+          <a:scrgbClr r="0" g="0" b="0"/>
+        </a:fillRef>
+        <a:effectRef idx="0">
+          <a:scrgbClr r="0" g="0" b="0"/>
+        </a:effectRef>
+        <a:fontRef idx="minor">
+          <a:schemeClr val="lt1"/>
+        </a:fontRef>
+      </dsp:style>
+      <dsp:txBody>
+        <a:bodyPr spcFirstLastPara="0" vert="horz" wrap="square" lIns="45720" tIns="45720" rIns="45720" bIns="45720" numCol="1" spcCol="1270" anchor="ctr" anchorCtr="0">
+          <a:noAutofit/>
+        </a:bodyPr>
+        <a:lstStyle/>
+        <a:p>
+          <a:pPr marL="0" lvl="0" indent="0" algn="ctr" defTabSz="533400" latinLnBrk="1">
+            <a:lnSpc>
+              <a:spcPct val="90000"/>
+            </a:lnSpc>
+            <a:spcBef>
+              <a:spcPct val="0"/>
+            </a:spcBef>
+            <a:spcAft>
+              <a:spcPct val="35000"/>
+            </a:spcAft>
+            <a:buNone/>
+          </a:pPr>
+          <a:r>
+            <a:rPr lang="en-US" altLang="ko-KR" sz="1200" kern="1200"/>
+            <a:t>D / 8</a:t>
+          </a:r>
+          <a:endParaRPr lang="ko-KR" altLang="en-US" sz="1200" kern="1200"/>
+        </a:p>
+      </dsp:txBody>
+      <dsp:txXfrm>
+        <a:off x="1764307" y="1639137"/>
+        <a:ext cx="558263" cy="364612"/>
+      </dsp:txXfrm>
+    </dsp:sp>
+    <dsp:sp modelId="{42748C47-7AB0-492C-9415-7754CCEB46F8}">
+      <dsp:nvSpPr>
+        <dsp:cNvPr id="0" name=""/>
+        <dsp:cNvSpPr/>
+      </dsp:nvSpPr>
+      <dsp:spPr>
+        <a:xfrm>
+          <a:off x="2421057" y="1472873"/>
+          <a:ext cx="377618" cy="154920"/>
+        </a:xfrm>
+        <a:custGeom>
+          <a:avLst/>
+          <a:gdLst/>
+          <a:ahLst/>
+          <a:cxnLst/>
+          <a:rect l="0" t="0" r="0" b="0"/>
+          <a:pathLst>
+            <a:path>
+              <a:moveTo>
+                <a:pt x="0" y="0"/>
+              </a:moveTo>
+              <a:lnTo>
+                <a:pt x="0" y="77460"/>
+              </a:lnTo>
+              <a:lnTo>
+                <a:pt x="377618" y="77460"/>
+              </a:lnTo>
+              <a:lnTo>
+                <a:pt x="377618" y="154920"/>
+              </a:lnTo>
+            </a:path>
+          </a:pathLst>
+        </a:custGeom>
+        <a:noFill/>
+        <a:ln w="25400" cap="flat" cmpd="sng" algn="ctr">
+          <a:solidFill>
+            <a:schemeClr val="dk1">
+              <a:shade val="80000"/>
+              <a:hueOff val="0"/>
+              <a:satOff val="0"/>
+              <a:lumOff val="0"/>
+              <a:alphaOff val="0"/>
+            </a:schemeClr>
+          </a:solidFill>
+          <a:prstDash val="solid"/>
+        </a:ln>
+        <a:effectLst/>
+      </dsp:spPr>
+      <dsp:style>
+        <a:lnRef idx="2">
+          <a:scrgbClr r="0" g="0" b="0"/>
+        </a:lnRef>
+        <a:fillRef idx="0">
+          <a:scrgbClr r="0" g="0" b="0"/>
+        </a:fillRef>
+        <a:effectRef idx="0">
+          <a:scrgbClr r="0" g="0" b="0"/>
+        </a:effectRef>
+        <a:fontRef idx="minor"/>
+      </dsp:style>
+    </dsp:sp>
+    <dsp:sp modelId="{860B5BB8-ECD0-485A-8CFE-334C17258B59}">
+      <dsp:nvSpPr>
+        <dsp:cNvPr id="0" name=""/>
+        <dsp:cNvSpPr/>
+      </dsp:nvSpPr>
+      <dsp:spPr>
+        <a:xfrm>
+          <a:off x="2508199" y="1627793"/>
+          <a:ext cx="580951" cy="387300"/>
+        </a:xfrm>
+        <a:prstGeom prst="roundRect">
+          <a:avLst>
+            <a:gd name="adj" fmla="val 10000"/>
+          </a:avLst>
+        </a:prstGeom>
+        <a:solidFill>
+          <a:schemeClr val="lt1">
+            <a:hueOff val="0"/>
+            <a:satOff val="0"/>
+            <a:lumOff val="0"/>
+            <a:alphaOff val="0"/>
+          </a:schemeClr>
+        </a:solidFill>
+        <a:ln w="25400" cap="flat" cmpd="sng" algn="ctr">
+          <a:solidFill>
+            <a:schemeClr val="dk1">
+              <a:shade val="80000"/>
+              <a:hueOff val="0"/>
+              <a:satOff val="0"/>
+              <a:lumOff val="0"/>
+              <a:alphaOff val="0"/>
+            </a:schemeClr>
+          </a:solidFill>
+          <a:prstDash val="solid"/>
+        </a:ln>
+        <a:effectLst/>
+      </dsp:spPr>
+      <dsp:style>
+        <a:lnRef idx="2">
+          <a:scrgbClr r="0" g="0" b="0"/>
+        </a:lnRef>
+        <a:fillRef idx="1">
+          <a:scrgbClr r="0" g="0" b="0"/>
+        </a:fillRef>
+        <a:effectRef idx="0">
+          <a:scrgbClr r="0" g="0" b="0"/>
+        </a:effectRef>
+        <a:fontRef idx="minor">
+          <a:schemeClr val="lt1"/>
+        </a:fontRef>
+      </dsp:style>
+      <dsp:txBody>
+        <a:bodyPr spcFirstLastPara="0" vert="horz" wrap="square" lIns="45720" tIns="45720" rIns="45720" bIns="45720" numCol="1" spcCol="1270" anchor="ctr" anchorCtr="0">
+          <a:noAutofit/>
+        </a:bodyPr>
+        <a:lstStyle/>
+        <a:p>
+          <a:pPr marL="0" lvl="0" indent="0" algn="ctr" defTabSz="533400" latinLnBrk="1">
+            <a:lnSpc>
+              <a:spcPct val="90000"/>
+            </a:lnSpc>
+            <a:spcBef>
+              <a:spcPct val="0"/>
+            </a:spcBef>
+            <a:spcAft>
+              <a:spcPct val="35000"/>
+            </a:spcAft>
+            <a:buNone/>
+          </a:pPr>
+          <a:r>
+            <a:rPr lang="en-US" altLang="ko-KR" sz="1200" kern="1200"/>
+            <a:t>E / 4 </a:t>
+          </a:r>
+          <a:endParaRPr lang="ko-KR" altLang="en-US" sz="1200" kern="1200"/>
+        </a:p>
+      </dsp:txBody>
+      <dsp:txXfrm>
+        <a:off x="2519543" y="1639137"/>
+        <a:ext cx="558263" cy="364612"/>
+      </dsp:txXfrm>
+    </dsp:sp>
+  </dsp:spTree>
+</dsp:drawing>
+</file>
+
+<file path=ppt/diagrams/layout1.xml><?xml version="1.0" encoding="utf-8"?>
+<dgm:layoutDef xmlns:dgm="http://schemas.openxmlformats.org/drawingml/2006/diagram" xmlns:a="http://schemas.openxmlformats.org/drawingml/2006/main" uniqueId="urn:microsoft.com/office/officeart/2005/8/layout/hierarchy6">
+  <dgm:title val=""/>
+  <dgm:desc val=""/>
+  <dgm:catLst>
+    <dgm:cat type="hierarchy" pri="3000"/>
+  </dgm:catLst>
+  <dgm:sampData>
+    <dgm:dataModel>
+      <dgm:ptLst>
+        <dgm:pt modelId="0" type="doc"/>
+        <dgm:pt modelId="1">
+          <dgm:prSet phldr="1"/>
+        </dgm:pt>
+        <dgm:pt modelId="2">
+          <dgm:prSet phldr="1"/>
+        </dgm:pt>
+        <dgm:pt modelId="21">
+          <dgm:prSet phldr="1"/>
+        </dgm:pt>
+        <dgm:pt modelId="22">
+          <dgm:prSet phldr="1"/>
+        </dgm:pt>
+        <dgm:pt modelId="3">
+          <dgm:prSet phldr="1"/>
+        </dgm:pt>
+        <dgm:pt modelId="31">
+          <dgm:prSet phldr="1"/>
+        </dgm:pt>
+        <dgm:pt modelId="4">
+          <dgm:prSet phldr="1"/>
+        </dgm:pt>
+        <dgm:pt modelId="5">
+          <dgm:prSet phldr="1"/>
+        </dgm:pt>
+        <dgm:pt modelId="6">
+          <dgm:prSet phldr="1"/>
+        </dgm:pt>
+      </dgm:ptLst>
+      <dgm:cxnLst>
+        <dgm:cxn modelId="7" srcId="0" destId="1" srcOrd="0" destOrd="0"/>
+        <dgm:cxn modelId="8" srcId="1" destId="2" srcOrd="0" destOrd="0"/>
+        <dgm:cxn modelId="9" srcId="1" destId="3" srcOrd="1" destOrd="0"/>
+        <dgm:cxn modelId="23" srcId="2" destId="21" srcOrd="0" destOrd="0"/>
+        <dgm:cxn modelId="24" srcId="2" destId="22" srcOrd="1" destOrd="0"/>
+        <dgm:cxn modelId="33" srcId="3" destId="31" srcOrd="0" destOrd="0"/>
+        <dgm:cxn modelId="10" srcId="0" destId="4" srcOrd="1" destOrd="0"/>
+        <dgm:cxn modelId="11" srcId="0" destId="5" srcOrd="2" destOrd="0"/>
+        <dgm:cxn modelId="12" srcId="0" destId="6" srcOrd="3" destOrd="0"/>
+      </dgm:cxnLst>
+      <dgm:bg/>
+      <dgm:whole/>
+    </dgm:dataModel>
+  </dgm:sampData>
+  <dgm:styleData>
+    <dgm:dataModel>
+      <dgm:ptLst>
+        <dgm:pt modelId="0" type="doc"/>
+        <dgm:pt modelId="1"/>
+        <dgm:pt modelId="11"/>
+        <dgm:pt modelId="12"/>
+        <dgm:pt modelId="2"/>
+        <dgm:pt modelId="3"/>
+      </dgm:ptLst>
+      <dgm:cxnLst>
+        <dgm:cxn modelId="4" srcId="0" destId="1" srcOrd="0" destOrd="0"/>
+        <dgm:cxn modelId="13" srcId="1" destId="11" srcOrd="0" destOrd="0"/>
+        <dgm:cxn modelId="14" srcId="1" destId="12" srcOrd="1" destOrd="0"/>
+        <dgm:cxn modelId="5" srcId="0" destId="2" srcOrd="1" destOrd="0"/>
+        <dgm:cxn modelId="6" srcId="0" destId="3" srcOrd="2" destOrd="0"/>
+      </dgm:cxnLst>
+      <dgm:bg/>
+      <dgm:whole/>
+    </dgm:dataModel>
+  </dgm:styleData>
+  <dgm:clrData>
+    <dgm:dataModel>
+      <dgm:ptLst>
+        <dgm:pt modelId="0" type="doc"/>
+        <dgm:pt modelId="1"/>
+        <dgm:pt modelId="2"/>
+        <dgm:pt modelId="21"/>
+        <dgm:pt modelId="211"/>
+        <dgm:pt modelId="3"/>
+        <dgm:pt modelId="31"/>
+        <dgm:pt modelId="311"/>
+        <dgm:pt modelId="4"/>
+        <dgm:pt modelId="5"/>
+        <dgm:pt modelId="6"/>
+        <dgm:pt modelId="7"/>
+      </dgm:ptLst>
+      <dgm:cxnLst>
+        <dgm:cxn modelId="8" srcId="0" destId="1" srcOrd="0" destOrd="0"/>
+        <dgm:cxn modelId="9" srcId="1" destId="2" srcOrd="0" destOrd="0"/>
+        <dgm:cxn modelId="10" srcId="1" destId="3" srcOrd="1" destOrd="0"/>
+        <dgm:cxn modelId="23" srcId="2" destId="21" srcOrd="0" destOrd="0"/>
+        <dgm:cxn modelId="24" srcId="21" destId="211" srcOrd="0" destOrd="0"/>
+        <dgm:cxn modelId="33" srcId="3" destId="31" srcOrd="0" destOrd="0"/>
+        <dgm:cxn modelId="34" srcId="31" destId="311" srcOrd="0" destOrd="0"/>
+        <dgm:cxn modelId="11" srcId="0" destId="4" srcOrd="1" destOrd="0"/>
+        <dgm:cxn modelId="12" srcId="0" destId="5" srcOrd="2" destOrd="0"/>
+        <dgm:cxn modelId="13" srcId="0" destId="6" srcOrd="3" destOrd="0"/>
+        <dgm:cxn modelId="14" srcId="0" destId="7" srcOrd="4" destOrd="0"/>
+      </dgm:cxnLst>
+      <dgm:bg/>
+      <dgm:whole/>
+    </dgm:dataModel>
+  </dgm:clrData>
+  <dgm:layoutNode name="mainComposite">
+    <dgm:varLst>
+      <dgm:chPref val="1"/>
+      <dgm:dir/>
+      <dgm:animOne val="branch"/>
+      <dgm:animLvl val="lvl"/>
+      <dgm:resizeHandles val="exact"/>
+    </dgm:varLst>
+    <dgm:alg type="composite">
+      <dgm:param type="vertAlign" val="mid"/>
+      <dgm:param type="horzAlign" val="ctr"/>
+    </dgm:alg>
+    <dgm:shape xmlns:r="http://schemas.openxmlformats.org/officeDocument/2006/relationships" r:blip="">
+      <dgm:adjLst/>
+    </dgm:shape>
+    <dgm:presOf/>
+    <dgm:choose name="Name0">
+      <dgm:if name="Name1" axis="ch" ptType="node" func="cnt" op="gte" val="2">
+        <dgm:choose name="Name2">
+          <dgm:if name="Name3" func="var" arg="dir" op="equ" val="norm">
+            <dgm:constrLst>
+              <dgm:constr type="l" for="ch" forName="hierFlow" refType="w" fact="0.3"/>
+              <dgm:constr type="t" for="ch" forName="hierFlow"/>
+              <dgm:constr type="r" for="ch" forName="hierFlow" refType="w" fact="0.98"/>
+              <dgm:constr type="b" for="ch" forName="hierFlow" refType="h" fact="0.98"/>
+              <dgm:constr type="l" for="ch" forName="bgShapesFlow"/>
+              <dgm:constr type="t" for="ch" forName="bgShapesFlow"/>
+              <dgm:constr type="r" for="ch" forName="bgShapesFlow" refType="w"/>
+              <dgm:constr type="b" for="ch" forName="bgShapesFlow" refType="h"/>
+              <dgm:constr type="w" for="des" forName="level1Shape" refType="w"/>
+              <dgm:constr type="h" for="des" forName="level1Shape" refType="w" refFor="des" refForName="level1Shape" fact="0.66667"/>
+              <dgm:constr type="w" for="des" forName="level2Shape" refType="w" refFor="des" refForName="level1Shape" op="equ"/>
+              <dgm:constr type="h" for="des" forName="level2Shape" refType="h" refFor="des" refForName="level1Shape" op="equ"/>
+              <dgm:constr type="sp" for="des" refType="h" refFor="des" refForName="level1Shape" op="equ" fact="0.4"/>
+              <dgm:constr type="sibSp" for="des" forName="hierChild1" refType="w" refFor="des" refForName="level1Shape" op="equ" fact="0.3"/>
+              <dgm:constr type="sibSp" for="des" forName="hierChild2" refType="sibSp" refFor="des" refForName="hierChild1" op="equ"/>
+              <dgm:constr type="sibSp" for="des" forName="hierChild3" refType="sibSp" refFor="des" refForName="hierChild1" op="equ"/>
+              <dgm:constr type="userA" for="des" refType="h" refFor="des" refForName="level1Shape" op="equ"/>
+              <dgm:constr type="userB" for="des" refType="sp" refFor="des" op="equ"/>
+              <dgm:constr type="h" for="des" forName="firstBuf" refType="h" refFor="des" refForName="level1Shape" fact="0.1"/>
+            </dgm:constrLst>
+          </dgm:if>
+          <dgm:else name="Name4">
+            <dgm:constrLst>
+              <dgm:constr type="l" for="ch" forName="hierFlow" refType="w" fact="0.02"/>
+              <dgm:constr type="t" for="ch" forName="hierFlow"/>
+              <dgm:constr type="r" for="ch" forName="hierFlow" refType="w" fact="0.7"/>
+              <dgm:constr type="b" for="ch" forName="hierFlow" refType="h" fact="0.98"/>
+              <dgm:constr type="l" for="ch" forName="bgShapesFlow"/>
+              <dgm:constr type="t" for="ch" forName="bgShapesFlow"/>
+              <dgm:constr type="r" for="ch" forName="bgShapesFlow" refType="w"/>
+              <dgm:constr type="b" for="ch" forName="bgShapesFlow" refType="h"/>
+              <dgm:constr type="w" for="des" forName="level1Shape" refType="w"/>
+              <dgm:constr type="h" for="des" forName="level1Shape" refType="w" refFor="des" refForName="level1Shape" fact="0.66667"/>
+              <dgm:constr type="w" for="des" forName="level2Shape" refType="w" refFor="des" refForName="level1Shape" op="equ"/>
+              <dgm:constr type="h" for="des" forName="level2Shape" refType="h" refFor="des" refForName="level1Shape" op="equ"/>
+              <dgm:constr type="sp" for="des" refType="h" refFor="des" refForName="level1Shape" op="equ" fact="0.4"/>
+              <dgm:constr type="sibSp" for="des" forName="hierChild1" refType="w" refFor="des" refForName="level1Shape" op="equ" fact="0.3"/>
+              <dgm:constr type="sibSp" for="des" forName="hierChild2" refType="sibSp" refFor="des" refForName="hierChild1" op="equ"/>
+              <dgm:constr type="sibSp" for="des" forName="hierChild3" refType="sibSp" refFor="des" refForName="hierChild1" op="equ"/>
+              <dgm:constr type="userA" for="des" refType="h" refFor="des" refForName="level1Shape" op="equ"/>
+              <dgm:constr type="userB" for="des" refType="sp" refFor="des" op="equ"/>
+              <dgm:constr type="h" for="des" forName="firstBuf" refType="h" refFor="des" refForName="level1Shape" fact="0.1"/>
+            </dgm:constrLst>
+          </dgm:else>
+        </dgm:choose>
+      </dgm:if>
+      <dgm:else name="Name5">
+        <dgm:constrLst>
+          <dgm:constr type="l" for="ch" forName="hierFlow"/>
+          <dgm:constr type="t" for="ch" forName="hierFlow"/>
+          <dgm:constr type="r" for="ch" forName="hierFlow" refType="w"/>
+          <dgm:constr type="b" for="ch" forName="hierFlow" refType="h"/>
+          <dgm:constr type="l" for="ch" forName="bgShapesFlow"/>
+          <dgm:constr type="t" for="ch" forName="bgShapesFlow"/>
+          <dgm:constr type="r" for="ch" forName="bgShapesFlow" refType="w"/>
+          <dgm:constr type="b" for="ch" forName="bgShapesFlow" refType="h"/>
+          <dgm:constr type="w" for="des" forName="level1Shape" refType="w"/>
+          <dgm:constr type="h" for="des" forName="level1Shape" refType="w" refFor="des" refForName="level1Shape" fact="0.66667"/>
+          <dgm:constr type="w" for="des" forName="level2Shape" refType="w" refFor="des" refForName="level1Shape" op="equ"/>
+          <dgm:constr type="h" for="des" forName="level2Shape" refType="h" refFor="des" refForName="level1Shape" op="equ"/>
+          <dgm:constr type="sp" for="des" refType="h" refFor="des" refForName="level1Shape" op="equ" fact="0.4"/>
+          <dgm:constr type="sibSp" for="des" forName="hierChild1" refType="w" refFor="des" refForName="level1Shape" op="equ" fact="0.3"/>
+          <dgm:constr type="sibSp" for="des" forName="hierChild2" refType="sibSp" refFor="des" refForName="hierChild1" op="equ"/>
+          <dgm:constr type="sibSp" for="des" forName="hierChild3" refType="sibSp" refFor="des" refForName="hierChild1" op="equ"/>
+          <dgm:constr type="userA" for="des" refType="h" refFor="des" refForName="level1Shape" op="equ"/>
+          <dgm:constr type="userB" for="des" refType="sp" refFor="des" op="equ"/>
+          <dgm:constr type="h" for="des" forName="firstBuf" refType="h" refFor="des" refForName="level1Shape" fact="0.1"/>
+        </dgm:constrLst>
+      </dgm:else>
+    </dgm:choose>
+    <dgm:ruleLst/>
+    <dgm:layoutNode name="hierFlow">
+      <dgm:alg type="lin">
+        <dgm:param type="linDir" val="fromT"/>
+        <dgm:param type="nodeVertAlign" val="t"/>
+        <dgm:param type="vertAlign" val="t"/>
+        <dgm:param type="nodeHorzAlign" val="ctr"/>
+        <dgm:param type="fallback" val="2D"/>
+      </dgm:alg>
+      <dgm:shape xmlns:r="http://schemas.openxmlformats.org/officeDocument/2006/relationships" r:blip="">
+        <dgm:adjLst/>
+      </dgm:shape>
+      <dgm:presOf/>
+      <dgm:constrLst/>
+      <dgm:ruleLst/>
+      <dgm:choose name="Name6">
+        <dgm:if name="Name7" axis="ch" ptType="node" func="cnt" op="gte" val="2">
+          <dgm:layoutNode name="firstBuf">
+            <dgm:alg type="sp"/>
+            <dgm:shape xmlns:r="http://schemas.openxmlformats.org/officeDocument/2006/relationships" r:blip="">
+              <dgm:adjLst/>
+            </dgm:shape>
+            <dgm:presOf/>
+            <dgm:constrLst/>
+            <dgm:ruleLst/>
+          </dgm:layoutNode>
+        </dgm:if>
+        <dgm:else name="Name8"/>
+      </dgm:choose>
+      <dgm:layoutNode name="hierChild1">
+        <dgm:varLst>
+          <dgm:chPref val="1"/>
+          <dgm:animOne val="branch"/>
+          <dgm:animLvl val="lvl"/>
+        </dgm:varLst>
+        <dgm:choose name="Name9">
+          <dgm:if name="Name10" func="var" arg="dir" op="equ" val="norm">
+            <dgm:alg type="hierChild">
+              <dgm:param type="linDir" val="fromL"/>
+              <dgm:param type="vertAlign" val="t"/>
+            </dgm:alg>
+          </dgm:if>
+          <dgm:else name="Name11">
+            <dgm:alg type="hierChild">
+              <dgm:param type="linDir" val="fromR"/>
+              <dgm:param type="vertAlign" val="t"/>
+            </dgm:alg>
+          </dgm:else>
+        </dgm:choose>
+        <dgm:shape xmlns:r="http://schemas.openxmlformats.org/officeDocument/2006/relationships" r:blip="">
+          <dgm:adjLst/>
+        </dgm:shape>
+        <dgm:presOf/>
+        <dgm:constrLst>
+          <dgm:constr type="primFontSz" for="des" ptType="node" op="equ"/>
+        </dgm:constrLst>
+        <dgm:ruleLst/>
+        <dgm:forEach name="Name12" axis="ch" cnt="3">
+          <dgm:forEach name="Name13" axis="self" ptType="node">
+            <dgm:layoutNode name="Name14">
+              <dgm:alg type="hierRoot"/>
+              <dgm:shape xmlns:r="http://schemas.openxmlformats.org/officeDocument/2006/relationships" r:blip="">
+                <dgm:adjLst/>
+              </dgm:shape>
+              <dgm:presOf/>
+              <dgm:constrLst/>
+              <dgm:ruleLst/>
+              <dgm:layoutNode name="level1Shape" styleLbl="node0">
+                <dgm:varLst>
+                  <dgm:chPref val="3"/>
+                </dgm:varLst>
+                <dgm:alg type="tx"/>
+                <dgm:shape xmlns:r="http://schemas.openxmlformats.org/officeDocument/2006/relationships" type="roundRect" r:blip="">
+                  <dgm:adjLst>
+                    <dgm:adj idx="1" val="0.1"/>
+                  </dgm:adjLst>
+                </dgm:shape>
+                <dgm:presOf axis="self"/>
+                <dgm:constrLst>
+                  <dgm:constr type="primFontSz" val="65"/>
+                  <dgm:constr type="tMarg" refType="primFontSz" fact="0.3"/>
+                  <dgm:constr type="bMarg" refType="primFontSz" fact="0.3"/>
+                  <dgm:constr type="lMarg" refType="primFontSz" fact="0.3"/>
+                  <dgm:constr type="rMarg" refType="primFontSz" fact="0.3"/>
+                </dgm:constrLst>
+                <dgm:ruleLst>
+                  <dgm:rule type="primFontSz" val="5" fact="NaN" max="NaN"/>
+                </dgm:ruleLst>
+              </dgm:layoutNode>
+              <dgm:layoutNode name="hierChild2">
+                <dgm:choose name="Name15">
+                  <dgm:if name="Name16" func="var" arg="dir" op="equ" val="norm">
+                    <dgm:alg type="hierChild">
+                      <dgm:param type="linDir" val="fromL"/>
+                    </dgm:alg>
+                  </dgm:if>
+                  <dgm:else name="Name17">
+                    <dgm:alg type="hierChild">
+                      <dgm:param type="linDir" val="fromR"/>
+                    </dgm:alg>
+                  </dgm:else>
+                </dgm:choose>
+                <dgm:shape xmlns:r="http://schemas.openxmlformats.org/officeDocument/2006/relationships" r:blip="">
+                  <dgm:adjLst/>
+                </dgm:shape>
+                <dgm:presOf/>
+                <dgm:constrLst/>
+                <dgm:ruleLst/>
+                <dgm:forEach name="repeat" axis="ch">
+                  <dgm:forEach name="Name18" axis="self" ptType="parTrans" cnt="1">
+                    <dgm:layoutNode name="Name19">
+                      <dgm:alg type="conn">
+                        <dgm:param type="dim" val="1D"/>
+                        <dgm:param type="endSty" val="noArr"/>
+                        <dgm:param type="connRout" val="bend"/>
+                        <dgm:param type="begPts" val="bCtr"/>
+                        <dgm:param type="endPts" val="tCtr"/>
+                      </dgm:alg>
+                      <dgm:shape xmlns:r="http://schemas.openxmlformats.org/officeDocument/2006/relationships" type="conn" r:blip="">
+                        <dgm:adjLst/>
+                      </dgm:shape>
+                      <dgm:presOf axis="self"/>
+                      <dgm:constrLst>
+                        <dgm:constr type="w" val="1"/>
+                        <dgm:constr type="h" val="1"/>
+                        <dgm:constr type="begPad"/>
+                        <dgm:constr type="endPad"/>
+                      </dgm:constrLst>
+                      <dgm:ruleLst/>
+                    </dgm:layoutNode>
+                  </dgm:forEach>
+                  <dgm:forEach name="Name20" axis="self" ptType="node">
+                    <dgm:layoutNode name="Name21">
+                      <dgm:alg type="hierRoot"/>
+                      <dgm:shape xmlns:r="http://schemas.openxmlformats.org/officeDocument/2006/relationships" r:blip="">
+                        <dgm:adjLst/>
+                      </dgm:shape>
+                      <dgm:presOf/>
+                      <dgm:constrLst/>
+                      <dgm:ruleLst/>
+                      <dgm:layoutNode name="level2Shape">
+                        <dgm:alg type="tx"/>
+                        <dgm:shape xmlns:r="http://schemas.openxmlformats.org/officeDocument/2006/relationships" type="roundRect" r:blip="">
+                          <dgm:adjLst>
+                            <dgm:adj idx="1" val="0.1"/>
+                          </dgm:adjLst>
+                        </dgm:shape>
+                        <dgm:presOf axis="self"/>
+                        <dgm:constrLst>
+                          <dgm:constr type="primFontSz" val="65"/>
+                          <dgm:constr type="tMarg" refType="primFontSz" fact="0.3"/>
+                          <dgm:constr type="bMarg" refType="primFontSz" fact="0.3"/>
+                          <dgm:constr type="lMarg" refType="primFontSz" fact="0.3"/>
+                          <dgm:constr type="rMarg" refType="primFontSz" fact="0.3"/>
+                        </dgm:constrLst>
+                        <dgm:ruleLst>
+                          <dgm:rule type="primFontSz" val="5" fact="NaN" max="NaN"/>
+                        </dgm:ruleLst>
+                      </dgm:layoutNode>
+                      <dgm:layoutNode name="hierChild3">
+                        <dgm:choose name="Name22">
+                          <dgm:if name="Name23" func="var" arg="dir" op="equ" val="norm">
+                            <dgm:alg type="hierChild">
+                              <dgm:param type="linDir" val="fromL"/>
+                            </dgm:alg>
+                          </dgm:if>
+                          <dgm:else name="Name24">
+                            <dgm:alg type="hierChild">
+                              <dgm:param type="linDir" val="fromR"/>
+                            </dgm:alg>
+                          </dgm:else>
+                        </dgm:choose>
+                        <dgm:shape xmlns:r="http://schemas.openxmlformats.org/officeDocument/2006/relationships" r:blip="">
+                          <dgm:adjLst/>
+                        </dgm:shape>
+                        <dgm:presOf/>
+                        <dgm:constrLst/>
+                        <dgm:ruleLst/>
+                        <dgm:forEach name="Name25" ref="repeat"/>
+                      </dgm:layoutNode>
+                    </dgm:layoutNode>
+                  </dgm:forEach>
+                </dgm:forEach>
+              </dgm:layoutNode>
+            </dgm:layoutNode>
+          </dgm:forEach>
+        </dgm:forEach>
+      </dgm:layoutNode>
+    </dgm:layoutNode>
+    <dgm:layoutNode name="bgShapesFlow">
+      <dgm:alg type="lin">
+        <dgm:param type="linDir" val="fromT"/>
+        <dgm:param type="nodeVertAlign" val="t"/>
+        <dgm:param type="vertAlign" val="t"/>
+        <dgm:param type="nodeHorzAlign" val="ctr"/>
+      </dgm:alg>
+      <dgm:shape xmlns:r="http://schemas.openxmlformats.org/officeDocument/2006/relationships" r:blip="">
+        <dgm:adjLst/>
+      </dgm:shape>
+      <dgm:presOf/>
+      <dgm:constrLst>
+        <dgm:constr type="userB"/>
+        <dgm:constr type="w" for="ch" forName="rectComp" refType="w"/>
+        <dgm:constr type="h" for="ch" forName="rectComp" refType="h"/>
+        <dgm:constr type="w" for="des" forName="bgRect" refType="w"/>
+        <dgm:constr type="primFontSz" for="des" forName="bgRectTx" op="equ"/>
+      </dgm:constrLst>
+      <dgm:ruleLst/>
+      <dgm:forEach name="Name26" axis="ch" ptType="node" st="2">
+        <dgm:layoutNode name="rectComp">
+          <dgm:alg type="composite">
+            <dgm:param type="vertAlign" val="t"/>
+            <dgm:param type="horzAlign" val="ctr"/>
+          </dgm:alg>
+          <dgm:shape xmlns:r="http://schemas.openxmlformats.org/officeDocument/2006/relationships" r:blip="">
+            <dgm:adjLst/>
+          </dgm:shape>
+          <dgm:presOf/>
+          <dgm:choose name="Name27">
+            <dgm:if name="Name28" func="var" arg="dir" op="equ" val="norm">
+              <dgm:constrLst>
+                <dgm:constr type="userA"/>
+                <dgm:constr type="l" for="ch" forName="bgRect"/>
+                <dgm:constr type="t" for="ch" forName="bgRect"/>
+                <dgm:constr type="h" for="ch" forName="bgRect" refType="userA" fact="1.2"/>
+                <dgm:constr type="l" for="ch" forName="bgRectTx"/>
+                <dgm:constr type="t" for="ch" forName="bgRectTx"/>
+                <dgm:constr type="w" for="ch" forName="bgRectTx" refType="w" refFor="ch" refForName="bgRect" fact="0.3"/>
+                <dgm:constr type="h" for="ch" forName="bgRectTx" refType="h" refFor="ch" refForName="bgRect" op="equ"/>
+              </dgm:constrLst>
+            </dgm:if>
+            <dgm:else name="Name29">
+              <dgm:constrLst>
+                <dgm:constr type="userA"/>
+                <dgm:constr type="l" for="ch" forName="bgRect"/>
+                <dgm:constr type="t" for="ch" forName="bgRect"/>
+                <dgm:constr type="h" for="ch" forName="bgRect" refType="userA" fact="1.2"/>
+                <dgm:constr type="r" for="ch" forName="bgRectTx" refType="w"/>
+                <dgm:constr type="t" for="ch" forName="bgRectTx"/>
+                <dgm:constr type="w" for="ch" forName="bgRectTx" refType="w" refFor="ch" refForName="bgRect" fact="0.3"/>
+                <dgm:constr type="h" for="ch" forName="bgRectTx" refType="h" refFor="ch" refForName="bgRect" op="equ"/>
+              </dgm:constrLst>
+            </dgm:else>
+          </dgm:choose>
+          <dgm:ruleLst/>
+          <dgm:layoutNode name="bgRect" styleLbl="bgShp">
+            <dgm:alg type="sp"/>
+            <dgm:shape xmlns:r="http://schemas.openxmlformats.org/officeDocument/2006/relationships" type="roundRect" r:blip="" zOrderOff="-999">
+              <dgm:adjLst>
+                <dgm:adj idx="1" val="0.1"/>
+              </dgm:adjLst>
+            </dgm:shape>
+            <dgm:presOf axis="desOrSelf" ptType="node"/>
+            <dgm:constrLst/>
+            <dgm:ruleLst/>
+          </dgm:layoutNode>
+          <dgm:layoutNode name="bgRectTx" styleLbl="bgShp">
+            <dgm:varLst>
+              <dgm:bulletEnabled val="1"/>
+            </dgm:varLst>
+            <dgm:alg type="tx"/>
+            <dgm:presOf axis="desOrSelf" ptType="node"/>
+            <dgm:shape xmlns:r="http://schemas.openxmlformats.org/officeDocument/2006/relationships" type="rect" r:blip="" zOrderOff="-999" hideGeom="1">
+              <dgm:adjLst/>
+            </dgm:shape>
+            <dgm:constrLst>
+              <dgm:constr type="primFontSz" val="65"/>
+            </dgm:constrLst>
+            <dgm:ruleLst>
+              <dgm:rule type="primFontSz" val="5" fact="NaN" max="NaN"/>
+            </dgm:ruleLst>
+          </dgm:layoutNode>
+        </dgm:layoutNode>
+        <dgm:choose name="Name30">
+          <dgm:if name="Name31" axis="self" ptType="node" func="revPos" op="gte" val="2">
+            <dgm:layoutNode name="spComp">
+              <dgm:alg type="composite">
+                <dgm:param type="vertAlign" val="t"/>
+                <dgm:param type="horzAlign" val="ctr"/>
+              </dgm:alg>
+              <dgm:shape xmlns:r="http://schemas.openxmlformats.org/officeDocument/2006/relationships" r:blip="">
+                <dgm:adjLst/>
+              </dgm:shape>
+              <dgm:presOf/>
+              <dgm:constrLst>
+                <dgm:constr type="userA"/>
+                <dgm:constr type="userB"/>
+                <dgm:constr type="l" for="ch" forName="vSp"/>
+                <dgm:constr type="t" for="ch" forName="vSp"/>
+                <dgm:constr type="h" for="ch" forName="vSp" refType="userB"/>
+                <dgm:constr type="hOff" for="ch" forName="vSp" refType="userA" fact="-0.2"/>
+              </dgm:constrLst>
+              <dgm:ruleLst/>
+              <dgm:layoutNode name="vSp">
+                <dgm:alg type="sp"/>
+                <dgm:shape xmlns:r="http://schemas.openxmlformats.org/officeDocument/2006/relationships" r:blip="">
+                  <dgm:adjLst/>
+                </dgm:shape>
+                <dgm:presOf/>
+                <dgm:constrLst/>
+                <dgm:ruleLst/>
+              </dgm:layoutNode>
+            </dgm:layoutNode>
+          </dgm:if>
+          <dgm:else name="Name32"/>
+        </dgm:choose>
+      </dgm:forEach>
+    </dgm:layoutNode>
+  </dgm:layoutNode>
+</dgm:layoutDef>
+</file>
+
+<file path=ppt/diagrams/quickStyle1.xml><?xml version="1.0" encoding="utf-8"?>
+<dgm:styleDef xmlns:dgm="http://schemas.openxmlformats.org/drawingml/2006/diagram" xmlns:a="http://schemas.openxmlformats.org/drawingml/2006/main" uniqueId="urn:microsoft.com/office/officeart/2005/8/quickstyle/simple1">
+  <dgm:title val=""/>
+  <dgm:desc val=""/>
+  <dgm:catLst>
+    <dgm:cat type="simple" pri="10100"/>
+  </dgm:catLst>
+  <dgm:scene3d>
+    <a:camera prst="orthographicFront"/>
+    <a:lightRig rig="threePt" dir="t"/>
+  </dgm:scene3d>
+  <dgm:styleLbl name="node0">
+    <dgm:scene3d>
+      <a:camera prst="orthographicFront"/>
+      <a:lightRig rig="threePt" dir="t"/>
+    </dgm:scene3d>
+    <dgm:sp3d/>
+    <dgm:txPr/>
+    <dgm:style>
+      <a:lnRef idx="2">
+        <a:scrgbClr r="0" g="0" b="0"/>
+      </a:lnRef>
+      <a:fillRef idx="1">
+        <a:scrgbClr r="0" g="0" b="0"/>
+      </a:fillRef>
+      <a:effectRef idx="0">
+        <a:scrgbClr r="0" g="0" b="0"/>
+      </a:effectRef>
+      <a:fontRef idx="minor">
+        <a:schemeClr val="lt1"/>
+      </a:fontRef>
+    </dgm:style>
+  </dgm:styleLbl>
+  <dgm:styleLbl name="lnNode1">
+    <dgm:scene3d>
+      <a:camera prst="orthographicFront"/>
+      <a:lightRig rig="threePt" dir="t"/>
+    </dgm:scene3d>
+    <dgm:sp3d/>
+    <dgm:txPr/>
+    <dgm:style>
+      <a:lnRef idx="2">
+        <a:scrgbClr r="0" g="0" b="0"/>
+      </a:lnRef>
+      <a:fillRef idx="1">
+        <a:scrgbClr r="0" g="0" b="0"/>
+      </a:fillRef>
+      <a:effectRef idx="0">
+        <a:scrgbClr r="0" g="0" b="0"/>
+      </a:effectRef>
+      <a:fontRef idx="minor">
+        <a:schemeClr val="lt1"/>
+      </a:fontRef>
+    </dgm:style>
+  </dgm:styleLbl>
+  <dgm:styleLbl name="vennNode1">
+    <dgm:scene3d>
+      <a:camera prst="orthographicFront"/>
+      <a:lightRig rig="threePt" dir="t"/>
+    </dgm:scene3d>
+    <dgm:sp3d/>
+    <dgm:txPr/>
+    <dgm:style>
+      <a:lnRef idx="2">
+        <a:scrgbClr r="0" g="0" b="0"/>
+      </a:lnRef>
+      <a:fillRef idx="1">
+        <a:scrgbClr r="0" g="0" b="0"/>
+      </a:fillRef>
+      <a:effectRef idx="0">
+        <a:scrgbClr r="0" g="0" b="0"/>
+      </a:effectRef>
+      <a:fontRef idx="minor">
+        <a:schemeClr val="tx1"/>
+      </a:fontRef>
+    </dgm:style>
+  </dgm:styleLbl>
+  <dgm:styleLbl name="alignNode1">
+    <dgm:scene3d>
+      <a:camera prst="orthographicFront"/>
+      <a:lightRig rig="threePt" dir="t"/>
+    </dgm:scene3d>
+    <dgm:sp3d/>
+    <dgm:txPr/>
+    <dgm:style>
+      <a:lnRef idx="2">
+        <a:scrgbClr r="0" g="0" b="0"/>
+      </a:lnRef>
+      <a:fillRef idx="1">
+        <a:scrgbClr r="0" g="0" b="0"/>
+      </a:fillRef>
+      <a:effectRef idx="0">
+        <a:scrgbClr r="0" g="0" b="0"/>
+      </a:effectRef>
+      <a:fontRef idx="minor">
+        <a:schemeClr val="lt1"/>
+      </a:fontRef>
+    </dgm:style>
+  </dgm:styleLbl>
+  <dgm:styleLbl name="node1">
+    <dgm:scene3d>
+      <a:camera prst="orthographicFront"/>
+      <a:lightRig rig="threePt" dir="t"/>
+    </dgm:scene3d>
+    <dgm:sp3d/>
+    <dgm:txPr/>
+    <dgm:style>
+      <a:lnRef idx="2">
+        <a:scrgbClr r="0" g="0" b="0"/>
+      </a:lnRef>
+      <a:fillRef idx="1">
+        <a:scrgbClr r="0" g="0" b="0"/>
+      </a:fillRef>
+      <a:effectRef idx="0">
+        <a:scrgbClr r="0" g="0" b="0"/>
+      </a:effectRef>
+      <a:fontRef idx="minor">
+        <a:schemeClr val="lt1"/>
+      </a:fontRef>
+    </dgm:style>
+  </dgm:styleLbl>
+  <dgm:styleLbl name="node2">
+    <dgm:scene3d>
+      <a:camera prst="orthographicFront"/>
+      <a:lightRig rig="threePt" dir="t"/>
+    </dgm:scene3d>
+    <dgm:sp3d/>
+    <dgm:txPr/>
+    <dgm:style>
+      <a:lnRef idx="2">
+        <a:scrgbClr r="0" g="0" b="0"/>
+      </a:lnRef>
+      <a:fillRef idx="1">
+        <a:scrgbClr r="0" g="0" b="0"/>
+      </a:fillRef>
+      <a:effectRef idx="0">
+        <a:scrgbClr r="0" g="0" b="0"/>
+      </a:effectRef>
+      <a:fontRef idx="minor">
+        <a:schemeClr val="lt1"/>
+      </a:fontRef>
+    </dgm:style>
+  </dgm:styleLbl>
+  <dgm:styleLbl name="node3">
+    <dgm:scene3d>
+      <a:camera prst="orthographicFront"/>
+      <a:lightRig rig="threePt" dir="t"/>
+    </dgm:scene3d>
+    <dgm:sp3d/>
+    <dgm:txPr/>
+    <dgm:style>
+      <a:lnRef idx="2">
+        <a:scrgbClr r="0" g="0" b="0"/>
+      </a:lnRef>
+      <a:fillRef idx="1">
+        <a:scrgbClr r="0" g="0" b="0"/>
+      </a:fillRef>
+      <a:effectRef idx="0">
+        <a:scrgbClr r="0" g="0" b="0"/>
+      </a:effectRef>
+      <a:fontRef idx="minor">
+        <a:schemeClr val="lt1"/>
+      </a:fontRef>
+    </dgm:style>
+  </dgm:styleLbl>
+  <dgm:styleLbl name="node4">
+    <dgm:scene3d>
+      <a:camera prst="orthographicFront"/>
+      <a:lightRig rig="threePt" dir="t"/>
+    </dgm:scene3d>
+    <dgm:sp3d/>
+    <dgm:txPr/>
+    <dgm:style>
+      <a:lnRef idx="2">
+        <a:scrgbClr r="0" g="0" b="0"/>
+      </a:lnRef>
+      <a:fillRef idx="1">
+        <a:scrgbClr r="0" g="0" b="0"/>
+      </a:fillRef>
+      <a:effectRef idx="0">
+        <a:scrgbClr r="0" g="0" b="0"/>
+      </a:effectRef>
+      <a:fontRef idx="minor">
+        <a:schemeClr val="lt1"/>
+      </a:fontRef>
+    </dgm:style>
+  </dgm:styleLbl>
+  <dgm:styleLbl name="fgImgPlace1">
+    <dgm:scene3d>
+      <a:camera prst="orthographicFront"/>
+      <a:lightRig rig="threePt" dir="t"/>
+    </dgm:scene3d>
+    <dgm:sp3d/>
+    <dgm:txPr/>
+    <dgm:style>
+      <a:lnRef idx="2">
+        <a:scrgbClr r="0" g="0" b="0"/>
+      </a:lnRef>
+      <a:fillRef idx="1">
+        <a:scrgbClr r="0" g="0" b="0"/>
+      </a:fillRef>
+      <a:effectRef idx="0">
+        <a:scrgbClr r="0" g="0" b="0"/>
+      </a:effectRef>
+      <a:fontRef idx="minor"/>
+    </dgm:style>
+  </dgm:styleLbl>
+  <dgm:styleLbl name="alignImgPlace1">
+    <dgm:scene3d>
+      <a:camera prst="orthographicFront"/>
+      <a:lightRig rig="threePt" dir="t"/>
+    </dgm:scene3d>
+    <dgm:sp3d/>
+    <dgm:txPr/>
+    <dgm:style>
+      <a:lnRef idx="2">
+        <a:scrgbClr r="0" g="0" b="0"/>
+      </a:lnRef>
+      <a:fillRef idx="1">
+        <a:scrgbClr r="0" g="0" b="0"/>
+      </a:fillRef>
+      <a:effectRef idx="0">
+        <a:scrgbClr r="0" g="0" b="0"/>
+      </a:effectRef>
+      <a:fontRef idx="minor"/>
+    </dgm:style>
+  </dgm:styleLbl>
+  <dgm:styleLbl name="bgImgPlace1">
+    <dgm:scene3d>
+      <a:camera prst="orthographicFront"/>
+      <a:lightRig rig="threePt" dir="t"/>
+    </dgm:scene3d>
+    <dgm:sp3d/>
+    <dgm:txPr/>
+    <dgm:style>
+      <a:lnRef idx="2">
+        <a:scrgbClr r="0" g="0" b="0"/>
+      </a:lnRef>
+      <a:fillRef idx="1">
+        <a:scrgbClr r="0" g="0" b="0"/>
+      </a:fillRef>
+      <a:effectRef idx="0">
+        <a:scrgbClr r="0" g="0" b="0"/>
+      </a:effectRef>
+      <a:fontRef idx="minor"/>
+    </dgm:style>
+  </dgm:styleLbl>
+  <dgm:styleLbl name="sibTrans2D1">
+    <dgm:scene3d>
+      <a:camera prst="orthographicFront"/>
+      <a:lightRig rig="threePt" dir="t"/>
+    </dgm:scene3d>
+    <dgm:sp3d/>
+    <dgm:txPr/>
+    <dgm:style>
+      <a:lnRef idx="0">
+        <a:scrgbClr r="0" g="0" b="0"/>
+      </a:lnRef>
+      <a:fillRef idx="1">
+        <a:scrgbClr r="0" g="0" b="0"/>
+      </a:fillRef>
+      <a:effectRef idx="0">
+        <a:scrgbClr r="0" g="0" b="0"/>
+      </a:effectRef>
+      <a:fontRef idx="minor">
+        <a:schemeClr val="lt1"/>
+      </a:fontRef>
+    </dgm:style>
+  </dgm:styleLbl>
+  <dgm:styleLbl name="fgSibTrans2D1">
+    <dgm:scene3d>
+      <a:camera prst="orthographicFront"/>
+      <a:lightRig rig="threePt" dir="t"/>
+    </dgm:scene3d>
+    <dgm:sp3d/>
+    <dgm:txPr/>
+    <dgm:style>
+      <a:lnRef idx="0">
+        <a:scrgbClr r="0" g="0" b="0"/>
+      </a:lnRef>
+      <a:fillRef idx="1">
+        <a:scrgbClr r="0" g="0" b="0"/>
+      </a:fillRef>
+      <a:effectRef idx="0">
+        <a:scrgbClr r="0" g="0" b="0"/>
+      </a:effectRef>
+      <a:fontRef idx="minor">
+        <a:schemeClr val="lt1"/>
+      </a:fontRef>
+    </dgm:style>
+  </dgm:styleLbl>
+  <dgm:styleLbl name="bgSibTrans2D1">
+    <dgm:scene3d>
+      <a:camera prst="orthographicFront"/>
+      <a:lightRig rig="threePt" dir="t"/>
+    </dgm:scene3d>
+    <dgm:sp3d/>
+    <dgm:txPr/>
+    <dgm:style>
+      <a:lnRef idx="0">
+        <a:scrgbClr r="0" g="0" b="0"/>
+      </a:lnRef>
+      <a:fillRef idx="1">
+        <a:scrgbClr r="0" g="0" b="0"/>
+      </a:fillRef>
+      <a:effectRef idx="0">
+        <a:scrgbClr r="0" g="0" b="0"/>
+      </a:effectRef>
+      <a:fontRef idx="minor">
+        <a:schemeClr val="lt1"/>
+      </a:fontRef>
+    </dgm:style>
+  </dgm:styleLbl>
+  <dgm:styleLbl name="sibTrans1D1">
+    <dgm:scene3d>
+      <a:camera prst="orthographicFront"/>
+      <a:lightRig rig="threePt" dir="t"/>
+    </dgm:scene3d>
+    <dgm:sp3d/>
+    <dgm:txPr/>
+    <dgm:style>
+      <a:lnRef idx="1">
+        <a:scrgbClr r="0" g="0" b="0"/>
+      </a:lnRef>
+      <a:fillRef idx="0">
+        <a:scrgbClr r="0" g="0" b="0"/>
+      </a:fillRef>
+      <a:effectRef idx="0">
+        <a:scrgbClr r="0" g="0" b="0"/>
+      </a:effectRef>
+      <a:fontRef idx="minor"/>
+    </dgm:style>
+  </dgm:styleLbl>
+  <dgm:styleLbl name="callout">
+    <dgm:scene3d>
+      <a:camera prst="orthographicFront"/>
+      <a:lightRig rig="threePt" dir="t"/>
+    </dgm:scene3d>
+    <dgm:sp3d/>
+    <dgm:txPr/>
+    <dgm:style>
+      <a:lnRef idx="2">
+        <a:scrgbClr r="0" g="0" b="0"/>
+      </a:lnRef>
+      <a:fillRef idx="1">
+        <a:scrgbClr r="0" g="0" b="0"/>
+      </a:fillRef>
+      <a:effectRef idx="0">
+        <a:scrgbClr r="0" g="0" b="0"/>
+      </a:effectRef>
+      <a:fontRef idx="minor"/>
+    </dgm:style>
+  </dgm:styleLbl>
+  <dgm:styleLbl name="asst0">
+    <dgm:scene3d>
+      <a:camera prst="orthographicFront"/>
+      <a:lightRig rig="threePt" dir="t"/>
+    </dgm:scene3d>
+    <dgm:sp3d/>
+    <dgm:txPr/>
+    <dgm:style>
+      <a:lnRef idx="2">
+        <a:scrgbClr r="0" g="0" b="0"/>
+      </a:lnRef>
+      <a:fillRef idx="1">
+        <a:scrgbClr r="0" g="0" b="0"/>
+      </a:fillRef>
+      <a:effectRef idx="0">
+        <a:scrgbClr r="0" g="0" b="0"/>
+      </a:effectRef>
+      <a:fontRef idx="minor">
+        <a:schemeClr val="lt1"/>
+      </a:fontRef>
+    </dgm:style>
+  </dgm:styleLbl>
+  <dgm:styleLbl name="asst1">
+    <dgm:scene3d>
+      <a:camera prst="orthographicFront"/>
+      <a:lightRig rig="threePt" dir="t"/>
+    </dgm:scene3d>
+    <dgm:sp3d/>
+    <dgm:txPr/>
+    <dgm:style>
+      <a:lnRef idx="2">
+        <a:scrgbClr r="0" g="0" b="0"/>
+      </a:lnRef>
+      <a:fillRef idx="1">
+        <a:scrgbClr r="0" g="0" b="0"/>
+      </a:fillRef>
+      <a:effectRef idx="0">
+        <a:scrgbClr r="0" g="0" b="0"/>
+      </a:effectRef>
+      <a:fontRef idx="minor">
+        <a:schemeClr val="lt1"/>
+      </a:fontRef>
+    </dgm:style>
+  </dgm:styleLbl>
+  <dgm:styleLbl name="asst2">
+    <dgm:scene3d>
+      <a:camera prst="orthographicFront"/>
+      <a:lightRig rig="threePt" dir="t"/>
+    </dgm:scene3d>
+    <dgm:sp3d/>
+    <dgm:txPr/>
+    <dgm:style>
+      <a:lnRef idx="2">
+        <a:scrgbClr r="0" g="0" b="0"/>
+      </a:lnRef>
+      <a:fillRef idx="1">
+        <a:scrgbClr r="0" g="0" b="0"/>
+      </a:fillRef>
+      <a:effectRef idx="0">
+        <a:scrgbClr r="0" g="0" b="0"/>
+      </a:effectRef>
+      <a:fontRef idx="minor">
+        <a:schemeClr val="lt1"/>
+      </a:fontRef>
+    </dgm:style>
+  </dgm:styleLbl>
+  <dgm:styleLbl name="asst3">
+    <dgm:scene3d>
+      <a:camera prst="orthographicFront"/>
+      <a:lightRig rig="threePt" dir="t"/>
+    </dgm:scene3d>
+    <dgm:sp3d/>
+    <dgm:txPr/>
+    <dgm:style>
+      <a:lnRef idx="2">
+        <a:scrgbClr r="0" g="0" b="0"/>
+      </a:lnRef>
+      <a:fillRef idx="1">
+        <a:scrgbClr r="0" g="0" b="0"/>
+      </a:fillRef>
+      <a:effectRef idx="0">
+        <a:scrgbClr r="0" g="0" b="0"/>
+      </a:effectRef>
+      <a:fontRef idx="minor">
+        <a:schemeClr val="lt1"/>
+      </a:fontRef>
+    </dgm:style>
+  </dgm:styleLbl>
+  <dgm:styleLbl name="asst4">
+    <dgm:scene3d>
+      <a:camera prst="orthographicFront"/>
+      <a:lightRig rig="threePt" dir="t"/>
+    </dgm:scene3d>
+    <dgm:sp3d/>
+    <dgm:txPr/>
+    <dgm:style>
+      <a:lnRef idx="2">
+        <a:scrgbClr r="0" g="0" b="0"/>
+      </a:lnRef>
+      <a:fillRef idx="1">
+        <a:scrgbClr r="0" g="0" b="0"/>
+      </a:fillRef>
+      <a:effectRef idx="0">
+        <a:scrgbClr r="0" g="0" b="0"/>
+      </a:effectRef>
+      <a:fontRef idx="minor">
+        <a:schemeClr val="lt1"/>
+      </a:fontRef>
+    </dgm:style>
+  </dgm:styleLbl>
+  <dgm:styleLbl name="parChTrans2D1">
+    <dgm:scene3d>
+      <a:camera prst="orthographicFront"/>
+      <a:lightRig rig="threePt" dir="t"/>
+    </dgm:scene3d>
+    <dgm:sp3d/>
+    <dgm:txPr/>
+    <dgm:style>
+      <a:lnRef idx="2">
+        <a:scrgbClr r="0" g="0" b="0"/>
+      </a:lnRef>
+      <a:fillRef idx="1">
+        <a:scrgbClr r="0" g="0" b="0"/>
+      </a:fillRef>
+      <a:effectRef idx="0">
+        <a:scrgbClr r="0" g="0" b="0"/>
+      </a:effectRef>
+      <a:fontRef idx="minor">
+        <a:schemeClr val="lt1"/>
+      </a:fontRef>
+    </dgm:style>
+  </dgm:styleLbl>
+  <dgm:styleLbl name="parChTrans2D2">
+    <dgm:scene3d>
+      <a:camera prst="orthographicFront"/>
+      <a:lightRig rig="threePt" dir="t"/>
+    </dgm:scene3d>
+    <dgm:sp3d/>
+    <dgm:txPr/>
+    <dgm:style>
+      <a:lnRef idx="2">
+        <a:scrgbClr r="0" g="0" b="0"/>
+      </a:lnRef>
+      <a:fillRef idx="1">
+        <a:scrgbClr r="0" g="0" b="0"/>
+      </a:fillRef>
+      <a:effectRef idx="0">
+        <a:scrgbClr r="0" g="0" b="0"/>
+      </a:effectRef>
+      <a:fontRef idx="minor">
+        <a:schemeClr val="lt1"/>
+      </a:fontRef>
+    </dgm:style>
+  </dgm:styleLbl>
+  <dgm:styleLbl name="parChTrans2D3">
+    <dgm:scene3d>
+      <a:camera prst="orthographicFront"/>
+      <a:lightRig rig="threePt" dir="t"/>
+    </dgm:scene3d>
+    <dgm:sp3d/>
+    <dgm:txPr/>
+    <dgm:style>
+      <a:lnRef idx="2">
+        <a:scrgbClr r="0" g="0" b="0"/>
+      </a:lnRef>
+      <a:fillRef idx="1">
+        <a:scrgbClr r="0" g="0" b="0"/>
+      </a:fillRef>
+      <a:effectRef idx="0">
+        <a:scrgbClr r="0" g="0" b="0"/>
+      </a:effectRef>
+      <a:fontRef idx="minor">
+        <a:schemeClr val="lt1"/>
+      </a:fontRef>
+    </dgm:style>
+  </dgm:styleLbl>
+  <dgm:styleLbl name="parChTrans2D4">
+    <dgm:scene3d>
+      <a:camera prst="orthographicFront"/>
+      <a:lightRig rig="threePt" dir="t"/>
+    </dgm:scene3d>
+    <dgm:sp3d/>
+    <dgm:txPr/>
+    <dgm:style>
+      <a:lnRef idx="2">
+        <a:scrgbClr r="0" g="0" b="0"/>
+      </a:lnRef>
+      <a:fillRef idx="1">
+        <a:scrgbClr r="0" g="0" b="0"/>
+      </a:fillRef>
+      <a:effectRef idx="0">
+        <a:scrgbClr r="0" g="0" b="0"/>
+      </a:effectRef>
+      <a:fontRef idx="minor">
+        <a:schemeClr val="lt1"/>
+      </a:fontRef>
+    </dgm:style>
+  </dgm:styleLbl>
+  <dgm:styleLbl name="parChTrans1D1">
+    <dgm:scene3d>
+      <a:camera prst="orthographicFront"/>
+      <a:lightRig rig="threePt" dir="t"/>
+    </dgm:scene3d>
+    <dgm:sp3d/>
+    <dgm:txPr/>
+    <dgm:style>
+      <a:lnRef idx="2">
+        <a:scrgbClr r="0" g="0" b="0"/>
+      </a:lnRef>
+      <a:fillRef idx="0">
+        <a:scrgbClr r="0" g="0" b="0"/>
+      </a:fillRef>
+      <a:effectRef idx="0">
+        <a:scrgbClr r="0" g="0" b="0"/>
+      </a:effectRef>
+      <a:fontRef idx="minor"/>
+    </dgm:style>
+  </dgm:styleLbl>
+  <dgm:styleLbl name="parChTrans1D2">
+    <dgm:scene3d>
+      <a:camera prst="orthographicFront"/>
+      <a:lightRig rig="threePt" dir="t"/>
+    </dgm:scene3d>
+    <dgm:sp3d/>
+    <dgm:txPr/>
+    <dgm:style>
+      <a:lnRef idx="2">
+        <a:scrgbClr r="0" g="0" b="0"/>
+      </a:lnRef>
+      <a:fillRef idx="0">
+        <a:scrgbClr r="0" g="0" b="0"/>
+      </a:fillRef>
+      <a:effectRef idx="0">
+        <a:scrgbClr r="0" g="0" b="0"/>
+      </a:effectRef>
+      <a:fontRef idx="minor"/>
+    </dgm:style>
+  </dgm:styleLbl>
+  <dgm:styleLbl name="parChTrans1D3">
+    <dgm:scene3d>
+      <a:camera prst="orthographicFront"/>
+      <a:lightRig rig="threePt" dir="t"/>
+    </dgm:scene3d>
+    <dgm:sp3d/>
+    <dgm:txPr/>
+    <dgm:style>
+      <a:lnRef idx="2">
+        <a:scrgbClr r="0" g="0" b="0"/>
+      </a:lnRef>
+      <a:fillRef idx="0">
+        <a:scrgbClr r="0" g="0" b="0"/>
+      </a:fillRef>
+      <a:effectRef idx="0">
+        <a:scrgbClr r="0" g="0" b="0"/>
+      </a:effectRef>
+      <a:fontRef idx="minor"/>
+    </dgm:style>
+  </dgm:styleLbl>
+  <dgm:styleLbl name="parChTrans1D4">
+    <dgm:scene3d>
+      <a:camera prst="orthographicFront"/>
+      <a:lightRig rig="threePt" dir="t"/>
+    </dgm:scene3d>
+    <dgm:sp3d/>
+    <dgm:txPr/>
+    <dgm:style>
+      <a:lnRef idx="2">
+        <a:scrgbClr r="0" g="0" b="0"/>
+      </a:lnRef>
+      <a:fillRef idx="0">
+        <a:scrgbClr r="0" g="0" b="0"/>
+      </a:fillRef>
+      <a:effectRef idx="0">
+        <a:scrgbClr r="0" g="0" b="0"/>
+      </a:effectRef>
+      <a:fontRef idx="minor"/>
+    </dgm:style>
+  </dgm:styleLbl>
+  <dgm:styleLbl name="fgAcc1">
+    <dgm:scene3d>
+      <a:camera prst="orthographicFront"/>
+      <a:lightRig rig="threePt" dir="t"/>
+    </dgm:scene3d>
+    <dgm:sp3d/>
+    <dgm:txPr/>
+    <dgm:style>
+      <a:lnRef idx="2">
+        <a:scrgbClr r="0" g="0" b="0"/>
+      </a:lnRef>
+      <a:fillRef idx="1">
+        <a:scrgbClr r="0" g="0" b="0"/>
+      </a:fillRef>
+      <a:effectRef idx="0">
+        <a:scrgbClr r="0" g="0" b="0"/>
+      </a:effectRef>
+      <a:fontRef idx="minor"/>
+    </dgm:style>
+  </dgm:styleLbl>
+  <dgm:styleLbl name="conFgAcc1">
+    <dgm:scene3d>
+      <a:camera prst="orthographicFront"/>
+      <a:lightRig rig="threePt" dir="t"/>
+    </dgm:scene3d>
+    <dgm:sp3d/>
+    <dgm:txPr/>
+    <dgm:style>
+      <a:lnRef idx="2">
+        <a:scrgbClr r="0" g="0" b="0"/>
+      </a:lnRef>
+      <a:fillRef idx="1">
+        <a:scrgbClr r="0" g="0" b="0"/>
+      </a:fillRef>
+      <a:effectRef idx="0">
+        <a:scrgbClr r="0" g="0" b="0"/>
+      </a:effectRef>
+      <a:fontRef idx="minor"/>
+    </dgm:style>
+  </dgm:styleLbl>
+  <dgm:styleLbl name="alignAcc1">
+    <dgm:scene3d>
+      <a:camera prst="orthographicFront"/>
+      <a:lightRig rig="threePt" dir="t"/>
+    </dgm:scene3d>
+    <dgm:sp3d/>
+    <dgm:txPr/>
+    <dgm:style>
+      <a:lnRef idx="2">
+        <a:scrgbClr r="0" g="0" b="0"/>
+      </a:lnRef>
+      <a:fillRef idx="1">
+        <a:scrgbClr r="0" g="0" b="0"/>
+      </a:fillRef>
+      <a:effectRef idx="0">
+        <a:scrgbClr r="0" g="0" b="0"/>
+      </a:effectRef>
+      <a:fontRef idx="minor"/>
+    </dgm:style>
+  </dgm:styleLbl>
+  <dgm:styleLbl name="trAlignAcc1">
+    <dgm:scene3d>
+      <a:camera prst="orthographicFront"/>
+      <a:lightRig rig="threePt" dir="t"/>
+    </dgm:scene3d>
+    <dgm:sp3d/>
+    <dgm:txPr/>
+    <dgm:style>
+      <a:lnRef idx="1">
+        <a:scrgbClr r="0" g="0" b="0"/>
+      </a:lnRef>
+      <a:fillRef idx="1">
+        <a:scrgbClr r="0" g="0" b="0"/>
+      </a:fillRef>
+      <a:effectRef idx="0">
+        <a:scrgbClr r="0" g="0" b="0"/>
+      </a:effectRef>
+      <a:fontRef idx="minor"/>
+    </dgm:style>
+  </dgm:styleLbl>
+  <dgm:styleLbl name="bgAcc1">
+    <dgm:scene3d>
+      <a:camera prst="orthographicFront"/>
+      <a:lightRig rig="threePt" dir="t"/>
+    </dgm:scene3d>
+    <dgm:sp3d/>
+    <dgm:txPr/>
+    <dgm:style>
+      <a:lnRef idx="2">
+        <a:scrgbClr r="0" g="0" b="0"/>
+      </a:lnRef>
+      <a:fillRef idx="1">
+        <a:scrgbClr r="0" g="0" b="0"/>
+      </a:fillRef>
+      <a:effectRef idx="0">
+        <a:scrgbClr r="0" g="0" b="0"/>
+      </a:effectRef>
+      <a:fontRef idx="minor"/>
+    </dgm:style>
+  </dgm:styleLbl>
+  <dgm:styleLbl name="solidFgAcc1">
+    <dgm:scene3d>
+      <a:camera prst="orthographicFront"/>
+      <a:lightRig rig="threePt" dir="t"/>
+    </dgm:scene3d>
+    <dgm:sp3d/>
+    <dgm:txPr/>
+    <dgm:style>
+      <a:lnRef idx="2">
+        <a:scrgbClr r="0" g="0" b="0"/>
+      </a:lnRef>
+      <a:fillRef idx="1">
+        <a:scrgbClr r="0" g="0" b="0"/>
+      </a:fillRef>
+      <a:effectRef idx="0">
+        <a:scrgbClr r="0" g="0" b="0"/>
+      </a:effectRef>
+      <a:fontRef idx="minor"/>
+    </dgm:style>
+  </dgm:styleLbl>
+  <dgm:styleLbl name="solidAlignAcc1">
+    <dgm:scene3d>
+      <a:camera prst="orthographicFront"/>
+      <a:lightRig rig="threePt" dir="t"/>
+    </dgm:scene3d>
+    <dgm:sp3d/>
+    <dgm:txPr/>
+    <dgm:style>
+      <a:lnRef idx="2">
+        <a:scrgbClr r="0" g="0" b="0"/>
+      </a:lnRef>
+      <a:fillRef idx="1">
+        <a:scrgbClr r="0" g="0" b="0"/>
+      </a:fillRef>
+      <a:effectRef idx="0">
+        <a:scrgbClr r="0" g="0" b="0"/>
+      </a:effectRef>
+      <a:fontRef idx="minor"/>
+    </dgm:style>
+  </dgm:styleLbl>
+  <dgm:styleLbl name="solidBgAcc1">
+    <dgm:scene3d>
+      <a:camera prst="orthographicFront"/>
+      <a:lightRig rig="threePt" dir="t"/>
+    </dgm:scene3d>
+    <dgm:sp3d/>
+    <dgm:txPr/>
+    <dgm:style>
+      <a:lnRef idx="2">
+        <a:scrgbClr r="0" g="0" b="0"/>
+      </a:lnRef>
+      <a:fillRef idx="1">
+        <a:scrgbClr r="0" g="0" b="0"/>
+      </a:fillRef>
+      <a:effectRef idx="0">
+        <a:scrgbClr r="0" g="0" b="0"/>
+      </a:effectRef>
+      <a:fontRef idx="minor"/>
+    </dgm:style>
+  </dgm:styleLbl>
+  <dgm:styleLbl name="fgAccFollowNode1">
+    <dgm:scene3d>
+      <a:camera prst="orthographicFront"/>
+      <a:lightRig rig="threePt" dir="t"/>
+    </dgm:scene3d>
+    <dgm:sp3d/>
+    <dgm:txPr/>
+    <dgm:style>
+      <a:lnRef idx="2">
+        <a:scrgbClr r="0" g="0" b="0"/>
+      </a:lnRef>
+      <a:fillRef idx="1">
+        <a:scrgbClr r="0" g="0" b="0"/>
+      </a:fillRef>
+      <a:effectRef idx="0">
+        <a:scrgbClr r="0" g="0" b="0"/>
+      </a:effectRef>
+      <a:fontRef idx="minor"/>
+    </dgm:style>
+  </dgm:styleLbl>
+  <dgm:styleLbl name="alignAccFollowNode1">
+    <dgm:scene3d>
+      <a:camera prst="orthographicFront"/>
+      <a:lightRig rig="threePt" dir="t"/>
+    </dgm:scene3d>
+    <dgm:sp3d/>
+    <dgm:txPr/>
+    <dgm:style>
+      <a:lnRef idx="2">
+        <a:scrgbClr r="0" g="0" b="0"/>
+      </a:lnRef>
+      <a:fillRef idx="1">
+        <a:scrgbClr r="0" g="0" b="0"/>
+      </a:fillRef>
+      <a:effectRef idx="0">
+        <a:scrgbClr r="0" g="0" b="0"/>
+      </a:effectRef>
+      <a:fontRef idx="minor"/>
+    </dgm:style>
+  </dgm:styleLbl>
+  <dgm:styleLbl name="bgAccFollowNode1">
+    <dgm:scene3d>
+      <a:camera prst="orthographicFront"/>
+      <a:lightRig rig="threePt" dir="t"/>
+    </dgm:scene3d>
+    <dgm:sp3d/>
+    <dgm:txPr/>
+    <dgm:style>
+      <a:lnRef idx="2">
+        <a:scrgbClr r="0" g="0" b="0"/>
+      </a:lnRef>
+      <a:fillRef idx="1">
+        <a:scrgbClr r="0" g="0" b="0"/>
+      </a:fillRef>
+      <a:effectRef idx="0">
+        <a:scrgbClr r="0" g="0" b="0"/>
+      </a:effectRef>
+      <a:fontRef idx="minor"/>
+    </dgm:style>
+  </dgm:styleLbl>
+  <dgm:styleLbl name="fgAcc0">
+    <dgm:scene3d>
+      <a:camera prst="orthographicFront"/>
+      <a:lightRig rig="threePt" dir="t"/>
+    </dgm:scene3d>
+    <dgm:sp3d/>
+    <dgm:txPr/>
+    <dgm:style>
+      <a:lnRef idx="2">
+        <a:scrgbClr r="0" g="0" b="0"/>
+      </a:lnRef>
+      <a:fillRef idx="1">
+        <a:scrgbClr r="0" g="0" b="0"/>
+      </a:fillRef>
+      <a:effectRef idx="0">
+        <a:scrgbClr r="0" g="0" b="0"/>
+      </a:effectRef>
+      <a:fontRef idx="minor"/>
+    </dgm:style>
+  </dgm:styleLbl>
+  <dgm:styleLbl name="fgAcc2">
+    <dgm:scene3d>
+      <a:camera prst="orthographicFront"/>
+      <a:lightRig rig="threePt" dir="t"/>
+    </dgm:scene3d>
+    <dgm:sp3d/>
+    <dgm:txPr/>
+    <dgm:style>
+      <a:lnRef idx="2">
+        <a:scrgbClr r="0" g="0" b="0"/>
+      </a:lnRef>
+      <a:fillRef idx="1">
+        <a:scrgbClr r="0" g="0" b="0"/>
+      </a:fillRef>
+      <a:effectRef idx="0">
+        <a:scrgbClr r="0" g="0" b="0"/>
+      </a:effectRef>
+      <a:fontRef idx="minor"/>
+    </dgm:style>
+  </dgm:styleLbl>
+  <dgm:styleLbl name="fgAcc3">
+    <dgm:scene3d>
+      <a:camera prst="orthographicFront"/>
+      <a:lightRig rig="threePt" dir="t"/>
+    </dgm:scene3d>
+    <dgm:sp3d/>
+    <dgm:txPr/>
+    <dgm:style>
+      <a:lnRef idx="2">
+        <a:scrgbClr r="0" g="0" b="0"/>
+      </a:lnRef>
+      <a:fillRef idx="1">
+        <a:scrgbClr r="0" g="0" b="0"/>
+      </a:fillRef>
+      <a:effectRef idx="0">
+        <a:scrgbClr r="0" g="0" b="0"/>
+      </a:effectRef>
+      <a:fontRef idx="minor"/>
+    </dgm:style>
+  </dgm:styleLbl>
+  <dgm:styleLbl name="fgAcc4">
+    <dgm:scene3d>
+      <a:camera prst="orthographicFront"/>
+      <a:lightRig rig="threePt" dir="t"/>
+    </dgm:scene3d>
+    <dgm:sp3d/>
+    <dgm:txPr/>
+    <dgm:style>
+      <a:lnRef idx="2">
+        <a:scrgbClr r="0" g="0" b="0"/>
+      </a:lnRef>
+      <a:fillRef idx="1">
+        <a:scrgbClr r="0" g="0" b="0"/>
+      </a:fillRef>
+      <a:effectRef idx="0">
+        <a:scrgbClr r="0" g="0" b="0"/>
+      </a:effectRef>
+      <a:fontRef idx="minor"/>
+    </dgm:style>
+  </dgm:styleLbl>
+  <dgm:styleLbl name="bgShp">
+    <dgm:scene3d>
+      <a:camera prst="orthographicFront"/>
+      <a:lightRig rig="threePt" dir="t"/>
+    </dgm:scene3d>
+    <dgm:sp3d/>
+    <dgm:txPr/>
+    <dgm:style>
+      <a:lnRef idx="0">
+        <a:scrgbClr r="0" g="0" b="0"/>
+      </a:lnRef>
+      <a:fillRef idx="1">
+        <a:scrgbClr r="0" g="0" b="0"/>
+      </a:fillRef>
+      <a:effectRef idx="0">
+        <a:scrgbClr r="0" g="0" b="0"/>
+      </a:effectRef>
+      <a:fontRef idx="minor"/>
+    </dgm:style>
+  </dgm:styleLbl>
+  <dgm:styleLbl name="dkBgShp">
+    <dgm:scene3d>
+      <a:camera prst="orthographicFront"/>
+      <a:lightRig rig="threePt" dir="t"/>
+    </dgm:scene3d>
+    <dgm:sp3d/>
+    <dgm:txPr/>
+    <dgm:style>
+      <a:lnRef idx="0">
+        <a:scrgbClr r="0" g="0" b="0"/>
+      </a:lnRef>
+      <a:fillRef idx="1">
+        <a:scrgbClr r="0" g="0" b="0"/>
+      </a:fillRef>
+      <a:effectRef idx="0">
+        <a:scrgbClr r="0" g="0" b="0"/>
+      </a:effectRef>
+      <a:fontRef idx="minor"/>
+    </dgm:style>
+  </dgm:styleLbl>
+  <dgm:styleLbl name="trBgShp">
+    <dgm:scene3d>
+      <a:camera prst="orthographicFront"/>
+      <a:lightRig rig="threePt" dir="t"/>
+    </dgm:scene3d>
+    <dgm:sp3d/>
+    <dgm:txPr/>
+    <dgm:style>
+      <a:lnRef idx="0">
+        <a:scrgbClr r="0" g="0" b="0"/>
+      </a:lnRef>
+      <a:fillRef idx="1">
+        <a:scrgbClr r="0" g="0" b="0"/>
+      </a:fillRef>
+      <a:effectRef idx="0">
+        <a:scrgbClr r="0" g="0" b="0"/>
+      </a:effectRef>
+      <a:fontRef idx="minor"/>
+    </dgm:style>
+  </dgm:styleLbl>
+  <dgm:styleLbl name="fgShp">
+    <dgm:scene3d>
+      <a:camera prst="orthographicFront"/>
+      <a:lightRig rig="threePt" dir="t"/>
+    </dgm:scene3d>
+    <dgm:sp3d/>
+    <dgm:txPr/>
+    <dgm:style>
+      <a:lnRef idx="2">
+        <a:scrgbClr r="0" g="0" b="0"/>
+      </a:lnRef>
+      <a:fillRef idx="1">
+        <a:scrgbClr r="0" g="0" b="0"/>
+      </a:fillRef>
+      <a:effectRef idx="0">
+        <a:scrgbClr r="0" g="0" b="0"/>
+      </a:effectRef>
+      <a:fontRef idx="minor"/>
+    </dgm:style>
+  </dgm:styleLbl>
+  <dgm:styleLbl name="revTx">
+    <dgm:scene3d>
+      <a:camera prst="orthographicFront"/>
+      <a:lightRig rig="threePt" dir="t"/>
+    </dgm:scene3d>
+    <dgm:sp3d/>
+    <dgm:txPr/>
+    <dgm:style>
+      <a:lnRef idx="0">
+        <a:scrgbClr r="0" g="0" b="0"/>
+      </a:lnRef>
+      <a:fillRef idx="0">
+        <a:scrgbClr r="0" g="0" b="0"/>
+      </a:fillRef>
+      <a:effectRef idx="0">
+        <a:scrgbClr r="0" g="0" b="0"/>
+      </a:effectRef>
+      <a:fontRef idx="minor"/>
+    </dgm:style>
+  </dgm:styleLbl>
+</dgm:styleDef>
+</file>
+
 <file path=ppt/notesMasters/notesMaster1.xml><?xml version="1.0" encoding="utf-8"?>
 <p:notesMaster xmlns:a="http://schemas.openxmlformats.org/drawingml/2006/main" xmlns:r="http://schemas.openxmlformats.org/officeDocument/2006/relationships" xmlns:p="http://schemas.openxmlformats.org/presentationml/2006/main">
   <p:cSld>
@@ -215,7 +3806,7 @@
           <a:p>
             <a:fld id="{6CD5550B-26C4-49A9-A5BA-636EF7BE6CE9}" type="datetimeFigureOut">
               <a:rPr lang="ko-KR" altLang="en-US" smtClean="0"/>
-              <a:t>2020-05-31</a:t>
+              <a:t>2020-06-03</a:t>
             </a:fld>
             <a:endParaRPr lang="ko-KR" altLang="en-US"/>
           </a:p>
@@ -661,7 +4252,7 @@
           <a:p>
             <a:fld id="{FB30EDBD-1C2D-4C1E-B459-B60219FAB484}" type="datetimeFigureOut">
               <a:rPr lang="ko-KR" altLang="en-US" smtClean="0"/>
-              <a:t>2020-05-31</a:t>
+              <a:t>2020-06-03</a:t>
             </a:fld>
             <a:endParaRPr lang="ko-KR" altLang="en-US"/>
           </a:p>
@@ -824,7 +4415,7 @@
           <a:p>
             <a:fld id="{FB30EDBD-1C2D-4C1E-B459-B60219FAB484}" type="datetimeFigureOut">
               <a:rPr lang="ko-KR" altLang="en-US" smtClean="0"/>
-              <a:t>2020-05-31</a:t>
+              <a:t>2020-06-03</a:t>
             </a:fld>
             <a:endParaRPr lang="ko-KR" altLang="en-US"/>
           </a:p>
@@ -997,7 +4588,7 @@
           <a:p>
             <a:fld id="{FB30EDBD-1C2D-4C1E-B459-B60219FAB484}" type="datetimeFigureOut">
               <a:rPr lang="ko-KR" altLang="en-US" smtClean="0"/>
-              <a:t>2020-05-31</a:t>
+              <a:t>2020-06-03</a:t>
             </a:fld>
             <a:endParaRPr lang="ko-KR" altLang="en-US"/>
           </a:p>
@@ -1160,7 +4751,7 @@
           <a:p>
             <a:fld id="{FB30EDBD-1C2D-4C1E-B459-B60219FAB484}" type="datetimeFigureOut">
               <a:rPr lang="ko-KR" altLang="en-US" smtClean="0"/>
-              <a:t>2020-05-31</a:t>
+              <a:t>2020-06-03</a:t>
             </a:fld>
             <a:endParaRPr lang="ko-KR" altLang="en-US"/>
           </a:p>
@@ -1400,7 +4991,7 @@
           <a:p>
             <a:fld id="{FB30EDBD-1C2D-4C1E-B459-B60219FAB484}" type="datetimeFigureOut">
               <a:rPr lang="ko-KR" altLang="en-US" smtClean="0"/>
-              <a:t>2020-05-31</a:t>
+              <a:t>2020-06-03</a:t>
             </a:fld>
             <a:endParaRPr lang="ko-KR" altLang="en-US"/>
           </a:p>
@@ -1680,7 +5271,7 @@
           <a:p>
             <a:fld id="{FB30EDBD-1C2D-4C1E-B459-B60219FAB484}" type="datetimeFigureOut">
               <a:rPr lang="ko-KR" altLang="en-US" smtClean="0"/>
-              <a:t>2020-05-31</a:t>
+              <a:t>2020-06-03</a:t>
             </a:fld>
             <a:endParaRPr lang="ko-KR" altLang="en-US"/>
           </a:p>
@@ -2094,7 +5685,7 @@
           <a:p>
             <a:fld id="{FB30EDBD-1C2D-4C1E-B459-B60219FAB484}" type="datetimeFigureOut">
               <a:rPr lang="ko-KR" altLang="en-US" smtClean="0"/>
-              <a:t>2020-05-31</a:t>
+              <a:t>2020-06-03</a:t>
             </a:fld>
             <a:endParaRPr lang="ko-KR" altLang="en-US"/>
           </a:p>
@@ -2206,7 +5797,7 @@
           <a:p>
             <a:fld id="{FB30EDBD-1C2D-4C1E-B459-B60219FAB484}" type="datetimeFigureOut">
               <a:rPr lang="ko-KR" altLang="en-US" smtClean="0"/>
-              <a:t>2020-05-31</a:t>
+              <a:t>2020-06-03</a:t>
             </a:fld>
             <a:endParaRPr lang="ko-KR" altLang="en-US"/>
           </a:p>
@@ -2296,7 +5887,7 @@
           <a:p>
             <a:fld id="{FB30EDBD-1C2D-4C1E-B459-B60219FAB484}" type="datetimeFigureOut">
               <a:rPr lang="ko-KR" altLang="en-US" smtClean="0"/>
-              <a:t>2020-05-31</a:t>
+              <a:t>2020-06-03</a:t>
             </a:fld>
             <a:endParaRPr lang="ko-KR" altLang="en-US"/>
           </a:p>
@@ -2566,7 +6157,7 @@
           <a:p>
             <a:fld id="{FB30EDBD-1C2D-4C1E-B459-B60219FAB484}" type="datetimeFigureOut">
               <a:rPr lang="ko-KR" altLang="en-US" smtClean="0"/>
-              <a:t>2020-05-31</a:t>
+              <a:t>2020-06-03</a:t>
             </a:fld>
             <a:endParaRPr lang="ko-KR" altLang="en-US"/>
           </a:p>
@@ -2813,7 +6404,7 @@
           <a:p>
             <a:fld id="{FB30EDBD-1C2D-4C1E-B459-B60219FAB484}" type="datetimeFigureOut">
               <a:rPr lang="ko-KR" altLang="en-US" smtClean="0"/>
-              <a:t>2020-05-31</a:t>
+              <a:t>2020-06-03</a:t>
             </a:fld>
             <a:endParaRPr lang="ko-KR" altLang="en-US"/>
           </a:p>
@@ -3019,7 +6610,7 @@
           <a:p>
             <a:fld id="{FB30EDBD-1C2D-4C1E-B459-B60219FAB484}" type="datetimeFigureOut">
               <a:rPr lang="ko-KR" altLang="en-US" smtClean="0"/>
-              <a:t>2020-05-31</a:t>
+              <a:t>2020-06-03</a:t>
             </a:fld>
             <a:endParaRPr lang="ko-KR" altLang="en-US"/>
           </a:p>
@@ -5199,10 +8790,10 @@
           <a:p>
             <a:pPr algn="ctr"/>
             <a:r>
-              <a:rPr lang="en-US" altLang="ko-KR" sz="1100"/>
+              <a:rPr lang="en-US" altLang="ko-KR" sz="1100" b="1"/>
               <a:t>Connection</a:t>
             </a:r>
-            <a:endParaRPr lang="ko-KR" altLang="en-US" sz="1100"/>
+            <a:endParaRPr lang="ko-KR" altLang="en-US" sz="1100" b="1"/>
           </a:p>
         </p:txBody>
       </p:sp>
@@ -5383,10 +8974,10 @@
           <a:p>
             <a:pPr algn="ctr"/>
             <a:r>
-              <a:rPr lang="en-US" altLang="ko-KR" sz="1100"/>
+              <a:rPr lang="en-US" altLang="ko-KR" sz="1100" b="1"/>
               <a:t>Stream</a:t>
             </a:r>
-            <a:endParaRPr lang="ko-KR" altLang="en-US" sz="1100"/>
+            <a:endParaRPr lang="ko-KR" altLang="en-US" sz="1100" b="1"/>
           </a:p>
         </p:txBody>
       </p:sp>
@@ -5433,10 +9024,10 @@
           <a:p>
             <a:pPr algn="ctr"/>
             <a:r>
-              <a:rPr lang="en-US" altLang="ko-KR" sz="1100"/>
+              <a:rPr lang="en-US" altLang="ko-KR" sz="1100" b="1"/>
               <a:t>Message - Request</a:t>
             </a:r>
-            <a:endParaRPr lang="ko-KR" altLang="en-US" sz="1100"/>
+            <a:endParaRPr lang="ko-KR" altLang="en-US" sz="1100" b="1"/>
           </a:p>
         </p:txBody>
       </p:sp>
@@ -5483,10 +9074,10 @@
           <a:p>
             <a:pPr algn="ctr"/>
             <a:r>
-              <a:rPr lang="en-US" altLang="ko-KR" sz="1100"/>
+              <a:rPr lang="en-US" altLang="ko-KR" sz="1100" b="1"/>
               <a:t>Message - Respose</a:t>
             </a:r>
-            <a:endParaRPr lang="ko-KR" altLang="en-US" sz="1100"/>
+            <a:endParaRPr lang="ko-KR" altLang="en-US" sz="1100" b="1"/>
           </a:p>
         </p:txBody>
       </p:sp>
@@ -6386,7 +9977,1733 @@
           <a:p>
             <a:r>
               <a:rPr lang="en-US" altLang="ko-KR"/>
-              <a:t>HTTP2 Stream</a:t>
+              <a:t>Stream Multiplexing</a:t>
+            </a:r>
+            <a:endParaRPr lang="ko-KR" altLang="en-US"/>
+          </a:p>
+        </p:txBody>
+      </p:sp>
+      <p:sp>
+        <p:nvSpPr>
+          <p:cNvPr id="5" name="직사각형 4">
+            <a:extLst>
+              <a:ext uri="{FF2B5EF4-FFF2-40B4-BE49-F238E27FC236}">
+                <a16:creationId xmlns:a16="http://schemas.microsoft.com/office/drawing/2014/main" id="{95E6F0E0-BBCD-456B-A4FB-ADC47CC45600}"/>
+              </a:ext>
+            </a:extLst>
+          </p:cNvPr>
+          <p:cNvSpPr/>
+          <p:nvPr/>
+        </p:nvSpPr>
+        <p:spPr>
+          <a:xfrm>
+            <a:off x="651069" y="1459804"/>
+            <a:ext cx="936104" cy="319858"/>
+          </a:xfrm>
+          <a:prstGeom prst="rect">
+            <a:avLst/>
+          </a:prstGeom>
+        </p:spPr>
+        <p:style>
+          <a:lnRef idx="2">
+            <a:schemeClr val="dk1"/>
+          </a:lnRef>
+          <a:fillRef idx="1">
+            <a:schemeClr val="lt1"/>
+          </a:fillRef>
+          <a:effectRef idx="0">
+            <a:schemeClr val="dk1"/>
+          </a:effectRef>
+          <a:fontRef idx="minor">
+            <a:schemeClr val="dk1"/>
+          </a:fontRef>
+        </p:style>
+        <p:txBody>
+          <a:bodyPr rtlCol="0" anchor="ctr"/>
+          <a:lstStyle/>
+          <a:p>
+            <a:pPr algn="ctr"/>
+            <a:r>
+              <a:rPr lang="en-US" altLang="ko-KR" sz="1400"/>
+              <a:t>Client</a:t>
+            </a:r>
+            <a:endParaRPr lang="ko-KR" altLang="en-US" sz="1400"/>
+          </a:p>
+        </p:txBody>
+      </p:sp>
+      <p:sp>
+        <p:nvSpPr>
+          <p:cNvPr id="23" name="직사각형 22">
+            <a:extLst>
+              <a:ext uri="{FF2B5EF4-FFF2-40B4-BE49-F238E27FC236}">
+                <a16:creationId xmlns:a16="http://schemas.microsoft.com/office/drawing/2014/main" id="{E81DEF1C-0FF5-4EA9-AB9F-2D1962AB4A5F}"/>
+              </a:ext>
+            </a:extLst>
+          </p:cNvPr>
+          <p:cNvSpPr/>
+          <p:nvPr/>
+        </p:nvSpPr>
+        <p:spPr>
+          <a:xfrm>
+            <a:off x="3279361" y="1459804"/>
+            <a:ext cx="936104" cy="319858"/>
+          </a:xfrm>
+          <a:prstGeom prst="rect">
+            <a:avLst/>
+          </a:prstGeom>
+        </p:spPr>
+        <p:style>
+          <a:lnRef idx="2">
+            <a:schemeClr val="dk1"/>
+          </a:lnRef>
+          <a:fillRef idx="1">
+            <a:schemeClr val="lt1"/>
+          </a:fillRef>
+          <a:effectRef idx="0">
+            <a:schemeClr val="dk1"/>
+          </a:effectRef>
+          <a:fontRef idx="minor">
+            <a:schemeClr val="dk1"/>
+          </a:fontRef>
+        </p:style>
+        <p:txBody>
+          <a:bodyPr rtlCol="0" anchor="ctr"/>
+          <a:lstStyle/>
+          <a:p>
+            <a:pPr algn="ctr"/>
+            <a:r>
+              <a:rPr lang="en-US" altLang="ko-KR" sz="1400"/>
+              <a:t>Server</a:t>
+            </a:r>
+            <a:endParaRPr lang="ko-KR" altLang="en-US" sz="1400"/>
+          </a:p>
+        </p:txBody>
+      </p:sp>
+      <p:cxnSp>
+        <p:nvCxnSpPr>
+          <p:cNvPr id="7" name="직선 연결선 6">
+            <a:extLst>
+              <a:ext uri="{FF2B5EF4-FFF2-40B4-BE49-F238E27FC236}">
+                <a16:creationId xmlns:a16="http://schemas.microsoft.com/office/drawing/2014/main" id="{A90E61AF-7753-4DEA-9282-AD7842C82259}"/>
+              </a:ext>
+            </a:extLst>
+          </p:cNvPr>
+          <p:cNvCxnSpPr>
+            <a:cxnSpLocks/>
+            <a:stCxn id="5" idx="2"/>
+          </p:cNvCxnSpPr>
+          <p:nvPr/>
+        </p:nvCxnSpPr>
+        <p:spPr>
+          <a:xfrm>
+            <a:off x="1119121" y="1779662"/>
+            <a:ext cx="0" cy="2272430"/>
+          </a:xfrm>
+          <a:prstGeom prst="line">
+            <a:avLst/>
+          </a:prstGeom>
+          <a:ln w="28575"/>
+        </p:spPr>
+        <p:style>
+          <a:lnRef idx="1">
+            <a:schemeClr val="dk1"/>
+          </a:lnRef>
+          <a:fillRef idx="0">
+            <a:schemeClr val="dk1"/>
+          </a:fillRef>
+          <a:effectRef idx="0">
+            <a:schemeClr val="dk1"/>
+          </a:effectRef>
+          <a:fontRef idx="minor">
+            <a:schemeClr val="tx1"/>
+          </a:fontRef>
+        </p:style>
+      </p:cxnSp>
+      <p:cxnSp>
+        <p:nvCxnSpPr>
+          <p:cNvPr id="28" name="직선 연결선 27">
+            <a:extLst>
+              <a:ext uri="{FF2B5EF4-FFF2-40B4-BE49-F238E27FC236}">
+                <a16:creationId xmlns:a16="http://schemas.microsoft.com/office/drawing/2014/main" id="{259A4EA0-7134-4792-8197-3DE411AF49C6}"/>
+              </a:ext>
+            </a:extLst>
+          </p:cNvPr>
+          <p:cNvCxnSpPr>
+            <a:cxnSpLocks/>
+            <a:stCxn id="23" idx="2"/>
+          </p:cNvCxnSpPr>
+          <p:nvPr/>
+        </p:nvCxnSpPr>
+        <p:spPr>
+          <a:xfrm>
+            <a:off x="3747413" y="1779662"/>
+            <a:ext cx="0" cy="2272430"/>
+          </a:xfrm>
+          <a:prstGeom prst="line">
+            <a:avLst/>
+          </a:prstGeom>
+          <a:ln w="28575"/>
+        </p:spPr>
+        <p:style>
+          <a:lnRef idx="1">
+            <a:schemeClr val="dk1"/>
+          </a:lnRef>
+          <a:fillRef idx="0">
+            <a:schemeClr val="dk1"/>
+          </a:fillRef>
+          <a:effectRef idx="0">
+            <a:schemeClr val="dk1"/>
+          </a:effectRef>
+          <a:fontRef idx="minor">
+            <a:schemeClr val="tx1"/>
+          </a:fontRef>
+        </p:style>
+      </p:cxnSp>
+      <p:cxnSp>
+        <p:nvCxnSpPr>
+          <p:cNvPr id="13" name="직선 화살표 연결선 12">
+            <a:extLst>
+              <a:ext uri="{FF2B5EF4-FFF2-40B4-BE49-F238E27FC236}">
+                <a16:creationId xmlns:a16="http://schemas.microsoft.com/office/drawing/2014/main" id="{2C3E3E2F-CD7D-4C1A-B40E-A6FB046E08A6}"/>
+              </a:ext>
+            </a:extLst>
+          </p:cNvPr>
+          <p:cNvCxnSpPr>
+            <a:cxnSpLocks/>
+          </p:cNvCxnSpPr>
+          <p:nvPr/>
+        </p:nvCxnSpPr>
+        <p:spPr>
+          <a:xfrm>
+            <a:off x="1119121" y="2107876"/>
+            <a:ext cx="2628292" cy="288032"/>
+          </a:xfrm>
+          <a:prstGeom prst="straightConnector1">
+            <a:avLst/>
+          </a:prstGeom>
+          <a:ln w="19050">
+            <a:solidFill>
+              <a:schemeClr val="tx1"/>
+            </a:solidFill>
+            <a:headEnd type="none" w="med" len="med"/>
+            <a:tailEnd type="arrow" w="med" len="med"/>
+          </a:ln>
+        </p:spPr>
+        <p:style>
+          <a:lnRef idx="1">
+            <a:schemeClr val="accent1"/>
+          </a:lnRef>
+          <a:fillRef idx="0">
+            <a:schemeClr val="accent1"/>
+          </a:fillRef>
+          <a:effectRef idx="0">
+            <a:schemeClr val="accent1"/>
+          </a:effectRef>
+          <a:fontRef idx="minor">
+            <a:schemeClr val="tx1"/>
+          </a:fontRef>
+        </p:style>
+      </p:cxnSp>
+      <p:sp>
+        <p:nvSpPr>
+          <p:cNvPr id="33" name="직사각형 32">
+            <a:extLst>
+              <a:ext uri="{FF2B5EF4-FFF2-40B4-BE49-F238E27FC236}">
+                <a16:creationId xmlns:a16="http://schemas.microsoft.com/office/drawing/2014/main" id="{94F213A8-CF3E-470A-8AB0-576F3C28DC50}"/>
+              </a:ext>
+            </a:extLst>
+          </p:cNvPr>
+          <p:cNvSpPr/>
+          <p:nvPr/>
+        </p:nvSpPr>
+        <p:spPr>
+          <a:xfrm>
+            <a:off x="4896036" y="1459804"/>
+            <a:ext cx="936104" cy="319858"/>
+          </a:xfrm>
+          <a:prstGeom prst="rect">
+            <a:avLst/>
+          </a:prstGeom>
+        </p:spPr>
+        <p:style>
+          <a:lnRef idx="2">
+            <a:schemeClr val="dk1"/>
+          </a:lnRef>
+          <a:fillRef idx="1">
+            <a:schemeClr val="lt1"/>
+          </a:fillRef>
+          <a:effectRef idx="0">
+            <a:schemeClr val="dk1"/>
+          </a:effectRef>
+          <a:fontRef idx="minor">
+            <a:schemeClr val="dk1"/>
+          </a:fontRef>
+        </p:style>
+        <p:txBody>
+          <a:bodyPr rtlCol="0" anchor="ctr"/>
+          <a:lstStyle/>
+          <a:p>
+            <a:pPr algn="ctr"/>
+            <a:r>
+              <a:rPr lang="en-US" altLang="ko-KR" sz="1400"/>
+              <a:t>Client</a:t>
+            </a:r>
+            <a:endParaRPr lang="ko-KR" altLang="en-US" sz="1400"/>
+          </a:p>
+        </p:txBody>
+      </p:sp>
+      <p:sp>
+        <p:nvSpPr>
+          <p:cNvPr id="34" name="직사각형 33">
+            <a:extLst>
+              <a:ext uri="{FF2B5EF4-FFF2-40B4-BE49-F238E27FC236}">
+                <a16:creationId xmlns:a16="http://schemas.microsoft.com/office/drawing/2014/main" id="{D8DDD88D-B9CF-42D0-9125-AFB32D89F423}"/>
+              </a:ext>
+            </a:extLst>
+          </p:cNvPr>
+          <p:cNvSpPr/>
+          <p:nvPr/>
+        </p:nvSpPr>
+        <p:spPr>
+          <a:xfrm>
+            <a:off x="7524328" y="1459804"/>
+            <a:ext cx="936104" cy="319858"/>
+          </a:xfrm>
+          <a:prstGeom prst="rect">
+            <a:avLst/>
+          </a:prstGeom>
+        </p:spPr>
+        <p:style>
+          <a:lnRef idx="2">
+            <a:schemeClr val="dk1"/>
+          </a:lnRef>
+          <a:fillRef idx="1">
+            <a:schemeClr val="lt1"/>
+          </a:fillRef>
+          <a:effectRef idx="0">
+            <a:schemeClr val="dk1"/>
+          </a:effectRef>
+          <a:fontRef idx="minor">
+            <a:schemeClr val="dk1"/>
+          </a:fontRef>
+        </p:style>
+        <p:txBody>
+          <a:bodyPr rtlCol="0" anchor="ctr"/>
+          <a:lstStyle/>
+          <a:p>
+            <a:pPr algn="ctr"/>
+            <a:r>
+              <a:rPr lang="en-US" altLang="ko-KR" sz="1400"/>
+              <a:t>Server</a:t>
+            </a:r>
+            <a:endParaRPr lang="ko-KR" altLang="en-US" sz="1400"/>
+          </a:p>
+        </p:txBody>
+      </p:sp>
+      <p:cxnSp>
+        <p:nvCxnSpPr>
+          <p:cNvPr id="36" name="직선 연결선 35">
+            <a:extLst>
+              <a:ext uri="{FF2B5EF4-FFF2-40B4-BE49-F238E27FC236}">
+                <a16:creationId xmlns:a16="http://schemas.microsoft.com/office/drawing/2014/main" id="{3A7E0E05-3B60-464E-82C3-E0B7267862B5}"/>
+              </a:ext>
+            </a:extLst>
+          </p:cNvPr>
+          <p:cNvCxnSpPr>
+            <a:cxnSpLocks/>
+            <a:stCxn id="33" idx="2"/>
+          </p:cNvCxnSpPr>
+          <p:nvPr/>
+        </p:nvCxnSpPr>
+        <p:spPr>
+          <a:xfrm>
+            <a:off x="5364088" y="1779662"/>
+            <a:ext cx="0" cy="2272430"/>
+          </a:xfrm>
+          <a:prstGeom prst="line">
+            <a:avLst/>
+          </a:prstGeom>
+          <a:ln w="28575"/>
+        </p:spPr>
+        <p:style>
+          <a:lnRef idx="1">
+            <a:schemeClr val="dk1"/>
+          </a:lnRef>
+          <a:fillRef idx="0">
+            <a:schemeClr val="dk1"/>
+          </a:fillRef>
+          <a:effectRef idx="0">
+            <a:schemeClr val="dk1"/>
+          </a:effectRef>
+          <a:fontRef idx="minor">
+            <a:schemeClr val="tx1"/>
+          </a:fontRef>
+        </p:style>
+      </p:cxnSp>
+      <p:cxnSp>
+        <p:nvCxnSpPr>
+          <p:cNvPr id="38" name="직선 연결선 37">
+            <a:extLst>
+              <a:ext uri="{FF2B5EF4-FFF2-40B4-BE49-F238E27FC236}">
+                <a16:creationId xmlns:a16="http://schemas.microsoft.com/office/drawing/2014/main" id="{10130218-215A-4D34-AF86-F79DB3A1595C}"/>
+              </a:ext>
+            </a:extLst>
+          </p:cNvPr>
+          <p:cNvCxnSpPr>
+            <a:cxnSpLocks/>
+            <a:stCxn id="34" idx="2"/>
+          </p:cNvCxnSpPr>
+          <p:nvPr/>
+        </p:nvCxnSpPr>
+        <p:spPr>
+          <a:xfrm>
+            <a:off x="7992380" y="1779662"/>
+            <a:ext cx="0" cy="2272430"/>
+          </a:xfrm>
+          <a:prstGeom prst="line">
+            <a:avLst/>
+          </a:prstGeom>
+          <a:ln w="28575"/>
+        </p:spPr>
+        <p:style>
+          <a:lnRef idx="1">
+            <a:schemeClr val="dk1"/>
+          </a:lnRef>
+          <a:fillRef idx="0">
+            <a:schemeClr val="dk1"/>
+          </a:fillRef>
+          <a:effectRef idx="0">
+            <a:schemeClr val="dk1"/>
+          </a:effectRef>
+          <a:fontRef idx="minor">
+            <a:schemeClr val="tx1"/>
+          </a:fontRef>
+        </p:style>
+      </p:cxnSp>
+      <p:sp>
+        <p:nvSpPr>
+          <p:cNvPr id="16" name="TextBox 15">
+            <a:extLst>
+              <a:ext uri="{FF2B5EF4-FFF2-40B4-BE49-F238E27FC236}">
+                <a16:creationId xmlns:a16="http://schemas.microsoft.com/office/drawing/2014/main" id="{33158C0F-F1AE-4890-B50B-25CABC3F739C}"/>
+              </a:ext>
+            </a:extLst>
+          </p:cNvPr>
+          <p:cNvSpPr txBox="1"/>
+          <p:nvPr/>
+        </p:nvSpPr>
+        <p:spPr>
+          <a:xfrm>
+            <a:off x="193652" y="1950550"/>
+            <a:ext cx="959237" cy="276999"/>
+          </a:xfrm>
+          <a:prstGeom prst="rect">
+            <a:avLst/>
+          </a:prstGeom>
+          <a:noFill/>
+        </p:spPr>
+        <p:txBody>
+          <a:bodyPr wrap="none" rtlCol="0">
+            <a:spAutoFit/>
+          </a:bodyPr>
+          <a:lstStyle/>
+          <a:p>
+            <a:pPr algn="ctr"/>
+            <a:r>
+              <a:rPr lang="en-US" altLang="ko-KR" sz="1200"/>
+              <a:t>GET /a.png</a:t>
+            </a:r>
+            <a:endParaRPr lang="ko-KR" altLang="en-US" sz="1200"/>
+          </a:p>
+        </p:txBody>
+      </p:sp>
+      <p:cxnSp>
+        <p:nvCxnSpPr>
+          <p:cNvPr id="44" name="직선 화살표 연결선 43">
+            <a:extLst>
+              <a:ext uri="{FF2B5EF4-FFF2-40B4-BE49-F238E27FC236}">
+                <a16:creationId xmlns:a16="http://schemas.microsoft.com/office/drawing/2014/main" id="{D49963D3-4BF0-43DE-9E82-EA1BF75326F0}"/>
+              </a:ext>
+            </a:extLst>
+          </p:cNvPr>
+          <p:cNvCxnSpPr>
+            <a:cxnSpLocks/>
+          </p:cNvCxnSpPr>
+          <p:nvPr/>
+        </p:nvCxnSpPr>
+        <p:spPr>
+          <a:xfrm flipV="1">
+            <a:off x="1119121" y="2398438"/>
+            <a:ext cx="2628292" cy="285502"/>
+          </a:xfrm>
+          <a:prstGeom prst="straightConnector1">
+            <a:avLst/>
+          </a:prstGeom>
+          <a:ln w="19050">
+            <a:solidFill>
+              <a:schemeClr val="tx1"/>
+            </a:solidFill>
+            <a:headEnd type="arrow" w="med" len="med"/>
+            <a:tailEnd type="none" w="med" len="med"/>
+          </a:ln>
+        </p:spPr>
+        <p:style>
+          <a:lnRef idx="1">
+            <a:schemeClr val="accent1"/>
+          </a:lnRef>
+          <a:fillRef idx="0">
+            <a:schemeClr val="accent1"/>
+          </a:fillRef>
+          <a:effectRef idx="0">
+            <a:schemeClr val="accent1"/>
+          </a:effectRef>
+          <a:fontRef idx="minor">
+            <a:schemeClr val="tx1"/>
+          </a:fontRef>
+        </p:style>
+      </p:cxnSp>
+      <p:sp>
+        <p:nvSpPr>
+          <p:cNvPr id="51" name="TextBox 50">
+            <a:extLst>
+              <a:ext uri="{FF2B5EF4-FFF2-40B4-BE49-F238E27FC236}">
+                <a16:creationId xmlns:a16="http://schemas.microsoft.com/office/drawing/2014/main" id="{EA2CE550-2794-48F1-BB71-43DAFB18CEDE}"/>
+              </a:ext>
+            </a:extLst>
+          </p:cNvPr>
+          <p:cNvSpPr txBox="1"/>
+          <p:nvPr/>
+        </p:nvSpPr>
+        <p:spPr>
+          <a:xfrm>
+            <a:off x="3701323" y="2243846"/>
+            <a:ext cx="635110" cy="276999"/>
+          </a:xfrm>
+          <a:prstGeom prst="rect">
+            <a:avLst/>
+          </a:prstGeom>
+          <a:noFill/>
+        </p:spPr>
+        <p:txBody>
+          <a:bodyPr wrap="none" rtlCol="0">
+            <a:spAutoFit/>
+          </a:bodyPr>
+          <a:lstStyle/>
+          <a:p>
+            <a:pPr algn="ctr"/>
+            <a:r>
+              <a:rPr lang="en-US" altLang="ko-KR" sz="1200"/>
+              <a:t>/a.png</a:t>
+            </a:r>
+            <a:endParaRPr lang="ko-KR" altLang="en-US" sz="1200"/>
+          </a:p>
+        </p:txBody>
+      </p:sp>
+      <p:cxnSp>
+        <p:nvCxnSpPr>
+          <p:cNvPr id="67" name="직선 화살표 연결선 66">
+            <a:extLst>
+              <a:ext uri="{FF2B5EF4-FFF2-40B4-BE49-F238E27FC236}">
+                <a16:creationId xmlns:a16="http://schemas.microsoft.com/office/drawing/2014/main" id="{9CB2B5C9-587F-418E-A59A-DEDF562DB778}"/>
+              </a:ext>
+            </a:extLst>
+          </p:cNvPr>
+          <p:cNvCxnSpPr>
+            <a:cxnSpLocks/>
+          </p:cNvCxnSpPr>
+          <p:nvPr/>
+        </p:nvCxnSpPr>
+        <p:spPr>
+          <a:xfrm>
+            <a:off x="1119121" y="2680924"/>
+            <a:ext cx="2628292" cy="288032"/>
+          </a:xfrm>
+          <a:prstGeom prst="straightConnector1">
+            <a:avLst/>
+          </a:prstGeom>
+          <a:ln w="19050">
+            <a:solidFill>
+              <a:schemeClr val="tx1"/>
+            </a:solidFill>
+            <a:headEnd type="none" w="med" len="med"/>
+            <a:tailEnd type="arrow" w="med" len="med"/>
+          </a:ln>
+        </p:spPr>
+        <p:style>
+          <a:lnRef idx="1">
+            <a:schemeClr val="accent1"/>
+          </a:lnRef>
+          <a:fillRef idx="0">
+            <a:schemeClr val="accent1"/>
+          </a:fillRef>
+          <a:effectRef idx="0">
+            <a:schemeClr val="accent1"/>
+          </a:effectRef>
+          <a:fontRef idx="minor">
+            <a:schemeClr val="tx1"/>
+          </a:fontRef>
+        </p:style>
+      </p:cxnSp>
+      <p:cxnSp>
+        <p:nvCxnSpPr>
+          <p:cNvPr id="69" name="직선 화살표 연결선 68">
+            <a:extLst>
+              <a:ext uri="{FF2B5EF4-FFF2-40B4-BE49-F238E27FC236}">
+                <a16:creationId xmlns:a16="http://schemas.microsoft.com/office/drawing/2014/main" id="{406D2171-3A22-4AE6-B900-DACE5277C26E}"/>
+              </a:ext>
+            </a:extLst>
+          </p:cNvPr>
+          <p:cNvCxnSpPr>
+            <a:cxnSpLocks/>
+          </p:cNvCxnSpPr>
+          <p:nvPr/>
+        </p:nvCxnSpPr>
+        <p:spPr>
+          <a:xfrm flipV="1">
+            <a:off x="1119121" y="2971486"/>
+            <a:ext cx="2628292" cy="285502"/>
+          </a:xfrm>
+          <a:prstGeom prst="straightConnector1">
+            <a:avLst/>
+          </a:prstGeom>
+          <a:ln w="19050">
+            <a:solidFill>
+              <a:schemeClr val="tx1"/>
+            </a:solidFill>
+            <a:headEnd type="arrow" w="med" len="med"/>
+            <a:tailEnd type="none" w="med" len="med"/>
+          </a:ln>
+        </p:spPr>
+        <p:style>
+          <a:lnRef idx="1">
+            <a:schemeClr val="accent1"/>
+          </a:lnRef>
+          <a:fillRef idx="0">
+            <a:schemeClr val="accent1"/>
+          </a:fillRef>
+          <a:effectRef idx="0">
+            <a:schemeClr val="accent1"/>
+          </a:effectRef>
+          <a:fontRef idx="minor">
+            <a:schemeClr val="tx1"/>
+          </a:fontRef>
+        </p:style>
+      </p:cxnSp>
+      <p:cxnSp>
+        <p:nvCxnSpPr>
+          <p:cNvPr id="74" name="직선 화살표 연결선 73">
+            <a:extLst>
+              <a:ext uri="{FF2B5EF4-FFF2-40B4-BE49-F238E27FC236}">
+                <a16:creationId xmlns:a16="http://schemas.microsoft.com/office/drawing/2014/main" id="{F59BEF71-6662-4270-BAD7-16F1ACEB6F83}"/>
+              </a:ext>
+            </a:extLst>
+          </p:cNvPr>
+          <p:cNvCxnSpPr>
+            <a:cxnSpLocks/>
+          </p:cNvCxnSpPr>
+          <p:nvPr/>
+        </p:nvCxnSpPr>
+        <p:spPr>
+          <a:xfrm>
+            <a:off x="1119121" y="3255576"/>
+            <a:ext cx="2628292" cy="288032"/>
+          </a:xfrm>
+          <a:prstGeom prst="straightConnector1">
+            <a:avLst/>
+          </a:prstGeom>
+          <a:ln w="19050">
+            <a:solidFill>
+              <a:schemeClr val="tx1"/>
+            </a:solidFill>
+            <a:headEnd type="none" w="med" len="med"/>
+            <a:tailEnd type="arrow" w="med" len="med"/>
+          </a:ln>
+        </p:spPr>
+        <p:style>
+          <a:lnRef idx="1">
+            <a:schemeClr val="accent1"/>
+          </a:lnRef>
+          <a:fillRef idx="0">
+            <a:schemeClr val="accent1"/>
+          </a:fillRef>
+          <a:effectRef idx="0">
+            <a:schemeClr val="accent1"/>
+          </a:effectRef>
+          <a:fontRef idx="minor">
+            <a:schemeClr val="tx1"/>
+          </a:fontRef>
+        </p:style>
+      </p:cxnSp>
+      <p:cxnSp>
+        <p:nvCxnSpPr>
+          <p:cNvPr id="76" name="직선 화살표 연결선 75">
+            <a:extLst>
+              <a:ext uri="{FF2B5EF4-FFF2-40B4-BE49-F238E27FC236}">
+                <a16:creationId xmlns:a16="http://schemas.microsoft.com/office/drawing/2014/main" id="{2878E8A1-712D-4065-A5B3-1397A2C2AE1A}"/>
+              </a:ext>
+            </a:extLst>
+          </p:cNvPr>
+          <p:cNvCxnSpPr>
+            <a:cxnSpLocks/>
+          </p:cNvCxnSpPr>
+          <p:nvPr/>
+        </p:nvCxnSpPr>
+        <p:spPr>
+          <a:xfrm flipV="1">
+            <a:off x="1119121" y="3546138"/>
+            <a:ext cx="2628292" cy="285502"/>
+          </a:xfrm>
+          <a:prstGeom prst="straightConnector1">
+            <a:avLst/>
+          </a:prstGeom>
+          <a:ln w="19050">
+            <a:solidFill>
+              <a:schemeClr val="tx1"/>
+            </a:solidFill>
+            <a:headEnd type="arrow" w="med" len="med"/>
+            <a:tailEnd type="none" w="med" len="med"/>
+          </a:ln>
+        </p:spPr>
+        <p:style>
+          <a:lnRef idx="1">
+            <a:schemeClr val="accent1"/>
+          </a:lnRef>
+          <a:fillRef idx="0">
+            <a:schemeClr val="accent1"/>
+          </a:fillRef>
+          <a:effectRef idx="0">
+            <a:schemeClr val="accent1"/>
+          </a:effectRef>
+          <a:fontRef idx="minor">
+            <a:schemeClr val="tx1"/>
+          </a:fontRef>
+        </p:style>
+      </p:cxnSp>
+      <p:cxnSp>
+        <p:nvCxnSpPr>
+          <p:cNvPr id="78" name="직선 화살표 연결선 77">
+            <a:extLst>
+              <a:ext uri="{FF2B5EF4-FFF2-40B4-BE49-F238E27FC236}">
+                <a16:creationId xmlns:a16="http://schemas.microsoft.com/office/drawing/2014/main" id="{0BDB54CF-615E-4AFA-871D-8209B671D1F3}"/>
+              </a:ext>
+            </a:extLst>
+          </p:cNvPr>
+          <p:cNvCxnSpPr>
+            <a:cxnSpLocks/>
+          </p:cNvCxnSpPr>
+          <p:nvPr/>
+        </p:nvCxnSpPr>
+        <p:spPr>
+          <a:xfrm>
+            <a:off x="5364087" y="2107876"/>
+            <a:ext cx="2628292" cy="288032"/>
+          </a:xfrm>
+          <a:prstGeom prst="straightConnector1">
+            <a:avLst/>
+          </a:prstGeom>
+          <a:ln w="19050">
+            <a:solidFill>
+              <a:schemeClr val="tx2"/>
+            </a:solidFill>
+            <a:headEnd type="none" w="med" len="med"/>
+            <a:tailEnd type="arrow" w="med" len="med"/>
+          </a:ln>
+        </p:spPr>
+        <p:style>
+          <a:lnRef idx="1">
+            <a:schemeClr val="accent1"/>
+          </a:lnRef>
+          <a:fillRef idx="0">
+            <a:schemeClr val="accent1"/>
+          </a:fillRef>
+          <a:effectRef idx="0">
+            <a:schemeClr val="accent1"/>
+          </a:effectRef>
+          <a:fontRef idx="minor">
+            <a:schemeClr val="tx1"/>
+          </a:fontRef>
+        </p:style>
+      </p:cxnSp>
+      <p:cxnSp>
+        <p:nvCxnSpPr>
+          <p:cNvPr id="82" name="직선 화살표 연결선 81">
+            <a:extLst>
+              <a:ext uri="{FF2B5EF4-FFF2-40B4-BE49-F238E27FC236}">
+                <a16:creationId xmlns:a16="http://schemas.microsoft.com/office/drawing/2014/main" id="{6E4C847A-5732-46B9-9458-25440A1C95B1}"/>
+              </a:ext>
+            </a:extLst>
+          </p:cNvPr>
+          <p:cNvCxnSpPr>
+            <a:cxnSpLocks/>
+          </p:cNvCxnSpPr>
+          <p:nvPr/>
+        </p:nvCxnSpPr>
+        <p:spPr>
+          <a:xfrm>
+            <a:off x="5364087" y="2323900"/>
+            <a:ext cx="2628292" cy="288032"/>
+          </a:xfrm>
+          <a:prstGeom prst="straightConnector1">
+            <a:avLst/>
+          </a:prstGeom>
+          <a:ln w="19050">
+            <a:solidFill>
+              <a:srgbClr val="C00000"/>
+            </a:solidFill>
+            <a:headEnd type="none" w="med" len="med"/>
+            <a:tailEnd type="arrow" w="med" len="med"/>
+          </a:ln>
+        </p:spPr>
+        <p:style>
+          <a:lnRef idx="1">
+            <a:schemeClr val="accent1"/>
+          </a:lnRef>
+          <a:fillRef idx="0">
+            <a:schemeClr val="accent1"/>
+          </a:fillRef>
+          <a:effectRef idx="0">
+            <a:schemeClr val="accent1"/>
+          </a:effectRef>
+          <a:fontRef idx="minor">
+            <a:schemeClr val="tx1"/>
+          </a:fontRef>
+        </p:style>
+      </p:cxnSp>
+      <p:cxnSp>
+        <p:nvCxnSpPr>
+          <p:cNvPr id="86" name="직선 화살표 연결선 85">
+            <a:extLst>
+              <a:ext uri="{FF2B5EF4-FFF2-40B4-BE49-F238E27FC236}">
+                <a16:creationId xmlns:a16="http://schemas.microsoft.com/office/drawing/2014/main" id="{B20B4339-CA44-46DB-AD9F-99B09D25B33D}"/>
+              </a:ext>
+            </a:extLst>
+          </p:cNvPr>
+          <p:cNvCxnSpPr>
+            <a:cxnSpLocks/>
+          </p:cNvCxnSpPr>
+          <p:nvPr/>
+        </p:nvCxnSpPr>
+        <p:spPr>
+          <a:xfrm>
+            <a:off x="5364087" y="2547970"/>
+            <a:ext cx="2628292" cy="288032"/>
+          </a:xfrm>
+          <a:prstGeom prst="straightConnector1">
+            <a:avLst/>
+          </a:prstGeom>
+          <a:ln w="19050">
+            <a:solidFill>
+              <a:schemeClr val="accent3">
+                <a:lumMod val="75000"/>
+              </a:schemeClr>
+            </a:solidFill>
+            <a:headEnd type="none" w="med" len="med"/>
+            <a:tailEnd type="arrow" w="med" len="med"/>
+          </a:ln>
+        </p:spPr>
+        <p:style>
+          <a:lnRef idx="1">
+            <a:schemeClr val="accent1"/>
+          </a:lnRef>
+          <a:fillRef idx="0">
+            <a:schemeClr val="accent1"/>
+          </a:fillRef>
+          <a:effectRef idx="0">
+            <a:schemeClr val="accent1"/>
+          </a:effectRef>
+          <a:fontRef idx="minor">
+            <a:schemeClr val="tx1"/>
+          </a:fontRef>
+        </p:style>
+      </p:cxnSp>
+      <p:cxnSp>
+        <p:nvCxnSpPr>
+          <p:cNvPr id="91" name="직선 화살표 연결선 90">
+            <a:extLst>
+              <a:ext uri="{FF2B5EF4-FFF2-40B4-BE49-F238E27FC236}">
+                <a16:creationId xmlns:a16="http://schemas.microsoft.com/office/drawing/2014/main" id="{327ADFDE-CAE7-4D02-A411-511D14B0FCFD}"/>
+              </a:ext>
+            </a:extLst>
+          </p:cNvPr>
+          <p:cNvCxnSpPr>
+            <a:cxnSpLocks/>
+          </p:cNvCxnSpPr>
+          <p:nvPr/>
+        </p:nvCxnSpPr>
+        <p:spPr>
+          <a:xfrm flipV="1">
+            <a:off x="5376911" y="2398438"/>
+            <a:ext cx="2628292" cy="285502"/>
+          </a:xfrm>
+          <a:prstGeom prst="straightConnector1">
+            <a:avLst/>
+          </a:prstGeom>
+          <a:ln w="19050">
+            <a:solidFill>
+              <a:schemeClr val="tx2"/>
+            </a:solidFill>
+            <a:headEnd type="arrow" w="med" len="med"/>
+            <a:tailEnd type="none" w="med" len="med"/>
+          </a:ln>
+        </p:spPr>
+        <p:style>
+          <a:lnRef idx="1">
+            <a:schemeClr val="accent1"/>
+          </a:lnRef>
+          <a:fillRef idx="0">
+            <a:schemeClr val="accent1"/>
+          </a:fillRef>
+          <a:effectRef idx="0">
+            <a:schemeClr val="accent1"/>
+          </a:effectRef>
+          <a:fontRef idx="minor">
+            <a:schemeClr val="tx1"/>
+          </a:fontRef>
+        </p:style>
+      </p:cxnSp>
+      <p:cxnSp>
+        <p:nvCxnSpPr>
+          <p:cNvPr id="92" name="직선 화살표 연결선 91">
+            <a:extLst>
+              <a:ext uri="{FF2B5EF4-FFF2-40B4-BE49-F238E27FC236}">
+                <a16:creationId xmlns:a16="http://schemas.microsoft.com/office/drawing/2014/main" id="{69139461-F526-4A8D-A061-9611F79B3952}"/>
+              </a:ext>
+            </a:extLst>
+          </p:cNvPr>
+          <p:cNvCxnSpPr>
+            <a:cxnSpLocks/>
+          </p:cNvCxnSpPr>
+          <p:nvPr/>
+        </p:nvCxnSpPr>
+        <p:spPr>
+          <a:xfrm flipV="1">
+            <a:off x="5376911" y="2609174"/>
+            <a:ext cx="2628292" cy="285502"/>
+          </a:xfrm>
+          <a:prstGeom prst="straightConnector1">
+            <a:avLst/>
+          </a:prstGeom>
+          <a:ln w="19050">
+            <a:solidFill>
+              <a:srgbClr val="C00000"/>
+            </a:solidFill>
+            <a:headEnd type="arrow" w="med" len="med"/>
+            <a:tailEnd type="none" w="med" len="med"/>
+          </a:ln>
+        </p:spPr>
+        <p:style>
+          <a:lnRef idx="1">
+            <a:schemeClr val="accent1"/>
+          </a:lnRef>
+          <a:fillRef idx="0">
+            <a:schemeClr val="accent1"/>
+          </a:fillRef>
+          <a:effectRef idx="0">
+            <a:schemeClr val="accent1"/>
+          </a:effectRef>
+          <a:fontRef idx="minor">
+            <a:schemeClr val="tx1"/>
+          </a:fontRef>
+        </p:style>
+      </p:cxnSp>
+      <p:cxnSp>
+        <p:nvCxnSpPr>
+          <p:cNvPr id="93" name="직선 화살표 연결선 92">
+            <a:extLst>
+              <a:ext uri="{FF2B5EF4-FFF2-40B4-BE49-F238E27FC236}">
+                <a16:creationId xmlns:a16="http://schemas.microsoft.com/office/drawing/2014/main" id="{D5910345-7280-4991-8D92-FAC4376A12AC}"/>
+              </a:ext>
+            </a:extLst>
+          </p:cNvPr>
+          <p:cNvCxnSpPr>
+            <a:cxnSpLocks/>
+          </p:cNvCxnSpPr>
+          <p:nvPr/>
+        </p:nvCxnSpPr>
+        <p:spPr>
+          <a:xfrm flipV="1">
+            <a:off x="5376911" y="2831017"/>
+            <a:ext cx="2628292" cy="285502"/>
+          </a:xfrm>
+          <a:prstGeom prst="straightConnector1">
+            <a:avLst/>
+          </a:prstGeom>
+          <a:ln w="19050">
+            <a:solidFill>
+              <a:schemeClr val="accent3">
+                <a:lumMod val="75000"/>
+              </a:schemeClr>
+            </a:solidFill>
+            <a:headEnd type="arrow" w="med" len="med"/>
+            <a:tailEnd type="none" w="med" len="med"/>
+          </a:ln>
+        </p:spPr>
+        <p:style>
+          <a:lnRef idx="1">
+            <a:schemeClr val="accent1"/>
+          </a:lnRef>
+          <a:fillRef idx="0">
+            <a:schemeClr val="accent1"/>
+          </a:fillRef>
+          <a:effectRef idx="0">
+            <a:schemeClr val="accent1"/>
+          </a:effectRef>
+          <a:fontRef idx="minor">
+            <a:schemeClr val="tx1"/>
+          </a:fontRef>
+        </p:style>
+      </p:cxnSp>
+      <p:sp>
+        <p:nvSpPr>
+          <p:cNvPr id="94" name="TextBox 93">
+            <a:extLst>
+              <a:ext uri="{FF2B5EF4-FFF2-40B4-BE49-F238E27FC236}">
+                <a16:creationId xmlns:a16="http://schemas.microsoft.com/office/drawing/2014/main" id="{83203FDB-FA19-4C74-BCEC-89EA6F4B7FCA}"/>
+              </a:ext>
+            </a:extLst>
+          </p:cNvPr>
+          <p:cNvSpPr txBox="1"/>
+          <p:nvPr/>
+        </p:nvSpPr>
+        <p:spPr>
+          <a:xfrm>
+            <a:off x="187240" y="2528132"/>
+            <a:ext cx="972062" cy="276999"/>
+          </a:xfrm>
+          <a:prstGeom prst="rect">
+            <a:avLst/>
+          </a:prstGeom>
+          <a:noFill/>
+        </p:spPr>
+        <p:txBody>
+          <a:bodyPr wrap="none" rtlCol="0">
+            <a:spAutoFit/>
+          </a:bodyPr>
+          <a:lstStyle/>
+          <a:p>
+            <a:pPr algn="ctr"/>
+            <a:r>
+              <a:rPr lang="en-US" altLang="ko-KR" sz="1200"/>
+              <a:t>GET /b.png</a:t>
+            </a:r>
+            <a:endParaRPr lang="ko-KR" altLang="en-US" sz="1200"/>
+          </a:p>
+        </p:txBody>
+      </p:sp>
+      <p:sp>
+        <p:nvSpPr>
+          <p:cNvPr id="95" name="TextBox 94">
+            <a:extLst>
+              <a:ext uri="{FF2B5EF4-FFF2-40B4-BE49-F238E27FC236}">
+                <a16:creationId xmlns:a16="http://schemas.microsoft.com/office/drawing/2014/main" id="{6830F67F-2AC2-42AA-ADB7-2744A0870A33}"/>
+              </a:ext>
+            </a:extLst>
+          </p:cNvPr>
+          <p:cNvSpPr txBox="1"/>
+          <p:nvPr/>
+        </p:nvSpPr>
+        <p:spPr>
+          <a:xfrm>
+            <a:off x="197660" y="3097166"/>
+            <a:ext cx="951222" cy="276999"/>
+          </a:xfrm>
+          <a:prstGeom prst="rect">
+            <a:avLst/>
+          </a:prstGeom>
+          <a:noFill/>
+        </p:spPr>
+        <p:txBody>
+          <a:bodyPr wrap="none" rtlCol="0">
+            <a:spAutoFit/>
+          </a:bodyPr>
+          <a:lstStyle/>
+          <a:p>
+            <a:pPr algn="ctr"/>
+            <a:r>
+              <a:rPr lang="en-US" altLang="ko-KR" sz="1200"/>
+              <a:t>GET /c.png</a:t>
+            </a:r>
+            <a:endParaRPr lang="ko-KR" altLang="en-US" sz="1200"/>
+          </a:p>
+        </p:txBody>
+      </p:sp>
+      <p:sp>
+        <p:nvSpPr>
+          <p:cNvPr id="96" name="TextBox 95">
+            <a:extLst>
+              <a:ext uri="{FF2B5EF4-FFF2-40B4-BE49-F238E27FC236}">
+                <a16:creationId xmlns:a16="http://schemas.microsoft.com/office/drawing/2014/main" id="{B5D076B3-7050-4E69-B4DA-F251C5D28F27}"/>
+              </a:ext>
+            </a:extLst>
+          </p:cNvPr>
+          <p:cNvSpPr txBox="1"/>
+          <p:nvPr/>
+        </p:nvSpPr>
+        <p:spPr>
+          <a:xfrm>
+            <a:off x="3694911" y="2822532"/>
+            <a:ext cx="647934" cy="276999"/>
+          </a:xfrm>
+          <a:prstGeom prst="rect">
+            <a:avLst/>
+          </a:prstGeom>
+          <a:noFill/>
+        </p:spPr>
+        <p:txBody>
+          <a:bodyPr wrap="none" rtlCol="0">
+            <a:spAutoFit/>
+          </a:bodyPr>
+          <a:lstStyle/>
+          <a:p>
+            <a:pPr algn="ctr"/>
+            <a:r>
+              <a:rPr lang="en-US" altLang="ko-KR" sz="1200"/>
+              <a:t>/b.png</a:t>
+            </a:r>
+            <a:endParaRPr lang="ko-KR" altLang="en-US" sz="1200"/>
+          </a:p>
+        </p:txBody>
+      </p:sp>
+      <p:sp>
+        <p:nvSpPr>
+          <p:cNvPr id="97" name="TextBox 96">
+            <a:extLst>
+              <a:ext uri="{FF2B5EF4-FFF2-40B4-BE49-F238E27FC236}">
+                <a16:creationId xmlns:a16="http://schemas.microsoft.com/office/drawing/2014/main" id="{17BCFB03-729C-4FD9-9CC2-497F837E30A9}"/>
+              </a:ext>
+            </a:extLst>
+          </p:cNvPr>
+          <p:cNvSpPr txBox="1"/>
+          <p:nvPr/>
+        </p:nvSpPr>
+        <p:spPr>
+          <a:xfrm>
+            <a:off x="3705330" y="3399592"/>
+            <a:ext cx="627096" cy="276999"/>
+          </a:xfrm>
+          <a:prstGeom prst="rect">
+            <a:avLst/>
+          </a:prstGeom>
+          <a:noFill/>
+        </p:spPr>
+        <p:txBody>
+          <a:bodyPr wrap="none" rtlCol="0">
+            <a:spAutoFit/>
+          </a:bodyPr>
+          <a:lstStyle/>
+          <a:p>
+            <a:pPr algn="ctr"/>
+            <a:r>
+              <a:rPr lang="en-US" altLang="ko-KR" sz="1200"/>
+              <a:t>/c.png</a:t>
+            </a:r>
+            <a:endParaRPr lang="ko-KR" altLang="en-US" sz="1200"/>
+          </a:p>
+        </p:txBody>
+      </p:sp>
+      <p:sp>
+        <p:nvSpPr>
+          <p:cNvPr id="98" name="TextBox 97">
+            <a:extLst>
+              <a:ext uri="{FF2B5EF4-FFF2-40B4-BE49-F238E27FC236}">
+                <a16:creationId xmlns:a16="http://schemas.microsoft.com/office/drawing/2014/main" id="{5BB2BFCB-E014-4FA0-9DCA-DE5F2FF9102F}"/>
+              </a:ext>
+            </a:extLst>
+          </p:cNvPr>
+          <p:cNvSpPr txBox="1"/>
+          <p:nvPr/>
+        </p:nvSpPr>
+        <p:spPr>
+          <a:xfrm>
+            <a:off x="4443069" y="1950550"/>
+            <a:ext cx="959237" cy="276999"/>
+          </a:xfrm>
+          <a:prstGeom prst="rect">
+            <a:avLst/>
+          </a:prstGeom>
+          <a:noFill/>
+        </p:spPr>
+        <p:txBody>
+          <a:bodyPr wrap="none" rtlCol="0">
+            <a:spAutoFit/>
+          </a:bodyPr>
+          <a:lstStyle/>
+          <a:p>
+            <a:pPr algn="ctr"/>
+            <a:r>
+              <a:rPr lang="en-US" altLang="ko-KR" sz="1200"/>
+              <a:t>GET /a.png</a:t>
+            </a:r>
+            <a:endParaRPr lang="ko-KR" altLang="en-US" sz="1200"/>
+          </a:p>
+        </p:txBody>
+      </p:sp>
+      <p:sp>
+        <p:nvSpPr>
+          <p:cNvPr id="99" name="TextBox 98">
+            <a:extLst>
+              <a:ext uri="{FF2B5EF4-FFF2-40B4-BE49-F238E27FC236}">
+                <a16:creationId xmlns:a16="http://schemas.microsoft.com/office/drawing/2014/main" id="{01141845-F2BA-4EA8-BB95-86D1B4E4E1C6}"/>
+              </a:ext>
+            </a:extLst>
+          </p:cNvPr>
+          <p:cNvSpPr txBox="1"/>
+          <p:nvPr/>
+        </p:nvSpPr>
+        <p:spPr>
+          <a:xfrm>
+            <a:off x="4436657" y="2167637"/>
+            <a:ext cx="972062" cy="276999"/>
+          </a:xfrm>
+          <a:prstGeom prst="rect">
+            <a:avLst/>
+          </a:prstGeom>
+          <a:noFill/>
+        </p:spPr>
+        <p:txBody>
+          <a:bodyPr wrap="none" rtlCol="0">
+            <a:spAutoFit/>
+          </a:bodyPr>
+          <a:lstStyle/>
+          <a:p>
+            <a:pPr algn="ctr"/>
+            <a:r>
+              <a:rPr lang="en-US" altLang="ko-KR" sz="1200"/>
+              <a:t>GET /b.png</a:t>
+            </a:r>
+            <a:endParaRPr lang="ko-KR" altLang="en-US" sz="1200"/>
+          </a:p>
+        </p:txBody>
+      </p:sp>
+      <p:sp>
+        <p:nvSpPr>
+          <p:cNvPr id="100" name="TextBox 99">
+            <a:extLst>
+              <a:ext uri="{FF2B5EF4-FFF2-40B4-BE49-F238E27FC236}">
+                <a16:creationId xmlns:a16="http://schemas.microsoft.com/office/drawing/2014/main" id="{94D52BE3-B39D-4193-BC41-F0BE6622B45E}"/>
+              </a:ext>
+            </a:extLst>
+          </p:cNvPr>
+          <p:cNvSpPr txBox="1"/>
+          <p:nvPr/>
+        </p:nvSpPr>
+        <p:spPr>
+          <a:xfrm>
+            <a:off x="4447077" y="2377081"/>
+            <a:ext cx="951222" cy="276999"/>
+          </a:xfrm>
+          <a:prstGeom prst="rect">
+            <a:avLst/>
+          </a:prstGeom>
+          <a:noFill/>
+        </p:spPr>
+        <p:txBody>
+          <a:bodyPr wrap="none" rtlCol="0">
+            <a:spAutoFit/>
+          </a:bodyPr>
+          <a:lstStyle/>
+          <a:p>
+            <a:pPr algn="ctr"/>
+            <a:r>
+              <a:rPr lang="en-US" altLang="ko-KR" sz="1200"/>
+              <a:t>GET /c.png</a:t>
+            </a:r>
+            <a:endParaRPr lang="ko-KR" altLang="en-US" sz="1200"/>
+          </a:p>
+        </p:txBody>
+      </p:sp>
+      <p:sp>
+        <p:nvSpPr>
+          <p:cNvPr id="101" name="TextBox 100">
+            <a:extLst>
+              <a:ext uri="{FF2B5EF4-FFF2-40B4-BE49-F238E27FC236}">
+                <a16:creationId xmlns:a16="http://schemas.microsoft.com/office/drawing/2014/main" id="{69FFDDF5-1D07-43CC-87A7-06B0E91C882D}"/>
+              </a:ext>
+            </a:extLst>
+          </p:cNvPr>
+          <p:cNvSpPr txBox="1"/>
+          <p:nvPr/>
+        </p:nvSpPr>
+        <p:spPr>
+          <a:xfrm>
+            <a:off x="7966979" y="2243846"/>
+            <a:ext cx="635110" cy="276999"/>
+          </a:xfrm>
+          <a:prstGeom prst="rect">
+            <a:avLst/>
+          </a:prstGeom>
+          <a:noFill/>
+        </p:spPr>
+        <p:txBody>
+          <a:bodyPr wrap="none" rtlCol="0">
+            <a:spAutoFit/>
+          </a:bodyPr>
+          <a:lstStyle/>
+          <a:p>
+            <a:pPr algn="ctr"/>
+            <a:r>
+              <a:rPr lang="en-US" altLang="ko-KR" sz="1200"/>
+              <a:t>/a.png</a:t>
+            </a:r>
+            <a:endParaRPr lang="ko-KR" altLang="en-US" sz="1200"/>
+          </a:p>
+        </p:txBody>
+      </p:sp>
+      <p:sp>
+        <p:nvSpPr>
+          <p:cNvPr id="102" name="TextBox 101">
+            <a:extLst>
+              <a:ext uri="{FF2B5EF4-FFF2-40B4-BE49-F238E27FC236}">
+                <a16:creationId xmlns:a16="http://schemas.microsoft.com/office/drawing/2014/main" id="{A94DAF36-BB7E-480A-AA26-787295582274}"/>
+              </a:ext>
+            </a:extLst>
+          </p:cNvPr>
+          <p:cNvSpPr txBox="1"/>
+          <p:nvPr/>
+        </p:nvSpPr>
+        <p:spPr>
+          <a:xfrm>
+            <a:off x="7960567" y="2477721"/>
+            <a:ext cx="647934" cy="276999"/>
+          </a:xfrm>
+          <a:prstGeom prst="rect">
+            <a:avLst/>
+          </a:prstGeom>
+          <a:noFill/>
+        </p:spPr>
+        <p:txBody>
+          <a:bodyPr wrap="none" rtlCol="0">
+            <a:spAutoFit/>
+          </a:bodyPr>
+          <a:lstStyle/>
+          <a:p>
+            <a:pPr algn="ctr"/>
+            <a:r>
+              <a:rPr lang="en-US" altLang="ko-KR" sz="1200"/>
+              <a:t>/b.png</a:t>
+            </a:r>
+            <a:endParaRPr lang="ko-KR" altLang="en-US" sz="1200"/>
+          </a:p>
+        </p:txBody>
+      </p:sp>
+      <p:sp>
+        <p:nvSpPr>
+          <p:cNvPr id="103" name="TextBox 102">
+            <a:extLst>
+              <a:ext uri="{FF2B5EF4-FFF2-40B4-BE49-F238E27FC236}">
+                <a16:creationId xmlns:a16="http://schemas.microsoft.com/office/drawing/2014/main" id="{3F60D8D3-672D-447D-9A11-6CC6B8E8532A}"/>
+              </a:ext>
+            </a:extLst>
+          </p:cNvPr>
+          <p:cNvSpPr txBox="1"/>
+          <p:nvPr/>
+        </p:nvSpPr>
+        <p:spPr>
+          <a:xfrm>
+            <a:off x="7970986" y="2692517"/>
+            <a:ext cx="627096" cy="276999"/>
+          </a:xfrm>
+          <a:prstGeom prst="rect">
+            <a:avLst/>
+          </a:prstGeom>
+          <a:noFill/>
+        </p:spPr>
+        <p:txBody>
+          <a:bodyPr wrap="none" rtlCol="0">
+            <a:spAutoFit/>
+          </a:bodyPr>
+          <a:lstStyle/>
+          <a:p>
+            <a:pPr algn="ctr"/>
+            <a:r>
+              <a:rPr lang="en-US" altLang="ko-KR" sz="1200"/>
+              <a:t>/c.png</a:t>
+            </a:r>
+            <a:endParaRPr lang="ko-KR" altLang="en-US" sz="1200"/>
+          </a:p>
+        </p:txBody>
+      </p:sp>
+      <p:cxnSp>
+        <p:nvCxnSpPr>
+          <p:cNvPr id="104" name="직선 화살표 연결선 103">
+            <a:extLst>
+              <a:ext uri="{FF2B5EF4-FFF2-40B4-BE49-F238E27FC236}">
+                <a16:creationId xmlns:a16="http://schemas.microsoft.com/office/drawing/2014/main" id="{DF8EF094-A93C-47CD-972B-FBACF30C9C1A}"/>
+              </a:ext>
+            </a:extLst>
+          </p:cNvPr>
+          <p:cNvCxnSpPr>
+            <a:cxnSpLocks/>
+          </p:cNvCxnSpPr>
+          <p:nvPr/>
+        </p:nvCxnSpPr>
+        <p:spPr>
+          <a:xfrm>
+            <a:off x="5607919" y="3440872"/>
+            <a:ext cx="287034" cy="0"/>
+          </a:xfrm>
+          <a:prstGeom prst="straightConnector1">
+            <a:avLst/>
+          </a:prstGeom>
+          <a:ln w="19050">
+            <a:solidFill>
+              <a:schemeClr val="tx2"/>
+            </a:solidFill>
+            <a:headEnd type="none" w="med" len="med"/>
+            <a:tailEnd type="arrow" w="med" len="med"/>
+          </a:ln>
+        </p:spPr>
+        <p:style>
+          <a:lnRef idx="1">
+            <a:schemeClr val="accent1"/>
+          </a:lnRef>
+          <a:fillRef idx="0">
+            <a:schemeClr val="accent1"/>
+          </a:fillRef>
+          <a:effectRef idx="0">
+            <a:schemeClr val="accent1"/>
+          </a:effectRef>
+          <a:fontRef idx="minor">
+            <a:schemeClr val="tx1"/>
+          </a:fontRef>
+        </p:style>
+      </p:cxnSp>
+      <p:sp>
+        <p:nvSpPr>
+          <p:cNvPr id="105" name="TextBox 104">
+            <a:extLst>
+              <a:ext uri="{FF2B5EF4-FFF2-40B4-BE49-F238E27FC236}">
+                <a16:creationId xmlns:a16="http://schemas.microsoft.com/office/drawing/2014/main" id="{459DF421-2FAD-41C3-BF66-446E4C358471}"/>
+              </a:ext>
+            </a:extLst>
+          </p:cNvPr>
+          <p:cNvSpPr txBox="1"/>
+          <p:nvPr/>
+        </p:nvSpPr>
+        <p:spPr>
+          <a:xfrm>
+            <a:off x="5900549" y="3305547"/>
+            <a:ext cx="803938" cy="276999"/>
+          </a:xfrm>
+          <a:prstGeom prst="rect">
+            <a:avLst/>
+          </a:prstGeom>
+          <a:noFill/>
+        </p:spPr>
+        <p:txBody>
+          <a:bodyPr wrap="none" rtlCol="0">
+            <a:spAutoFit/>
+          </a:bodyPr>
+          <a:lstStyle/>
+          <a:p>
+            <a:pPr algn="ctr"/>
+            <a:r>
+              <a:rPr lang="en-US" altLang="ko-KR" sz="1200"/>
+              <a:t>Stream 1</a:t>
+            </a:r>
+            <a:endParaRPr lang="ko-KR" altLang="en-US" sz="1200"/>
+          </a:p>
+        </p:txBody>
+      </p:sp>
+      <p:cxnSp>
+        <p:nvCxnSpPr>
+          <p:cNvPr id="106" name="직선 화살표 연결선 105">
+            <a:extLst>
+              <a:ext uri="{FF2B5EF4-FFF2-40B4-BE49-F238E27FC236}">
+                <a16:creationId xmlns:a16="http://schemas.microsoft.com/office/drawing/2014/main" id="{7D653854-4366-478F-8DF3-3463C00833A9}"/>
+              </a:ext>
+            </a:extLst>
+          </p:cNvPr>
+          <p:cNvCxnSpPr>
+            <a:cxnSpLocks/>
+          </p:cNvCxnSpPr>
+          <p:nvPr/>
+        </p:nvCxnSpPr>
+        <p:spPr>
+          <a:xfrm>
+            <a:off x="6736496" y="3440872"/>
+            <a:ext cx="287034" cy="0"/>
+          </a:xfrm>
+          <a:prstGeom prst="straightConnector1">
+            <a:avLst/>
+          </a:prstGeom>
+          <a:ln w="19050">
+            <a:solidFill>
+              <a:srgbClr val="C00000"/>
+            </a:solidFill>
+            <a:headEnd type="none" w="med" len="med"/>
+            <a:tailEnd type="arrow" w="med" len="med"/>
+          </a:ln>
+        </p:spPr>
+        <p:style>
+          <a:lnRef idx="1">
+            <a:schemeClr val="accent1"/>
+          </a:lnRef>
+          <a:fillRef idx="0">
+            <a:schemeClr val="accent1"/>
+          </a:fillRef>
+          <a:effectRef idx="0">
+            <a:schemeClr val="accent1"/>
+          </a:effectRef>
+          <a:fontRef idx="minor">
+            <a:schemeClr val="tx1"/>
+          </a:fontRef>
+        </p:style>
+      </p:cxnSp>
+      <p:sp>
+        <p:nvSpPr>
+          <p:cNvPr id="107" name="TextBox 106">
+            <a:extLst>
+              <a:ext uri="{FF2B5EF4-FFF2-40B4-BE49-F238E27FC236}">
+                <a16:creationId xmlns:a16="http://schemas.microsoft.com/office/drawing/2014/main" id="{E30188C9-3B0A-44EC-B2EE-CEFFD5D6ECA9}"/>
+              </a:ext>
+            </a:extLst>
+          </p:cNvPr>
+          <p:cNvSpPr txBox="1"/>
+          <p:nvPr/>
+        </p:nvSpPr>
+        <p:spPr>
+          <a:xfrm>
+            <a:off x="7029126" y="3305547"/>
+            <a:ext cx="803938" cy="276999"/>
+          </a:xfrm>
+          <a:prstGeom prst="rect">
+            <a:avLst/>
+          </a:prstGeom>
+          <a:noFill/>
+        </p:spPr>
+        <p:txBody>
+          <a:bodyPr wrap="none" rtlCol="0">
+            <a:spAutoFit/>
+          </a:bodyPr>
+          <a:lstStyle/>
+          <a:p>
+            <a:pPr algn="ctr"/>
+            <a:r>
+              <a:rPr lang="en-US" altLang="ko-KR" sz="1200"/>
+              <a:t>Stream 2</a:t>
+            </a:r>
+            <a:endParaRPr lang="ko-KR" altLang="en-US" sz="1200"/>
+          </a:p>
+        </p:txBody>
+      </p:sp>
+      <p:cxnSp>
+        <p:nvCxnSpPr>
+          <p:cNvPr id="108" name="직선 화살표 연결선 107">
+            <a:extLst>
+              <a:ext uri="{FF2B5EF4-FFF2-40B4-BE49-F238E27FC236}">
+                <a16:creationId xmlns:a16="http://schemas.microsoft.com/office/drawing/2014/main" id="{491C90AC-4B68-4F17-93AA-24309C97E15D}"/>
+              </a:ext>
+            </a:extLst>
+          </p:cNvPr>
+          <p:cNvCxnSpPr>
+            <a:cxnSpLocks/>
+          </p:cNvCxnSpPr>
+          <p:nvPr/>
+        </p:nvCxnSpPr>
+        <p:spPr>
+          <a:xfrm>
+            <a:off x="5607919" y="3717045"/>
+            <a:ext cx="287034" cy="0"/>
+          </a:xfrm>
+          <a:prstGeom prst="straightConnector1">
+            <a:avLst/>
+          </a:prstGeom>
+          <a:ln w="19050">
+            <a:solidFill>
+              <a:schemeClr val="accent3">
+                <a:lumMod val="75000"/>
+              </a:schemeClr>
+            </a:solidFill>
+            <a:headEnd type="none" w="med" len="med"/>
+            <a:tailEnd type="arrow" w="med" len="med"/>
+          </a:ln>
+        </p:spPr>
+        <p:style>
+          <a:lnRef idx="1">
+            <a:schemeClr val="accent1"/>
+          </a:lnRef>
+          <a:fillRef idx="0">
+            <a:schemeClr val="accent1"/>
+          </a:fillRef>
+          <a:effectRef idx="0">
+            <a:schemeClr val="accent1"/>
+          </a:effectRef>
+          <a:fontRef idx="minor">
+            <a:schemeClr val="tx1"/>
+          </a:fontRef>
+        </p:style>
+      </p:cxnSp>
+      <p:sp>
+        <p:nvSpPr>
+          <p:cNvPr id="109" name="TextBox 108">
+            <a:extLst>
+              <a:ext uri="{FF2B5EF4-FFF2-40B4-BE49-F238E27FC236}">
+                <a16:creationId xmlns:a16="http://schemas.microsoft.com/office/drawing/2014/main" id="{62454DCC-0A88-44D3-9101-8236C8754304}"/>
+              </a:ext>
+            </a:extLst>
+          </p:cNvPr>
+          <p:cNvSpPr txBox="1"/>
+          <p:nvPr/>
+        </p:nvSpPr>
+        <p:spPr>
+          <a:xfrm>
+            <a:off x="5900549" y="3581720"/>
+            <a:ext cx="803938" cy="276999"/>
+          </a:xfrm>
+          <a:prstGeom prst="rect">
+            <a:avLst/>
+          </a:prstGeom>
+          <a:noFill/>
+        </p:spPr>
+        <p:txBody>
+          <a:bodyPr wrap="none" rtlCol="0">
+            <a:spAutoFit/>
+          </a:bodyPr>
+          <a:lstStyle/>
+          <a:p>
+            <a:pPr algn="ctr"/>
+            <a:r>
+              <a:rPr lang="en-US" altLang="ko-KR" sz="1200"/>
+              <a:t>Stream 3</a:t>
+            </a:r>
+            <a:endParaRPr lang="ko-KR" altLang="en-US" sz="1200"/>
+          </a:p>
+        </p:txBody>
+      </p:sp>
+      <p:sp>
+        <p:nvSpPr>
+          <p:cNvPr id="110" name="TextBox 109">
+            <a:extLst>
+              <a:ext uri="{FF2B5EF4-FFF2-40B4-BE49-F238E27FC236}">
+                <a16:creationId xmlns:a16="http://schemas.microsoft.com/office/drawing/2014/main" id="{DC2D8546-5960-49F9-AFB0-69817A814FBE}"/>
+              </a:ext>
+            </a:extLst>
+          </p:cNvPr>
+          <p:cNvSpPr txBox="1"/>
+          <p:nvPr/>
+        </p:nvSpPr>
+        <p:spPr>
+          <a:xfrm>
+            <a:off x="1995091" y="4052092"/>
+            <a:ext cx="828047" cy="307777"/>
+          </a:xfrm>
+          <a:prstGeom prst="rect">
+            <a:avLst/>
+          </a:prstGeom>
+          <a:noFill/>
+        </p:spPr>
+        <p:txBody>
+          <a:bodyPr wrap="none" rtlCol="0">
+            <a:spAutoFit/>
+          </a:bodyPr>
+          <a:lstStyle/>
+          <a:p>
+            <a:pPr algn="ctr"/>
+            <a:r>
+              <a:rPr lang="en-US" altLang="ko-KR" sz="1400" b="1"/>
+              <a:t>HTTP/1</a:t>
+            </a:r>
+            <a:endParaRPr lang="ko-KR" altLang="en-US" sz="1400" b="1"/>
+          </a:p>
+        </p:txBody>
+      </p:sp>
+      <p:sp>
+        <p:nvSpPr>
+          <p:cNvPr id="111" name="TextBox 110">
+            <a:extLst>
+              <a:ext uri="{FF2B5EF4-FFF2-40B4-BE49-F238E27FC236}">
+                <a16:creationId xmlns:a16="http://schemas.microsoft.com/office/drawing/2014/main" id="{AE0C6E2C-F767-441B-BA0D-79F3B021929D}"/>
+              </a:ext>
+            </a:extLst>
+          </p:cNvPr>
+          <p:cNvSpPr txBox="1"/>
+          <p:nvPr/>
+        </p:nvSpPr>
+        <p:spPr>
+          <a:xfrm>
+            <a:off x="6347903" y="4052092"/>
+            <a:ext cx="828048" cy="307777"/>
+          </a:xfrm>
+          <a:prstGeom prst="rect">
+            <a:avLst/>
+          </a:prstGeom>
+          <a:noFill/>
+        </p:spPr>
+        <p:txBody>
+          <a:bodyPr wrap="none" rtlCol="0">
+            <a:spAutoFit/>
+          </a:bodyPr>
+          <a:lstStyle/>
+          <a:p>
+            <a:pPr algn="ctr"/>
+            <a:r>
+              <a:rPr lang="en-US" altLang="ko-KR" sz="1400" b="1"/>
+              <a:t>HTTP/2</a:t>
+            </a:r>
+            <a:endParaRPr lang="ko-KR" altLang="en-US" sz="1400" b="1"/>
+          </a:p>
+        </p:txBody>
+      </p:sp>
+    </p:spTree>
+    <p:extLst>
+      <p:ext uri="{BB962C8B-B14F-4D97-AF65-F5344CB8AC3E}">
+        <p14:creationId xmlns:p14="http://schemas.microsoft.com/office/powerpoint/2010/main" val="1777587799"/>
+      </p:ext>
+    </p:extLst>
+  </p:cSld>
+  <p:clrMapOvr>
+    <a:masterClrMapping/>
+  </p:clrMapOvr>
+</p:sld>
+</file>
+
+<file path=ppt/slides/slide4.xml><?xml version="1.0" encoding="utf-8"?>
+<p:sld xmlns:a="http://schemas.openxmlformats.org/drawingml/2006/main" xmlns:r="http://schemas.openxmlformats.org/officeDocument/2006/relationships" xmlns:p="http://schemas.openxmlformats.org/presentationml/2006/main">
+  <p:cSld>
+    <p:spTree>
+      <p:nvGrpSpPr>
+        <p:cNvPr id="1" name=""/>
+        <p:cNvGrpSpPr/>
+        <p:nvPr/>
+      </p:nvGrpSpPr>
+      <p:grpSpPr>
+        <a:xfrm>
+          <a:off x="0" y="0"/>
+          <a:ext cx="0" cy="0"/>
+          <a:chOff x="0" y="0"/>
+          <a:chExt cx="0" cy="0"/>
+        </a:xfrm>
+      </p:grpSpPr>
+      <p:sp>
+        <p:nvSpPr>
+          <p:cNvPr id="2" name="제목 1">
+            <a:extLst>
+              <a:ext uri="{FF2B5EF4-FFF2-40B4-BE49-F238E27FC236}">
+                <a16:creationId xmlns:a16="http://schemas.microsoft.com/office/drawing/2014/main" id="{ACF342D6-DC59-400E-A435-E90C225B2F04}"/>
+              </a:ext>
+            </a:extLst>
+          </p:cNvPr>
+          <p:cNvSpPr>
+            <a:spLocks noGrp="1"/>
+          </p:cNvSpPr>
+          <p:nvPr>
+            <p:ph type="title"/>
+          </p:nvPr>
+        </p:nvSpPr>
+        <p:spPr>
+          <a:xfrm>
+            <a:off x="457200" y="123478"/>
+            <a:ext cx="8229600" cy="857250"/>
+          </a:xfrm>
+        </p:spPr>
+        <p:txBody>
+          <a:bodyPr/>
+          <a:lstStyle/>
+          <a:p>
+            <a:r>
+              <a:rPr lang="en-US" altLang="ko-KR"/>
+              <a:t>HTTP2 Frame Interleaving</a:t>
             </a:r>
             <a:endParaRPr lang="ko-KR" altLang="en-US"/>
           </a:p>
@@ -6780,9 +12097,9 @@
             </a:avLst>
           </a:prstGeom>
           <a:solidFill>
-            <a:schemeClr val="accent1">
-              <a:lumMod val="20000"/>
-              <a:lumOff val="80000"/>
+            <a:schemeClr val="accent6">
+              <a:lumMod val="40000"/>
+              <a:lumOff val="60000"/>
             </a:schemeClr>
           </a:solidFill>
         </p:spPr>
@@ -6807,7 +12124,7 @@
             <a:pPr algn="ctr"/>
             <a:r>
               <a:rPr lang="en-US" altLang="ko-KR" sz="1100"/>
-              <a:t>Stream 2</a:t>
+              <a:t>Stream 4</a:t>
             </a:r>
           </a:p>
           <a:p>
@@ -6926,9 +12243,9 @@
             </a:avLst>
           </a:prstGeom>
           <a:solidFill>
-            <a:schemeClr val="accent1">
-              <a:lumMod val="20000"/>
-              <a:lumOff val="80000"/>
+            <a:schemeClr val="accent6">
+              <a:lumMod val="40000"/>
+              <a:lumOff val="60000"/>
             </a:schemeClr>
           </a:solidFill>
         </p:spPr>
@@ -6953,7 +12270,7 @@
             <a:pPr algn="ctr"/>
             <a:r>
               <a:rPr lang="en-US" altLang="ko-KR" sz="1100"/>
-              <a:t>Stream 2</a:t>
+              <a:t>Stream 4</a:t>
             </a:r>
           </a:p>
           <a:p>
@@ -6961,79 +12278,6 @@
             <a:r>
               <a:rPr lang="en-US" altLang="ko-KR" sz="1100"/>
               <a:t>DATA</a:t>
-            </a:r>
-          </a:p>
-          <a:p>
-            <a:pPr algn="ctr"/>
-            <a:endParaRPr lang="en-US" altLang="ko-KR" sz="1100"/>
-          </a:p>
-          <a:p>
-            <a:pPr algn="ctr"/>
-            <a:r>
-              <a:rPr lang="en-US" altLang="ko-KR" sz="1100"/>
-              <a:t>Frame</a:t>
-            </a:r>
-          </a:p>
-        </p:txBody>
-      </p:sp>
-      <p:sp>
-        <p:nvSpPr>
-          <p:cNvPr id="45" name="사각형: 둥근 모서리 44">
-            <a:extLst>
-              <a:ext uri="{FF2B5EF4-FFF2-40B4-BE49-F238E27FC236}">
-                <a16:creationId xmlns:a16="http://schemas.microsoft.com/office/drawing/2014/main" id="{5794EF09-BECB-4A71-960A-D21D5CCBE250}"/>
-              </a:ext>
-            </a:extLst>
-          </p:cNvPr>
-          <p:cNvSpPr/>
-          <p:nvPr/>
-        </p:nvSpPr>
-        <p:spPr>
-          <a:xfrm>
-            <a:off x="5272420" y="2621806"/>
-            <a:ext cx="1263643" cy="763291"/>
-          </a:xfrm>
-          <a:prstGeom prst="roundRect">
-            <a:avLst>
-              <a:gd name="adj" fmla="val 5537"/>
-            </a:avLst>
-          </a:prstGeom>
-          <a:solidFill>
-            <a:schemeClr val="accent3">
-              <a:lumMod val="20000"/>
-              <a:lumOff val="80000"/>
-            </a:schemeClr>
-          </a:solidFill>
-        </p:spPr>
-        <p:style>
-          <a:lnRef idx="2">
-            <a:schemeClr val="dk1"/>
-          </a:lnRef>
-          <a:fillRef idx="1">
-            <a:schemeClr val="lt1"/>
-          </a:fillRef>
-          <a:effectRef idx="0">
-            <a:schemeClr val="dk1"/>
-          </a:effectRef>
-          <a:fontRef idx="minor">
-            <a:schemeClr val="dk1"/>
-          </a:fontRef>
-        </p:style>
-        <p:txBody>
-          <a:bodyPr rtlCol="0" anchor="b"/>
-          <a:lstStyle/>
-          <a:p>
-            <a:pPr algn="ctr"/>
-            <a:r>
-              <a:rPr lang="en-US" altLang="ko-KR" sz="1100"/>
-              <a:t>Stream 3</a:t>
-            </a:r>
-          </a:p>
-          <a:p>
-            <a:pPr algn="ctr"/>
-            <a:r>
-              <a:rPr lang="en-US" altLang="ko-KR" sz="1100"/>
-              <a:t>HEADERS</a:t>
             </a:r>
           </a:p>
           <a:p>
@@ -7072,9 +12316,9 @@
             </a:avLst>
           </a:prstGeom>
           <a:solidFill>
-            <a:schemeClr val="accent1">
-              <a:lumMod val="20000"/>
-              <a:lumOff val="80000"/>
+            <a:schemeClr val="accent6">
+              <a:lumMod val="40000"/>
+              <a:lumOff val="60000"/>
             </a:schemeClr>
           </a:solidFill>
         </p:spPr>
@@ -7099,7 +12343,7 @@
             <a:pPr algn="ctr"/>
             <a:r>
               <a:rPr lang="en-US" altLang="ko-KR" sz="1100"/>
-              <a:t>Stream 2</a:t>
+              <a:t>Stream 4</a:t>
             </a:r>
           </a:p>
           <a:p>
@@ -7333,10 +12577,1155 @@
           </a:fontRef>
         </p:style>
       </p:cxnSp>
+      <p:cxnSp>
+        <p:nvCxnSpPr>
+          <p:cNvPr id="19" name="직선 연결선 18">
+            <a:extLst>
+              <a:ext uri="{FF2B5EF4-FFF2-40B4-BE49-F238E27FC236}">
+                <a16:creationId xmlns:a16="http://schemas.microsoft.com/office/drawing/2014/main" id="{8B778606-7190-474E-B5C2-F145C8D08D22}"/>
+              </a:ext>
+            </a:extLst>
+          </p:cNvPr>
+          <p:cNvCxnSpPr>
+            <a:cxnSpLocks/>
+            <a:stCxn id="46" idx="1"/>
+            <a:endCxn id="43" idx="3"/>
+          </p:cNvCxnSpPr>
+          <p:nvPr/>
+        </p:nvCxnSpPr>
+        <p:spPr>
+          <a:xfrm flipH="1">
+            <a:off x="5272420" y="3003452"/>
+            <a:ext cx="1263641" cy="0"/>
+          </a:xfrm>
+          <a:prstGeom prst="line">
+            <a:avLst/>
+          </a:prstGeom>
+          <a:ln w="28575"/>
+        </p:spPr>
+        <p:style>
+          <a:lnRef idx="1">
+            <a:schemeClr val="dk1"/>
+          </a:lnRef>
+          <a:fillRef idx="0">
+            <a:schemeClr val="dk1"/>
+          </a:fillRef>
+          <a:effectRef idx="0">
+            <a:schemeClr val="dk1"/>
+          </a:effectRef>
+          <a:fontRef idx="minor">
+            <a:schemeClr val="tx1"/>
+          </a:fontRef>
+        </p:style>
+      </p:cxnSp>
     </p:spTree>
     <p:extLst>
       <p:ext uri="{BB962C8B-B14F-4D97-AF65-F5344CB8AC3E}">
-        <p14:creationId xmlns:p14="http://schemas.microsoft.com/office/powerpoint/2010/main" val="1777587799"/>
+        <p14:creationId xmlns:p14="http://schemas.microsoft.com/office/powerpoint/2010/main" val="365411553"/>
+      </p:ext>
+    </p:extLst>
+  </p:cSld>
+  <p:clrMapOvr>
+    <a:masterClrMapping/>
+  </p:clrMapOvr>
+</p:sld>
+</file>
+
+<file path=ppt/slides/slide5.xml><?xml version="1.0" encoding="utf-8"?>
+<p:sld xmlns:a="http://schemas.openxmlformats.org/drawingml/2006/main" xmlns:r="http://schemas.openxmlformats.org/officeDocument/2006/relationships" xmlns:p="http://schemas.openxmlformats.org/presentationml/2006/main">
+  <p:cSld>
+    <p:spTree>
+      <p:nvGrpSpPr>
+        <p:cNvPr id="1" name=""/>
+        <p:cNvGrpSpPr/>
+        <p:nvPr/>
+      </p:nvGrpSpPr>
+      <p:grpSpPr>
+        <a:xfrm>
+          <a:off x="0" y="0"/>
+          <a:ext cx="0" cy="0"/>
+          <a:chOff x="0" y="0"/>
+          <a:chExt cx="0" cy="0"/>
+        </a:xfrm>
+      </p:grpSpPr>
+      <p:sp>
+        <p:nvSpPr>
+          <p:cNvPr id="2" name="제목 1">
+            <a:extLst>
+              <a:ext uri="{FF2B5EF4-FFF2-40B4-BE49-F238E27FC236}">
+                <a16:creationId xmlns:a16="http://schemas.microsoft.com/office/drawing/2014/main" id="{ACF342D6-DC59-400E-A435-E90C225B2F04}"/>
+              </a:ext>
+            </a:extLst>
+          </p:cNvPr>
+          <p:cNvSpPr>
+            <a:spLocks noGrp="1"/>
+          </p:cNvSpPr>
+          <p:nvPr>
+            <p:ph type="title"/>
+          </p:nvPr>
+        </p:nvSpPr>
+        <p:spPr>
+          <a:xfrm>
+            <a:off x="457200" y="123478"/>
+            <a:ext cx="8229600" cy="857250"/>
+          </a:xfrm>
+        </p:spPr>
+        <p:txBody>
+          <a:bodyPr/>
+          <a:lstStyle/>
+          <a:p>
+            <a:r>
+              <a:rPr lang="en-US" altLang="ko-KR"/>
+              <a:t>Stream Priority</a:t>
+            </a:r>
+            <a:endParaRPr lang="ko-KR" altLang="en-US"/>
+          </a:p>
+        </p:txBody>
+      </p:sp>
+      <p:graphicFrame>
+        <p:nvGraphicFramePr>
+          <p:cNvPr id="3" name="다이어그램 2">
+            <a:extLst>
+              <a:ext uri="{FF2B5EF4-FFF2-40B4-BE49-F238E27FC236}">
+                <a16:creationId xmlns:a16="http://schemas.microsoft.com/office/drawing/2014/main" id="{9232AB79-F547-4B4E-A9EF-94FF27E9AB37}"/>
+              </a:ext>
+            </a:extLst>
+          </p:cNvPr>
+          <p:cNvGraphicFramePr/>
+          <p:nvPr>
+            <p:extLst>
+              <p:ext uri="{D42A27DB-BD31-4B8C-83A1-F6EECF244321}">
+                <p14:modId xmlns:p14="http://schemas.microsoft.com/office/powerpoint/2010/main" val="1019997263"/>
+              </p:ext>
+            </p:extLst>
+          </p:nvPr>
+        </p:nvGraphicFramePr>
+        <p:xfrm>
+          <a:off x="2483768" y="1491630"/>
+          <a:ext cx="4464496" cy="2016224"/>
+        </p:xfrm>
+        <a:graphic>
+          <a:graphicData uri="http://schemas.openxmlformats.org/drawingml/2006/diagram">
+            <dgm:relIds xmlns:dgm="http://schemas.openxmlformats.org/drawingml/2006/diagram" xmlns:r="http://schemas.openxmlformats.org/officeDocument/2006/relationships" r:dm="rId2" r:lo="rId3" r:qs="rId4" r:cs="rId5"/>
+          </a:graphicData>
+        </a:graphic>
+      </p:graphicFrame>
+    </p:spTree>
+    <p:extLst>
+      <p:ext uri="{BB962C8B-B14F-4D97-AF65-F5344CB8AC3E}">
+        <p14:creationId xmlns:p14="http://schemas.microsoft.com/office/powerpoint/2010/main" val="3467083172"/>
+      </p:ext>
+    </p:extLst>
+  </p:cSld>
+  <p:clrMapOvr>
+    <a:masterClrMapping/>
+  </p:clrMapOvr>
+</p:sld>
+</file>
+
+<file path=ppt/slides/slide6.xml><?xml version="1.0" encoding="utf-8"?>
+<p:sld xmlns:a="http://schemas.openxmlformats.org/drawingml/2006/main" xmlns:r="http://schemas.openxmlformats.org/officeDocument/2006/relationships" xmlns:p="http://schemas.openxmlformats.org/presentationml/2006/main">
+  <p:cSld>
+    <p:spTree>
+      <p:nvGrpSpPr>
+        <p:cNvPr id="1" name=""/>
+        <p:cNvGrpSpPr/>
+        <p:nvPr/>
+      </p:nvGrpSpPr>
+      <p:grpSpPr>
+        <a:xfrm>
+          <a:off x="0" y="0"/>
+          <a:ext cx="0" cy="0"/>
+          <a:chOff x="0" y="0"/>
+          <a:chExt cx="0" cy="0"/>
+        </a:xfrm>
+      </p:grpSpPr>
+      <p:sp>
+        <p:nvSpPr>
+          <p:cNvPr id="2" name="제목 1">
+            <a:extLst>
+              <a:ext uri="{FF2B5EF4-FFF2-40B4-BE49-F238E27FC236}">
+                <a16:creationId xmlns:a16="http://schemas.microsoft.com/office/drawing/2014/main" id="{ACF342D6-DC59-400E-A435-E90C225B2F04}"/>
+              </a:ext>
+            </a:extLst>
+          </p:cNvPr>
+          <p:cNvSpPr>
+            <a:spLocks noGrp="1"/>
+          </p:cNvSpPr>
+          <p:nvPr>
+            <p:ph type="title"/>
+          </p:nvPr>
+        </p:nvSpPr>
+        <p:spPr>
+          <a:xfrm>
+            <a:off x="457200" y="123478"/>
+            <a:ext cx="8229600" cy="857250"/>
+          </a:xfrm>
+        </p:spPr>
+        <p:txBody>
+          <a:bodyPr/>
+          <a:lstStyle/>
+          <a:p>
+            <a:r>
+              <a:rPr lang="en-US" altLang="ko-KR"/>
+              <a:t>Server Push</a:t>
+            </a:r>
+            <a:endParaRPr lang="ko-KR" altLang="en-US"/>
+          </a:p>
+        </p:txBody>
+      </p:sp>
+      <p:sp>
+        <p:nvSpPr>
+          <p:cNvPr id="33" name="직사각형 32">
+            <a:extLst>
+              <a:ext uri="{FF2B5EF4-FFF2-40B4-BE49-F238E27FC236}">
+                <a16:creationId xmlns:a16="http://schemas.microsoft.com/office/drawing/2014/main" id="{94F213A8-CF3E-470A-8AB0-576F3C28DC50}"/>
+              </a:ext>
+            </a:extLst>
+          </p:cNvPr>
+          <p:cNvSpPr/>
+          <p:nvPr/>
+        </p:nvSpPr>
+        <p:spPr>
+          <a:xfrm>
+            <a:off x="2879812" y="1459804"/>
+            <a:ext cx="936104" cy="319858"/>
+          </a:xfrm>
+          <a:prstGeom prst="rect">
+            <a:avLst/>
+          </a:prstGeom>
+        </p:spPr>
+        <p:style>
+          <a:lnRef idx="2">
+            <a:schemeClr val="dk1"/>
+          </a:lnRef>
+          <a:fillRef idx="1">
+            <a:schemeClr val="lt1"/>
+          </a:fillRef>
+          <a:effectRef idx="0">
+            <a:schemeClr val="dk1"/>
+          </a:effectRef>
+          <a:fontRef idx="minor">
+            <a:schemeClr val="dk1"/>
+          </a:fontRef>
+        </p:style>
+        <p:txBody>
+          <a:bodyPr rtlCol="0" anchor="ctr"/>
+          <a:lstStyle/>
+          <a:p>
+            <a:pPr algn="ctr"/>
+            <a:r>
+              <a:rPr lang="en-US" altLang="ko-KR" sz="1400"/>
+              <a:t>Client</a:t>
+            </a:r>
+            <a:endParaRPr lang="ko-KR" altLang="en-US" sz="1400"/>
+          </a:p>
+        </p:txBody>
+      </p:sp>
+      <p:sp>
+        <p:nvSpPr>
+          <p:cNvPr id="34" name="직사각형 33">
+            <a:extLst>
+              <a:ext uri="{FF2B5EF4-FFF2-40B4-BE49-F238E27FC236}">
+                <a16:creationId xmlns:a16="http://schemas.microsoft.com/office/drawing/2014/main" id="{D8DDD88D-B9CF-42D0-9125-AFB32D89F423}"/>
+              </a:ext>
+            </a:extLst>
+          </p:cNvPr>
+          <p:cNvSpPr/>
+          <p:nvPr/>
+        </p:nvSpPr>
+        <p:spPr>
+          <a:xfrm>
+            <a:off x="5508104" y="1459804"/>
+            <a:ext cx="936104" cy="319858"/>
+          </a:xfrm>
+          <a:prstGeom prst="rect">
+            <a:avLst/>
+          </a:prstGeom>
+        </p:spPr>
+        <p:style>
+          <a:lnRef idx="2">
+            <a:schemeClr val="dk1"/>
+          </a:lnRef>
+          <a:fillRef idx="1">
+            <a:schemeClr val="lt1"/>
+          </a:fillRef>
+          <a:effectRef idx="0">
+            <a:schemeClr val="dk1"/>
+          </a:effectRef>
+          <a:fontRef idx="minor">
+            <a:schemeClr val="dk1"/>
+          </a:fontRef>
+        </p:style>
+        <p:txBody>
+          <a:bodyPr rtlCol="0" anchor="ctr"/>
+          <a:lstStyle/>
+          <a:p>
+            <a:pPr algn="ctr"/>
+            <a:r>
+              <a:rPr lang="en-US" altLang="ko-KR" sz="1400"/>
+              <a:t>Server</a:t>
+            </a:r>
+            <a:endParaRPr lang="ko-KR" altLang="en-US" sz="1400"/>
+          </a:p>
+        </p:txBody>
+      </p:sp>
+      <p:cxnSp>
+        <p:nvCxnSpPr>
+          <p:cNvPr id="36" name="직선 연결선 35">
+            <a:extLst>
+              <a:ext uri="{FF2B5EF4-FFF2-40B4-BE49-F238E27FC236}">
+                <a16:creationId xmlns:a16="http://schemas.microsoft.com/office/drawing/2014/main" id="{3A7E0E05-3B60-464E-82C3-E0B7267862B5}"/>
+              </a:ext>
+            </a:extLst>
+          </p:cNvPr>
+          <p:cNvCxnSpPr>
+            <a:cxnSpLocks/>
+            <a:stCxn id="33" idx="2"/>
+          </p:cNvCxnSpPr>
+          <p:nvPr/>
+        </p:nvCxnSpPr>
+        <p:spPr>
+          <a:xfrm>
+            <a:off x="3347864" y="1779662"/>
+            <a:ext cx="0" cy="2272430"/>
+          </a:xfrm>
+          <a:prstGeom prst="line">
+            <a:avLst/>
+          </a:prstGeom>
+          <a:ln w="28575"/>
+        </p:spPr>
+        <p:style>
+          <a:lnRef idx="1">
+            <a:schemeClr val="dk1"/>
+          </a:lnRef>
+          <a:fillRef idx="0">
+            <a:schemeClr val="dk1"/>
+          </a:fillRef>
+          <a:effectRef idx="0">
+            <a:schemeClr val="dk1"/>
+          </a:effectRef>
+          <a:fontRef idx="minor">
+            <a:schemeClr val="tx1"/>
+          </a:fontRef>
+        </p:style>
+      </p:cxnSp>
+      <p:cxnSp>
+        <p:nvCxnSpPr>
+          <p:cNvPr id="38" name="직선 연결선 37">
+            <a:extLst>
+              <a:ext uri="{FF2B5EF4-FFF2-40B4-BE49-F238E27FC236}">
+                <a16:creationId xmlns:a16="http://schemas.microsoft.com/office/drawing/2014/main" id="{10130218-215A-4D34-AF86-F79DB3A1595C}"/>
+              </a:ext>
+            </a:extLst>
+          </p:cNvPr>
+          <p:cNvCxnSpPr>
+            <a:cxnSpLocks/>
+            <a:stCxn id="34" idx="2"/>
+          </p:cNvCxnSpPr>
+          <p:nvPr/>
+        </p:nvCxnSpPr>
+        <p:spPr>
+          <a:xfrm>
+            <a:off x="5976156" y="1779662"/>
+            <a:ext cx="0" cy="2272430"/>
+          </a:xfrm>
+          <a:prstGeom prst="line">
+            <a:avLst/>
+          </a:prstGeom>
+          <a:ln w="28575"/>
+        </p:spPr>
+        <p:style>
+          <a:lnRef idx="1">
+            <a:schemeClr val="dk1"/>
+          </a:lnRef>
+          <a:fillRef idx="0">
+            <a:schemeClr val="dk1"/>
+          </a:fillRef>
+          <a:effectRef idx="0">
+            <a:schemeClr val="dk1"/>
+          </a:effectRef>
+          <a:fontRef idx="minor">
+            <a:schemeClr val="tx1"/>
+          </a:fontRef>
+        </p:style>
+      </p:cxnSp>
+      <p:cxnSp>
+        <p:nvCxnSpPr>
+          <p:cNvPr id="91" name="직선 화살표 연결선 90">
+            <a:extLst>
+              <a:ext uri="{FF2B5EF4-FFF2-40B4-BE49-F238E27FC236}">
+                <a16:creationId xmlns:a16="http://schemas.microsoft.com/office/drawing/2014/main" id="{327ADFDE-CAE7-4D02-A411-511D14B0FCFD}"/>
+              </a:ext>
+            </a:extLst>
+          </p:cNvPr>
+          <p:cNvCxnSpPr>
+            <a:cxnSpLocks/>
+          </p:cNvCxnSpPr>
+          <p:nvPr/>
+        </p:nvCxnSpPr>
+        <p:spPr>
+          <a:xfrm flipV="1">
+            <a:off x="3360687" y="2645758"/>
+            <a:ext cx="2628292" cy="285502"/>
+          </a:xfrm>
+          <a:prstGeom prst="straightConnector1">
+            <a:avLst/>
+          </a:prstGeom>
+          <a:ln w="19050">
+            <a:solidFill>
+              <a:schemeClr val="tx2"/>
+            </a:solidFill>
+            <a:headEnd type="arrow" w="med" len="med"/>
+            <a:tailEnd type="none" w="med" len="med"/>
+          </a:ln>
+        </p:spPr>
+        <p:style>
+          <a:lnRef idx="1">
+            <a:schemeClr val="accent1"/>
+          </a:lnRef>
+          <a:fillRef idx="0">
+            <a:schemeClr val="accent1"/>
+          </a:fillRef>
+          <a:effectRef idx="0">
+            <a:schemeClr val="accent1"/>
+          </a:effectRef>
+          <a:fontRef idx="minor">
+            <a:schemeClr val="tx1"/>
+          </a:fontRef>
+        </p:style>
+      </p:cxnSp>
+      <p:cxnSp>
+        <p:nvCxnSpPr>
+          <p:cNvPr id="92" name="직선 화살표 연결선 91">
+            <a:extLst>
+              <a:ext uri="{FF2B5EF4-FFF2-40B4-BE49-F238E27FC236}">
+                <a16:creationId xmlns:a16="http://schemas.microsoft.com/office/drawing/2014/main" id="{69139461-F526-4A8D-A061-9611F79B3952}"/>
+              </a:ext>
+            </a:extLst>
+          </p:cNvPr>
+          <p:cNvCxnSpPr>
+            <a:cxnSpLocks/>
+          </p:cNvCxnSpPr>
+          <p:nvPr/>
+        </p:nvCxnSpPr>
+        <p:spPr>
+          <a:xfrm flipV="1">
+            <a:off x="3360687" y="2856494"/>
+            <a:ext cx="2628292" cy="285502"/>
+          </a:xfrm>
+          <a:prstGeom prst="straightConnector1">
+            <a:avLst/>
+          </a:prstGeom>
+          <a:ln w="19050">
+            <a:solidFill>
+              <a:srgbClr val="C00000"/>
+            </a:solidFill>
+            <a:headEnd type="arrow" w="med" len="med"/>
+            <a:tailEnd type="none" w="med" len="med"/>
+          </a:ln>
+        </p:spPr>
+        <p:style>
+          <a:lnRef idx="1">
+            <a:schemeClr val="accent1"/>
+          </a:lnRef>
+          <a:fillRef idx="0">
+            <a:schemeClr val="accent1"/>
+          </a:fillRef>
+          <a:effectRef idx="0">
+            <a:schemeClr val="accent1"/>
+          </a:effectRef>
+          <a:fontRef idx="minor">
+            <a:schemeClr val="tx1"/>
+          </a:fontRef>
+        </p:style>
+      </p:cxnSp>
+      <p:cxnSp>
+        <p:nvCxnSpPr>
+          <p:cNvPr id="93" name="직선 화살표 연결선 92">
+            <a:extLst>
+              <a:ext uri="{FF2B5EF4-FFF2-40B4-BE49-F238E27FC236}">
+                <a16:creationId xmlns:a16="http://schemas.microsoft.com/office/drawing/2014/main" id="{D5910345-7280-4991-8D92-FAC4376A12AC}"/>
+              </a:ext>
+            </a:extLst>
+          </p:cNvPr>
+          <p:cNvCxnSpPr>
+            <a:cxnSpLocks/>
+          </p:cNvCxnSpPr>
+          <p:nvPr/>
+        </p:nvCxnSpPr>
+        <p:spPr>
+          <a:xfrm flipV="1">
+            <a:off x="3360687" y="3078337"/>
+            <a:ext cx="2628292" cy="285502"/>
+          </a:xfrm>
+          <a:prstGeom prst="straightConnector1">
+            <a:avLst/>
+          </a:prstGeom>
+          <a:ln w="19050">
+            <a:solidFill>
+              <a:schemeClr val="accent3">
+                <a:lumMod val="75000"/>
+              </a:schemeClr>
+            </a:solidFill>
+            <a:headEnd type="arrow" w="med" len="med"/>
+            <a:tailEnd type="none" w="med" len="med"/>
+          </a:ln>
+        </p:spPr>
+        <p:style>
+          <a:lnRef idx="1">
+            <a:schemeClr val="accent1"/>
+          </a:lnRef>
+          <a:fillRef idx="0">
+            <a:schemeClr val="accent1"/>
+          </a:fillRef>
+          <a:effectRef idx="0">
+            <a:schemeClr val="accent1"/>
+          </a:effectRef>
+          <a:fontRef idx="minor">
+            <a:schemeClr val="tx1"/>
+          </a:fontRef>
+        </p:style>
+      </p:cxnSp>
+      <p:sp>
+        <p:nvSpPr>
+          <p:cNvPr id="101" name="TextBox 100">
+            <a:extLst>
+              <a:ext uri="{FF2B5EF4-FFF2-40B4-BE49-F238E27FC236}">
+                <a16:creationId xmlns:a16="http://schemas.microsoft.com/office/drawing/2014/main" id="{69FFDDF5-1D07-43CC-87A7-06B0E91C882D}"/>
+              </a:ext>
+            </a:extLst>
+          </p:cNvPr>
+          <p:cNvSpPr txBox="1"/>
+          <p:nvPr/>
+        </p:nvSpPr>
+        <p:spPr>
+          <a:xfrm>
+            <a:off x="5950755" y="2491166"/>
+            <a:ext cx="635110" cy="276999"/>
+          </a:xfrm>
+          <a:prstGeom prst="rect">
+            <a:avLst/>
+          </a:prstGeom>
+          <a:noFill/>
+        </p:spPr>
+        <p:txBody>
+          <a:bodyPr wrap="none" rtlCol="0">
+            <a:spAutoFit/>
+          </a:bodyPr>
+          <a:lstStyle/>
+          <a:p>
+            <a:pPr algn="ctr"/>
+            <a:r>
+              <a:rPr lang="en-US" altLang="ko-KR" sz="1200"/>
+              <a:t>/a.png</a:t>
+            </a:r>
+            <a:endParaRPr lang="ko-KR" altLang="en-US" sz="1200"/>
+          </a:p>
+        </p:txBody>
+      </p:sp>
+      <p:sp>
+        <p:nvSpPr>
+          <p:cNvPr id="102" name="TextBox 101">
+            <a:extLst>
+              <a:ext uri="{FF2B5EF4-FFF2-40B4-BE49-F238E27FC236}">
+                <a16:creationId xmlns:a16="http://schemas.microsoft.com/office/drawing/2014/main" id="{A94DAF36-BB7E-480A-AA26-787295582274}"/>
+              </a:ext>
+            </a:extLst>
+          </p:cNvPr>
+          <p:cNvSpPr txBox="1"/>
+          <p:nvPr/>
+        </p:nvSpPr>
+        <p:spPr>
+          <a:xfrm>
+            <a:off x="5944343" y="2725041"/>
+            <a:ext cx="647934" cy="276999"/>
+          </a:xfrm>
+          <a:prstGeom prst="rect">
+            <a:avLst/>
+          </a:prstGeom>
+          <a:noFill/>
+        </p:spPr>
+        <p:txBody>
+          <a:bodyPr wrap="none" rtlCol="0">
+            <a:spAutoFit/>
+          </a:bodyPr>
+          <a:lstStyle/>
+          <a:p>
+            <a:pPr algn="ctr"/>
+            <a:r>
+              <a:rPr lang="en-US" altLang="ko-KR" sz="1200"/>
+              <a:t>/b.png</a:t>
+            </a:r>
+            <a:endParaRPr lang="ko-KR" altLang="en-US" sz="1200"/>
+          </a:p>
+        </p:txBody>
+      </p:sp>
+      <p:sp>
+        <p:nvSpPr>
+          <p:cNvPr id="103" name="TextBox 102">
+            <a:extLst>
+              <a:ext uri="{FF2B5EF4-FFF2-40B4-BE49-F238E27FC236}">
+                <a16:creationId xmlns:a16="http://schemas.microsoft.com/office/drawing/2014/main" id="{3F60D8D3-672D-447D-9A11-6CC6B8E8532A}"/>
+              </a:ext>
+            </a:extLst>
+          </p:cNvPr>
+          <p:cNvSpPr txBox="1"/>
+          <p:nvPr/>
+        </p:nvSpPr>
+        <p:spPr>
+          <a:xfrm>
+            <a:off x="5954762" y="2939837"/>
+            <a:ext cx="627096" cy="276999"/>
+          </a:xfrm>
+          <a:prstGeom prst="rect">
+            <a:avLst/>
+          </a:prstGeom>
+          <a:noFill/>
+        </p:spPr>
+        <p:txBody>
+          <a:bodyPr wrap="none" rtlCol="0">
+            <a:spAutoFit/>
+          </a:bodyPr>
+          <a:lstStyle/>
+          <a:p>
+            <a:pPr algn="ctr"/>
+            <a:r>
+              <a:rPr lang="en-US" altLang="ko-KR" sz="1200"/>
+              <a:t>/c.png</a:t>
+            </a:r>
+            <a:endParaRPr lang="ko-KR" altLang="en-US" sz="1200"/>
+          </a:p>
+        </p:txBody>
+      </p:sp>
+      <p:cxnSp>
+        <p:nvCxnSpPr>
+          <p:cNvPr id="104" name="직선 화살표 연결선 103">
+            <a:extLst>
+              <a:ext uri="{FF2B5EF4-FFF2-40B4-BE49-F238E27FC236}">
+                <a16:creationId xmlns:a16="http://schemas.microsoft.com/office/drawing/2014/main" id="{DF8EF094-A93C-47CD-972B-FBACF30C9C1A}"/>
+              </a:ext>
+            </a:extLst>
+          </p:cNvPr>
+          <p:cNvCxnSpPr>
+            <a:cxnSpLocks/>
+          </p:cNvCxnSpPr>
+          <p:nvPr/>
+        </p:nvCxnSpPr>
+        <p:spPr>
+          <a:xfrm>
+            <a:off x="3559945" y="3688192"/>
+            <a:ext cx="287034" cy="0"/>
+          </a:xfrm>
+          <a:prstGeom prst="straightConnector1">
+            <a:avLst/>
+          </a:prstGeom>
+          <a:ln w="19050">
+            <a:solidFill>
+              <a:schemeClr val="tx1"/>
+            </a:solidFill>
+            <a:headEnd type="none" w="med" len="med"/>
+            <a:tailEnd type="arrow" w="med" len="med"/>
+          </a:ln>
+        </p:spPr>
+        <p:style>
+          <a:lnRef idx="1">
+            <a:schemeClr val="accent1"/>
+          </a:lnRef>
+          <a:fillRef idx="0">
+            <a:schemeClr val="accent1"/>
+          </a:fillRef>
+          <a:effectRef idx="0">
+            <a:schemeClr val="accent1"/>
+          </a:effectRef>
+          <a:fontRef idx="minor">
+            <a:schemeClr val="tx1"/>
+          </a:fontRef>
+        </p:style>
+      </p:cxnSp>
+      <p:sp>
+        <p:nvSpPr>
+          <p:cNvPr id="105" name="TextBox 104">
+            <a:extLst>
+              <a:ext uri="{FF2B5EF4-FFF2-40B4-BE49-F238E27FC236}">
+                <a16:creationId xmlns:a16="http://schemas.microsoft.com/office/drawing/2014/main" id="{459DF421-2FAD-41C3-BF66-446E4C358471}"/>
+              </a:ext>
+            </a:extLst>
+          </p:cNvPr>
+          <p:cNvSpPr txBox="1"/>
+          <p:nvPr/>
+        </p:nvSpPr>
+        <p:spPr>
+          <a:xfrm>
+            <a:off x="3852575" y="3552867"/>
+            <a:ext cx="803938" cy="276999"/>
+          </a:xfrm>
+          <a:prstGeom prst="rect">
+            <a:avLst/>
+          </a:prstGeom>
+          <a:noFill/>
+        </p:spPr>
+        <p:txBody>
+          <a:bodyPr wrap="none" rtlCol="0">
+            <a:spAutoFit/>
+          </a:bodyPr>
+          <a:lstStyle/>
+          <a:p>
+            <a:pPr algn="ctr"/>
+            <a:r>
+              <a:rPr lang="en-US" altLang="ko-KR" sz="1200"/>
+              <a:t>Stream 1</a:t>
+            </a:r>
+            <a:endParaRPr lang="ko-KR" altLang="en-US" sz="1200"/>
+          </a:p>
+        </p:txBody>
+      </p:sp>
+      <p:cxnSp>
+        <p:nvCxnSpPr>
+          <p:cNvPr id="106" name="직선 화살표 연결선 105">
+            <a:extLst>
+              <a:ext uri="{FF2B5EF4-FFF2-40B4-BE49-F238E27FC236}">
+                <a16:creationId xmlns:a16="http://schemas.microsoft.com/office/drawing/2014/main" id="{7D653854-4366-478F-8DF3-3463C00833A9}"/>
+              </a:ext>
+            </a:extLst>
+          </p:cNvPr>
+          <p:cNvCxnSpPr>
+            <a:cxnSpLocks/>
+          </p:cNvCxnSpPr>
+          <p:nvPr/>
+        </p:nvCxnSpPr>
+        <p:spPr>
+          <a:xfrm>
+            <a:off x="4688522" y="3688192"/>
+            <a:ext cx="287034" cy="0"/>
+          </a:xfrm>
+          <a:prstGeom prst="straightConnector1">
+            <a:avLst/>
+          </a:prstGeom>
+          <a:ln w="19050">
+            <a:solidFill>
+              <a:schemeClr val="tx2"/>
+            </a:solidFill>
+            <a:headEnd type="none" w="med" len="med"/>
+            <a:tailEnd type="arrow" w="med" len="med"/>
+          </a:ln>
+        </p:spPr>
+        <p:style>
+          <a:lnRef idx="1">
+            <a:schemeClr val="accent1"/>
+          </a:lnRef>
+          <a:fillRef idx="0">
+            <a:schemeClr val="accent1"/>
+          </a:fillRef>
+          <a:effectRef idx="0">
+            <a:schemeClr val="accent1"/>
+          </a:effectRef>
+          <a:fontRef idx="minor">
+            <a:schemeClr val="tx1"/>
+          </a:fontRef>
+        </p:style>
+      </p:cxnSp>
+      <p:sp>
+        <p:nvSpPr>
+          <p:cNvPr id="107" name="TextBox 106">
+            <a:extLst>
+              <a:ext uri="{FF2B5EF4-FFF2-40B4-BE49-F238E27FC236}">
+                <a16:creationId xmlns:a16="http://schemas.microsoft.com/office/drawing/2014/main" id="{E30188C9-3B0A-44EC-B2EE-CEFFD5D6ECA9}"/>
+              </a:ext>
+            </a:extLst>
+          </p:cNvPr>
+          <p:cNvSpPr txBox="1"/>
+          <p:nvPr/>
+        </p:nvSpPr>
+        <p:spPr>
+          <a:xfrm>
+            <a:off x="4981152" y="3552867"/>
+            <a:ext cx="803938" cy="276999"/>
+          </a:xfrm>
+          <a:prstGeom prst="rect">
+            <a:avLst/>
+          </a:prstGeom>
+          <a:noFill/>
+        </p:spPr>
+        <p:txBody>
+          <a:bodyPr wrap="none" rtlCol="0">
+            <a:spAutoFit/>
+          </a:bodyPr>
+          <a:lstStyle/>
+          <a:p>
+            <a:pPr algn="ctr"/>
+            <a:r>
+              <a:rPr lang="en-US" altLang="ko-KR" sz="1200"/>
+              <a:t>Stream 2</a:t>
+            </a:r>
+            <a:endParaRPr lang="ko-KR" altLang="en-US" sz="1200"/>
+          </a:p>
+        </p:txBody>
+      </p:sp>
+      <p:cxnSp>
+        <p:nvCxnSpPr>
+          <p:cNvPr id="108" name="직선 화살표 연결선 107">
+            <a:extLst>
+              <a:ext uri="{FF2B5EF4-FFF2-40B4-BE49-F238E27FC236}">
+                <a16:creationId xmlns:a16="http://schemas.microsoft.com/office/drawing/2014/main" id="{491C90AC-4B68-4F17-93AA-24309C97E15D}"/>
+              </a:ext>
+            </a:extLst>
+          </p:cNvPr>
+          <p:cNvCxnSpPr>
+            <a:cxnSpLocks/>
+          </p:cNvCxnSpPr>
+          <p:nvPr/>
+        </p:nvCxnSpPr>
+        <p:spPr>
+          <a:xfrm>
+            <a:off x="3559945" y="3964365"/>
+            <a:ext cx="287034" cy="0"/>
+          </a:xfrm>
+          <a:prstGeom prst="straightConnector1">
+            <a:avLst/>
+          </a:prstGeom>
+          <a:ln w="19050">
+            <a:solidFill>
+              <a:srgbClr val="C00000"/>
+            </a:solidFill>
+            <a:headEnd type="none" w="med" len="med"/>
+            <a:tailEnd type="arrow" w="med" len="med"/>
+          </a:ln>
+        </p:spPr>
+        <p:style>
+          <a:lnRef idx="1">
+            <a:schemeClr val="accent1"/>
+          </a:lnRef>
+          <a:fillRef idx="0">
+            <a:schemeClr val="accent1"/>
+          </a:fillRef>
+          <a:effectRef idx="0">
+            <a:schemeClr val="accent1"/>
+          </a:effectRef>
+          <a:fontRef idx="minor">
+            <a:schemeClr val="tx1"/>
+          </a:fontRef>
+        </p:style>
+      </p:cxnSp>
+      <p:sp>
+        <p:nvSpPr>
+          <p:cNvPr id="109" name="TextBox 108">
+            <a:extLst>
+              <a:ext uri="{FF2B5EF4-FFF2-40B4-BE49-F238E27FC236}">
+                <a16:creationId xmlns:a16="http://schemas.microsoft.com/office/drawing/2014/main" id="{62454DCC-0A88-44D3-9101-8236C8754304}"/>
+              </a:ext>
+            </a:extLst>
+          </p:cNvPr>
+          <p:cNvSpPr txBox="1"/>
+          <p:nvPr/>
+        </p:nvSpPr>
+        <p:spPr>
+          <a:xfrm>
+            <a:off x="3852575" y="3829040"/>
+            <a:ext cx="803938" cy="276999"/>
+          </a:xfrm>
+          <a:prstGeom prst="rect">
+            <a:avLst/>
+          </a:prstGeom>
+          <a:noFill/>
+        </p:spPr>
+        <p:txBody>
+          <a:bodyPr wrap="none" rtlCol="0">
+            <a:spAutoFit/>
+          </a:bodyPr>
+          <a:lstStyle/>
+          <a:p>
+            <a:pPr algn="ctr"/>
+            <a:r>
+              <a:rPr lang="en-US" altLang="ko-KR" sz="1200"/>
+              <a:t>Stream 3</a:t>
+            </a:r>
+            <a:endParaRPr lang="ko-KR" altLang="en-US" sz="1200"/>
+          </a:p>
+        </p:txBody>
+      </p:sp>
+      <p:cxnSp>
+        <p:nvCxnSpPr>
+          <p:cNvPr id="41" name="직선 화살표 연결선 40">
+            <a:extLst>
+              <a:ext uri="{FF2B5EF4-FFF2-40B4-BE49-F238E27FC236}">
+                <a16:creationId xmlns:a16="http://schemas.microsoft.com/office/drawing/2014/main" id="{8079E420-A4A0-4F9B-BDD5-5C8E9F73CF0A}"/>
+              </a:ext>
+            </a:extLst>
+          </p:cNvPr>
+          <p:cNvCxnSpPr>
+            <a:cxnSpLocks/>
+          </p:cNvCxnSpPr>
+          <p:nvPr/>
+        </p:nvCxnSpPr>
+        <p:spPr>
+          <a:xfrm>
+            <a:off x="3360687" y="2140235"/>
+            <a:ext cx="2628292" cy="288032"/>
+          </a:xfrm>
+          <a:prstGeom prst="straightConnector1">
+            <a:avLst/>
+          </a:prstGeom>
+          <a:ln w="19050">
+            <a:solidFill>
+              <a:schemeClr val="tx1"/>
+            </a:solidFill>
+            <a:headEnd type="none" w="med" len="med"/>
+            <a:tailEnd type="arrow" w="med" len="med"/>
+          </a:ln>
+        </p:spPr>
+        <p:style>
+          <a:lnRef idx="1">
+            <a:schemeClr val="accent1"/>
+          </a:lnRef>
+          <a:fillRef idx="0">
+            <a:schemeClr val="accent1"/>
+          </a:fillRef>
+          <a:effectRef idx="0">
+            <a:schemeClr val="accent1"/>
+          </a:effectRef>
+          <a:fontRef idx="minor">
+            <a:schemeClr val="tx1"/>
+          </a:fontRef>
+        </p:style>
+      </p:cxnSp>
+      <p:cxnSp>
+        <p:nvCxnSpPr>
+          <p:cNvPr id="42" name="직선 화살표 연결선 41">
+            <a:extLst>
+              <a:ext uri="{FF2B5EF4-FFF2-40B4-BE49-F238E27FC236}">
+                <a16:creationId xmlns:a16="http://schemas.microsoft.com/office/drawing/2014/main" id="{4863448B-671B-4C10-9460-A1AB27552D33}"/>
+              </a:ext>
+            </a:extLst>
+          </p:cNvPr>
+          <p:cNvCxnSpPr>
+            <a:cxnSpLocks/>
+          </p:cNvCxnSpPr>
+          <p:nvPr/>
+        </p:nvCxnSpPr>
+        <p:spPr>
+          <a:xfrm flipV="1">
+            <a:off x="3360687" y="2423915"/>
+            <a:ext cx="2628292" cy="285502"/>
+          </a:xfrm>
+          <a:prstGeom prst="straightConnector1">
+            <a:avLst/>
+          </a:prstGeom>
+          <a:ln w="19050">
+            <a:solidFill>
+              <a:schemeClr val="tx1"/>
+            </a:solidFill>
+            <a:headEnd type="arrow" w="med" len="med"/>
+            <a:tailEnd type="none" w="med" len="med"/>
+          </a:ln>
+        </p:spPr>
+        <p:style>
+          <a:lnRef idx="1">
+            <a:schemeClr val="accent1"/>
+          </a:lnRef>
+          <a:fillRef idx="0">
+            <a:schemeClr val="accent1"/>
+          </a:fillRef>
+          <a:effectRef idx="0">
+            <a:schemeClr val="accent1"/>
+          </a:effectRef>
+          <a:fontRef idx="minor">
+            <a:schemeClr val="tx1"/>
+          </a:fontRef>
+        </p:style>
+      </p:cxnSp>
+      <p:sp>
+        <p:nvSpPr>
+          <p:cNvPr id="43" name="TextBox 42">
+            <a:extLst>
+              <a:ext uri="{FF2B5EF4-FFF2-40B4-BE49-F238E27FC236}">
+                <a16:creationId xmlns:a16="http://schemas.microsoft.com/office/drawing/2014/main" id="{E6258D0E-00E7-4D26-B1DF-BF867E30CE39}"/>
+              </a:ext>
+            </a:extLst>
+          </p:cNvPr>
+          <p:cNvSpPr txBox="1"/>
+          <p:nvPr/>
+        </p:nvSpPr>
+        <p:spPr>
+          <a:xfrm>
+            <a:off x="2362105" y="1926739"/>
+            <a:ext cx="1041916" cy="461665"/>
+          </a:xfrm>
+          <a:prstGeom prst="rect">
+            <a:avLst/>
+          </a:prstGeom>
+          <a:noFill/>
+        </p:spPr>
+        <p:txBody>
+          <a:bodyPr wrap="square" rtlCol="0">
+            <a:spAutoFit/>
+          </a:bodyPr>
+          <a:lstStyle/>
+          <a:p>
+            <a:pPr algn="ctr"/>
+            <a:r>
+              <a:rPr lang="en-US" altLang="ko-KR" sz="1200"/>
+              <a:t>GET /index.html</a:t>
+            </a:r>
+            <a:endParaRPr lang="ko-KR" altLang="en-US" sz="1200"/>
+          </a:p>
+        </p:txBody>
+      </p:sp>
+      <p:sp>
+        <p:nvSpPr>
+          <p:cNvPr id="45" name="TextBox 44">
+            <a:extLst>
+              <a:ext uri="{FF2B5EF4-FFF2-40B4-BE49-F238E27FC236}">
+                <a16:creationId xmlns:a16="http://schemas.microsoft.com/office/drawing/2014/main" id="{C8FAF3D0-D1C7-4D79-B69A-4C09DE699610}"/>
+              </a:ext>
+            </a:extLst>
+          </p:cNvPr>
+          <p:cNvSpPr txBox="1"/>
+          <p:nvPr/>
+        </p:nvSpPr>
+        <p:spPr>
+          <a:xfrm>
+            <a:off x="5816840" y="2277901"/>
+            <a:ext cx="1235799" cy="276999"/>
+          </a:xfrm>
+          <a:prstGeom prst="rect">
+            <a:avLst/>
+          </a:prstGeom>
+          <a:noFill/>
+        </p:spPr>
+        <p:txBody>
+          <a:bodyPr wrap="square" rtlCol="0">
+            <a:spAutoFit/>
+          </a:bodyPr>
+          <a:lstStyle/>
+          <a:p>
+            <a:pPr algn="ctr"/>
+            <a:r>
+              <a:rPr lang="en-US" altLang="ko-KR" sz="1200"/>
+              <a:t>/index.html</a:t>
+            </a:r>
+            <a:endParaRPr lang="ko-KR" altLang="en-US" sz="1200"/>
+          </a:p>
+        </p:txBody>
+      </p:sp>
+      <p:cxnSp>
+        <p:nvCxnSpPr>
+          <p:cNvPr id="46" name="직선 화살표 연결선 45">
+            <a:extLst>
+              <a:ext uri="{FF2B5EF4-FFF2-40B4-BE49-F238E27FC236}">
+                <a16:creationId xmlns:a16="http://schemas.microsoft.com/office/drawing/2014/main" id="{1828AB1D-29B9-4DAC-9C80-6E9AF27E4B66}"/>
+              </a:ext>
+            </a:extLst>
+          </p:cNvPr>
+          <p:cNvCxnSpPr>
+            <a:cxnSpLocks/>
+          </p:cNvCxnSpPr>
+          <p:nvPr/>
+        </p:nvCxnSpPr>
+        <p:spPr>
+          <a:xfrm>
+            <a:off x="4688522" y="3964365"/>
+            <a:ext cx="287034" cy="0"/>
+          </a:xfrm>
+          <a:prstGeom prst="straightConnector1">
+            <a:avLst/>
+          </a:prstGeom>
+          <a:ln w="19050">
+            <a:solidFill>
+              <a:schemeClr val="accent3">
+                <a:lumMod val="75000"/>
+              </a:schemeClr>
+            </a:solidFill>
+            <a:headEnd type="none" w="med" len="med"/>
+            <a:tailEnd type="arrow" w="med" len="med"/>
+          </a:ln>
+        </p:spPr>
+        <p:style>
+          <a:lnRef idx="1">
+            <a:schemeClr val="accent1"/>
+          </a:lnRef>
+          <a:fillRef idx="0">
+            <a:schemeClr val="accent1"/>
+          </a:fillRef>
+          <a:effectRef idx="0">
+            <a:schemeClr val="accent1"/>
+          </a:effectRef>
+          <a:fontRef idx="minor">
+            <a:schemeClr val="tx1"/>
+          </a:fontRef>
+        </p:style>
+      </p:cxnSp>
+      <p:sp>
+        <p:nvSpPr>
+          <p:cNvPr id="47" name="TextBox 46">
+            <a:extLst>
+              <a:ext uri="{FF2B5EF4-FFF2-40B4-BE49-F238E27FC236}">
+                <a16:creationId xmlns:a16="http://schemas.microsoft.com/office/drawing/2014/main" id="{E4F7CAAF-939A-4D59-8206-2C3B88A25F07}"/>
+              </a:ext>
+            </a:extLst>
+          </p:cNvPr>
+          <p:cNvSpPr txBox="1"/>
+          <p:nvPr/>
+        </p:nvSpPr>
+        <p:spPr>
+          <a:xfrm>
+            <a:off x="4981152" y="3829040"/>
+            <a:ext cx="803938" cy="276999"/>
+          </a:xfrm>
+          <a:prstGeom prst="rect">
+            <a:avLst/>
+          </a:prstGeom>
+          <a:noFill/>
+        </p:spPr>
+        <p:txBody>
+          <a:bodyPr wrap="none" rtlCol="0">
+            <a:spAutoFit/>
+          </a:bodyPr>
+          <a:lstStyle/>
+          <a:p>
+            <a:pPr algn="ctr"/>
+            <a:r>
+              <a:rPr lang="en-US" altLang="ko-KR" sz="1200"/>
+              <a:t>Stream 4</a:t>
+            </a:r>
+            <a:endParaRPr lang="ko-KR" altLang="en-US" sz="1200"/>
+          </a:p>
+        </p:txBody>
+      </p:sp>
+    </p:spTree>
+    <p:extLst>
+      <p:ext uri="{BB962C8B-B14F-4D97-AF65-F5344CB8AC3E}">
+        <p14:creationId xmlns:p14="http://schemas.microsoft.com/office/powerpoint/2010/main" val="1304980152"/>
+      </p:ext>
+    </p:extLst>
+  </p:cSld>
+  <p:clrMapOvr>
+    <a:masterClrMapping/>
+  </p:clrMapOvr>
+</p:sld>
+</file>
+
+<file path=ppt/slides/slide7.xml><?xml version="1.0" encoding="utf-8"?>
+<p:sld xmlns:a="http://schemas.openxmlformats.org/drawingml/2006/main" xmlns:r="http://schemas.openxmlformats.org/officeDocument/2006/relationships" xmlns:p="http://schemas.openxmlformats.org/presentationml/2006/main">
+  <p:cSld>
+    <p:spTree>
+      <p:nvGrpSpPr>
+        <p:cNvPr id="1" name=""/>
+        <p:cNvGrpSpPr/>
+        <p:nvPr/>
+      </p:nvGrpSpPr>
+      <p:grpSpPr>
+        <a:xfrm>
+          <a:off x="0" y="0"/>
+          <a:ext cx="0" cy="0"/>
+          <a:chOff x="0" y="0"/>
+          <a:chExt cx="0" cy="0"/>
+        </a:xfrm>
+      </p:grpSpPr>
+    </p:spTree>
+    <p:extLst>
+      <p:ext uri="{BB962C8B-B14F-4D97-AF65-F5344CB8AC3E}">
+        <p14:creationId xmlns:p14="http://schemas.microsoft.com/office/powerpoint/2010/main" val="2433513906"/>
       </p:ext>
     </p:extLst>
   </p:cSld>
